--- a/fuentes/contenidos/grado10/guion11/Material_Autores/MapaConceptual_MA_G10_11_CO.pptx
+++ b/fuentes/contenidos/grado10/guion11/Material_Autores/MapaConceptual_MA_G10_11_CO.pptx
@@ -11,7 +11,7 @@
     <p:sldId id="259" r:id="rId2"/>
   </p:sldIdLst>
   <p:sldSz cx="9144000" cy="6858000" type="letter"/>
-  <p:notesSz cx="6794500" cy="9918700"/>
+  <p:notesSz cx="7315200" cy="9601200"/>
   <p:defaultTextStyle>
     <a:defPPr>
       <a:defRPr lang="es-ES"/>
@@ -109,7 +109,18 @@
   </p:defaultTextStyle>
   <p:extLst>
     <p:ext uri="{EFAFB233-063F-42B5-8137-9DF3F51BA10A}">
-      <p15:sldGuideLst xmlns:p15="http://schemas.microsoft.com/office/powerpoint/2012/main" xmlns=""/>
+      <p15:sldGuideLst xmlns:p15="http://schemas.microsoft.com/office/powerpoint/2012/main">
+        <p15:guide id="1" orient="horz" pos="2160">
+          <p15:clr>
+            <a:srgbClr val="A4A3A4"/>
+          </p15:clr>
+        </p15:guide>
+        <p15:guide id="2" pos="2880">
+          <p15:clr>
+            <a:srgbClr val="A4A3A4"/>
+          </p15:clr>
+        </p15:guide>
+      </p15:sldGuideLst>
     </p:ext>
   </p:extLst>
 </p:presentation>
@@ -149,8 +160,8 @@
         </p:nvSpPr>
         <p:spPr>
           <a:xfrm>
-            <a:off x="0" y="0"/>
-            <a:ext cx="2944813" cy="495300"/>
+            <a:off x="1" y="0"/>
+            <a:ext cx="3170490" cy="479445"/>
           </a:xfrm>
           <a:prstGeom prst="rect">
             <a:avLst/>
@@ -180,8 +191,8 @@
         </p:nvSpPr>
         <p:spPr>
           <a:xfrm>
-            <a:off x="3848100" y="0"/>
-            <a:ext cx="2944813" cy="495300"/>
+            <a:off x="4143002" y="0"/>
+            <a:ext cx="3170490" cy="479445"/>
           </a:xfrm>
           <a:prstGeom prst="rect">
             <a:avLst/>
@@ -197,7 +208,7 @@
           <a:p>
             <a:fld id="{28E7A8D4-14BB-254E-8C65-0ECB4581BCDE}" type="datetimeFigureOut">
               <a:rPr lang="es-ES" smtClean="0"/>
-              <a:t>18/01/16</a:t>
+              <a:t>21/07/2016</a:t>
             </a:fld>
             <a:endParaRPr lang="es-ES"/>
           </a:p>
@@ -215,8 +226,8 @@
         </p:nvSpPr>
         <p:spPr>
           <a:xfrm>
-            <a:off x="917575" y="744538"/>
-            <a:ext cx="4959350" cy="3719512"/>
+            <a:off x="1257300" y="720725"/>
+            <a:ext cx="4800600" cy="3600450"/>
           </a:xfrm>
           <a:prstGeom prst="rect">
             <a:avLst/>
@@ -248,8 +259,8 @@
         </p:nvSpPr>
         <p:spPr>
           <a:xfrm>
-            <a:off x="679450" y="4711700"/>
-            <a:ext cx="5435600" cy="4462463"/>
+            <a:off x="731520" y="4560878"/>
+            <a:ext cx="5852160" cy="4319618"/>
           </a:xfrm>
           <a:prstGeom prst="rect">
             <a:avLst/>
@@ -261,35 +272,35 @@
           <a:p>
             <a:pPr lvl="0"/>
             <a:r>
-              <a:rPr lang="es-ES_tradnl" smtClean="0"/>
+              <a:rPr lang="es-ES_tradnl"/>
               <a:t>Haga clic para modificar el estilo de texto del patrón</a:t>
             </a:r>
           </a:p>
           <a:p>
             <a:pPr lvl="1"/>
             <a:r>
-              <a:rPr lang="es-ES_tradnl" smtClean="0"/>
+              <a:rPr lang="es-ES_tradnl"/>
               <a:t>Segundo nivel</a:t>
             </a:r>
           </a:p>
           <a:p>
             <a:pPr lvl="2"/>
             <a:r>
-              <a:rPr lang="es-ES_tradnl" smtClean="0"/>
+              <a:rPr lang="es-ES_tradnl"/>
               <a:t>Tercer nivel</a:t>
             </a:r>
           </a:p>
           <a:p>
             <a:pPr lvl="3"/>
             <a:r>
-              <a:rPr lang="es-ES_tradnl" smtClean="0"/>
+              <a:rPr lang="es-ES_tradnl"/>
               <a:t>Cuarto nivel</a:t>
             </a:r>
           </a:p>
           <a:p>
             <a:pPr lvl="4"/>
             <a:r>
-              <a:rPr lang="es-ES_tradnl" smtClean="0"/>
+              <a:rPr lang="es-ES_tradnl"/>
               <a:t>Quinto nivel</a:t>
             </a:r>
             <a:endParaRPr lang="es-ES"/>
@@ -308,8 +319,8 @@
         </p:nvSpPr>
         <p:spPr>
           <a:xfrm>
-            <a:off x="0" y="9421813"/>
-            <a:ext cx="2944813" cy="495300"/>
+            <a:off x="1" y="9120219"/>
+            <a:ext cx="3170490" cy="479445"/>
           </a:xfrm>
           <a:prstGeom prst="rect">
             <a:avLst/>
@@ -339,8 +350,8 @@
         </p:nvSpPr>
         <p:spPr>
           <a:xfrm>
-            <a:off x="3848100" y="9421813"/>
-            <a:ext cx="2944813" cy="495300"/>
+            <a:off x="4143002" y="9120219"/>
+            <a:ext cx="3170490" cy="479445"/>
           </a:xfrm>
           <a:prstGeom prst="rect">
             <a:avLst/>
@@ -356,7 +367,7 @@
           <a:p>
             <a:fld id="{D40DAD8F-77B9-D248-9F83-6A470D608F1B}" type="slidenum">
               <a:rPr lang="es-ES" smtClean="0"/>
-              <a:t>‹Nr.›</a:t>
+              <a:t>‹Nº›</a:t>
             </a:fld>
             <a:endParaRPr lang="es-ES"/>
           </a:p>
@@ -576,13 +587,6 @@
   <p:clrMapOvr>
     <a:masterClrMapping/>
   </p:clrMapOvr>
-  <p:timing>
-    <p:tnLst>
-      <p:par>
-        <p:cTn xmlns:p14="http://schemas.microsoft.com/office/powerpoint/2010/main" id="1" dur="indefinite" restart="never" nodeType="tmRoot"/>
-      </p:par>
-    </p:tnLst>
-  </p:timing>
 </p:sldLayout>
 </file>
 
@@ -613,13 +617,6 @@
   <p:clrMapOvr>
     <a:masterClrMapping/>
   </p:clrMapOvr>
-  <p:timing>
-    <p:tnLst>
-      <p:par>
-        <p:cTn xmlns:p14="http://schemas.microsoft.com/office/powerpoint/2010/main" id="1" dur="indefinite" restart="never" nodeType="tmRoot"/>
-      </p:par>
-    </p:tnLst>
-  </p:timing>
 </p:sldLayout>
 </file>
 
@@ -650,13 +647,6 @@
   <p:clrMapOvr>
     <a:masterClrMapping/>
   </p:clrMapOvr>
-  <p:timing>
-    <p:tnLst>
-      <p:par>
-        <p:cTn xmlns:p14="http://schemas.microsoft.com/office/powerpoint/2010/main" id="1" dur="indefinite" restart="never" nodeType="tmRoot"/>
-      </p:par>
-    </p:tnLst>
-  </p:timing>
 </p:sldLayout>
 </file>
 
@@ -687,13 +677,6 @@
   <p:clrMapOvr>
     <a:masterClrMapping/>
   </p:clrMapOvr>
-  <p:timing>
-    <p:tnLst>
-      <p:par>
-        <p:cTn xmlns:p14="http://schemas.microsoft.com/office/powerpoint/2010/main" id="1" dur="indefinite" restart="never" nodeType="tmRoot"/>
-      </p:par>
-    </p:tnLst>
-  </p:timing>
 </p:sldLayout>
 </file>
 
@@ -724,13 +707,6 @@
   <p:clrMapOvr>
     <a:masterClrMapping/>
   </p:clrMapOvr>
-  <p:timing>
-    <p:tnLst>
-      <p:par>
-        <p:cTn xmlns:p14="http://schemas.microsoft.com/office/powerpoint/2010/main" id="1" dur="indefinite" restart="never" nodeType="tmRoot"/>
-      </p:par>
-    </p:tnLst>
-  </p:timing>
 </p:sldLayout>
 </file>
 
@@ -761,13 +737,6 @@
   <p:clrMapOvr>
     <a:masterClrMapping/>
   </p:clrMapOvr>
-  <p:timing>
-    <p:tnLst>
-      <p:par>
-        <p:cTn xmlns:p14="http://schemas.microsoft.com/office/powerpoint/2010/main" id="1" dur="indefinite" restart="never" nodeType="tmRoot"/>
-      </p:par>
-    </p:tnLst>
-  </p:timing>
 </p:sldLayout>
 </file>
 
@@ -798,13 +767,6 @@
   <p:clrMapOvr>
     <a:masterClrMapping/>
   </p:clrMapOvr>
-  <p:timing>
-    <p:tnLst>
-      <p:par>
-        <p:cTn xmlns:p14="http://schemas.microsoft.com/office/powerpoint/2010/main" id="1" dur="indefinite" restart="never" nodeType="tmRoot"/>
-      </p:par>
-    </p:tnLst>
-  </p:timing>
 </p:sldLayout>
 </file>
 
@@ -835,13 +797,6 @@
   <p:clrMapOvr>
     <a:masterClrMapping/>
   </p:clrMapOvr>
-  <p:timing>
-    <p:tnLst>
-      <p:par>
-        <p:cTn xmlns:p14="http://schemas.microsoft.com/office/powerpoint/2010/main" id="1" dur="indefinite" restart="never" nodeType="tmRoot"/>
-      </p:par>
-    </p:tnLst>
-  </p:timing>
 </p:sldLayout>
 </file>
 
@@ -887,7 +842,7 @@
           <a:p>
             <a:fld id="{5001C876-01F7-4317-94B9-1AE222133113}" type="datetimeFigureOut">
               <a:rPr lang="es-ES" smtClean="0"/>
-              <a:t>18/01/16</a:t>
+              <a:t>21/07/2016</a:t>
             </a:fld>
             <a:endParaRPr lang="es-ES"/>
           </a:p>
@@ -945,7 +900,7 @@
           <a:p>
             <a:fld id="{58140F73-F5A2-4B82-A2FA-BF1850CF1309}" type="slidenum">
               <a:rPr lang="es-ES" smtClean="0"/>
-              <a:t>‹Nr.›</a:t>
+              <a:t>‹Nº›</a:t>
             </a:fld>
             <a:endParaRPr lang="es-ES"/>
           </a:p>
@@ -961,13 +916,6 @@
   <p:clrMapOvr>
     <a:masterClrMapping/>
   </p:clrMapOvr>
-  <p:timing>
-    <p:tnLst>
-      <p:par>
-        <p:cTn xmlns:p14="http://schemas.microsoft.com/office/powerpoint/2010/main" id="1" dur="indefinite" restart="never" nodeType="tmRoot"/>
-      </p:par>
-    </p:tnLst>
-  </p:timing>
 </p:sldLayout>
 </file>
 
@@ -998,13 +946,6 @@
   <p:clrMapOvr>
     <a:masterClrMapping/>
   </p:clrMapOvr>
-  <p:timing>
-    <p:tnLst>
-      <p:par>
-        <p:cTn xmlns:p14="http://schemas.microsoft.com/office/powerpoint/2010/main" id="1" dur="indefinite" restart="never" nodeType="tmRoot"/>
-      </p:par>
-    </p:tnLst>
-  </p:timing>
 </p:sldLayout>
 </file>
 
@@ -1035,13 +976,6 @@
   <p:clrMapOvr>
     <a:masterClrMapping/>
   </p:clrMapOvr>
-  <p:timing>
-    <p:tnLst>
-      <p:par>
-        <p:cTn xmlns:p14="http://schemas.microsoft.com/office/powerpoint/2010/main" id="1" dur="indefinite" restart="never" nodeType="tmRoot"/>
-      </p:par>
-    </p:tnLst>
-  </p:timing>
 </p:sldLayout>
 </file>
 
@@ -1075,7 +1009,7 @@
         </p:nvSpPr>
         <p:spPr>
           <a:xfrm rot="16200000">
-            <a:off x="-1278861" y="1710405"/>
+            <a:off x="-1408401" y="1710405"/>
             <a:ext cx="3121368" cy="276999"/>
           </a:xfrm>
           <a:prstGeom prst="rect">
@@ -1091,16 +1025,12 @@
           <a:p>
             <a:pPr algn="ctr"/>
             <a:r>
-              <a:rPr lang="es-ES" sz="1200" dirty="0" smtClean="0">
+              <a:rPr lang="es-ES" sz="1200" dirty="0">
                 <a:latin typeface="Arial" panose="020B0604020202020204" pitchFamily="34" charset="0"/>
                 <a:cs typeface="Arial" panose="020B0604020202020204" pitchFamily="34" charset="0"/>
               </a:rPr>
-              <a:t>© Editorial Planeta Colombiana S.A., 2015.</a:t>
-            </a:r>
-            <a:endParaRPr lang="es-ES" sz="1200" dirty="0">
-              <a:latin typeface="Arial" panose="020B0604020202020204" pitchFamily="34" charset="0"/>
-              <a:cs typeface="Arial" panose="020B0604020202020204" pitchFamily="34" charset="0"/>
-            </a:endParaRPr>
+              <a:t>© Editorial Planeta Colombiana S.A., 2016.</a:t>
+            </a:r>
           </a:p>
         </p:txBody>
       </p:sp>
@@ -1126,7 +1056,7 @@
         </p:blipFill>
         <p:spPr>
           <a:xfrm rot="16200000">
-            <a:off x="190852" y="197250"/>
+            <a:off x="61312" y="197250"/>
             <a:ext cx="181942" cy="181942"/>
           </a:xfrm>
           <a:prstGeom prst="rect">
@@ -1155,13 +1085,6 @@
     <p:sldLayoutId id="2147483670" r:id="rId10"/>
     <p:sldLayoutId id="2147483671" r:id="rId11"/>
   </p:sldLayoutIdLst>
-  <p:timing>
-    <p:tnLst>
-      <p:par>
-        <p:cTn xmlns:p14="http://schemas.microsoft.com/office/powerpoint/2010/main" id="1" dur="indefinite" restart="never" nodeType="tmRoot"/>
-      </p:par>
-    </p:tnLst>
-  </p:timing>
   <p:txStyles>
     <p:titleStyle>
       <a:lvl1pPr algn="l" defTabSz="914400" rtl="0" eaLnBrk="1" latinLnBrk="0" hangingPunct="1">
@@ -1505,16 +1428,12 @@
           <a:p>
             <a:pPr algn="ctr"/>
             <a:r>
-              <a:rPr lang="es-ES" sz="1600" dirty="0" smtClean="0">
+              <a:rPr lang="es-ES" sz="1600" dirty="0">
                 <a:latin typeface="Arial"/>
                 <a:cs typeface="Arial"/>
               </a:rPr>
               <a:t>Estadística</a:t>
             </a:r>
-            <a:endParaRPr lang="es-ES" sz="1600" dirty="0">
-              <a:latin typeface="Arial"/>
-              <a:cs typeface="Arial"/>
-            </a:endParaRPr>
           </a:p>
         </p:txBody>
       </p:sp>
@@ -1526,7 +1445,7 @@
         </p:nvSpPr>
         <p:spPr>
           <a:xfrm>
-            <a:off x="734586" y="692696"/>
+            <a:off x="513606" y="682536"/>
             <a:ext cx="1656184" cy="432048"/>
           </a:xfrm>
           <a:prstGeom prst="rect">
@@ -1567,7 +1486,7 @@
           <a:lstStyle/>
           <a:p>
             <a:pPr algn="ctr"/>
-            <a:endParaRPr lang="es-ES" sz="1200" b="1" dirty="0" smtClean="0">
+            <a:endParaRPr lang="es-ES" sz="1200" b="1" dirty="0">
               <a:latin typeface="Arial"/>
               <a:cs typeface="Arial"/>
             </a:endParaRPr>
@@ -1575,7 +1494,7 @@
           <a:p>
             <a:pPr algn="ctr"/>
             <a:r>
-              <a:rPr lang="es-ES" sz="1200" b="1" dirty="0" smtClean="0">
+              <a:rPr lang="es-ES" sz="1200" b="1" dirty="0">
                 <a:latin typeface="Arial"/>
                 <a:cs typeface="Arial"/>
               </a:rPr>
@@ -1599,8 +1518,8 @@
         </p:nvSpPr>
         <p:spPr>
           <a:xfrm>
-            <a:off x="1001297" y="1268760"/>
-            <a:ext cx="1122431" cy="230832"/>
+            <a:off x="993062" y="1188207"/>
+            <a:ext cx="696941" cy="190770"/>
           </a:xfrm>
           <a:prstGeom prst="rect">
             <a:avLst/>
@@ -1615,16 +1534,12 @@
           <a:p>
             <a:pPr algn="ctr"/>
             <a:r>
-              <a:rPr lang="es-ES" sz="900" dirty="0" smtClean="0">
+              <a:rPr lang="es-ES" sz="900" dirty="0">
                 <a:latin typeface="Arial"/>
                 <a:cs typeface="Arial"/>
               </a:rPr>
               <a:t>identifica</a:t>
             </a:r>
-            <a:endParaRPr lang="es-ES" sz="900" dirty="0">
-              <a:latin typeface="Arial"/>
-              <a:cs typeface="Arial"/>
-            </a:endParaRPr>
           </a:p>
         </p:txBody>
       </p:sp>
@@ -1639,8 +1554,8 @@
         </p:nvCxnSpPr>
         <p:spPr>
           <a:xfrm rot="5400000">
-            <a:off x="1490588" y="1196670"/>
-            <a:ext cx="144016" cy="165"/>
+            <a:off x="1304805" y="1151313"/>
+            <a:ext cx="73623" cy="165"/>
           </a:xfrm>
           <a:prstGeom prst="bentConnector3">
             <a:avLst>
@@ -1676,8 +1591,8 @@
         </p:nvSpPr>
         <p:spPr>
           <a:xfrm>
-            <a:off x="998982" y="1556792"/>
-            <a:ext cx="1124746" cy="357473"/>
+            <a:off x="778002" y="1446474"/>
+            <a:ext cx="1124746" cy="363678"/>
           </a:xfrm>
           <a:prstGeom prst="rect">
             <a:avLst/>
@@ -1713,22 +1628,15 @@
           <a:p>
             <a:pPr algn="ctr"/>
             <a:r>
-              <a:rPr lang="es-ES" sz="1050" dirty="0" smtClean="0">
+              <a:rPr lang="es-ES" sz="1050" dirty="0">
                 <a:solidFill>
                   <a:schemeClr val="bg1"/>
                 </a:solidFill>
                 <a:latin typeface="Arial"/>
                 <a:cs typeface="Arial"/>
               </a:rPr>
-              <a:t>Tipos de variables</a:t>
-            </a:r>
-            <a:endParaRPr lang="es-ES" sz="1050" dirty="0">
-              <a:solidFill>
-                <a:schemeClr val="bg1"/>
-              </a:solidFill>
-              <a:latin typeface="Arial"/>
-              <a:cs typeface="Arial"/>
-            </a:endParaRPr>
+              <a:t>tipos de variables</a:t>
+            </a:r>
           </a:p>
         </p:txBody>
       </p:sp>
@@ -1743,8 +1651,8 @@
         </p:nvCxnSpPr>
         <p:spPr>
           <a:xfrm rot="5400000">
-            <a:off x="1533334" y="1527613"/>
-            <a:ext cx="57200" cy="1158"/>
+            <a:off x="1307206" y="1412146"/>
+            <a:ext cx="67497" cy="1158"/>
           </a:xfrm>
           <a:prstGeom prst="bentConnector3">
             <a:avLst>
@@ -1780,8 +1688,8 @@
         </p:nvSpPr>
         <p:spPr>
           <a:xfrm>
-            <a:off x="1006554" y="1988840"/>
-            <a:ext cx="1117174" cy="230836"/>
+            <a:off x="964163" y="1827042"/>
+            <a:ext cx="763045" cy="173432"/>
           </a:xfrm>
           <a:prstGeom prst="rect">
             <a:avLst/>
@@ -1796,16 +1704,12 @@
           <a:p>
             <a:pPr algn="ctr"/>
             <a:r>
-              <a:rPr lang="es-ES" sz="900" dirty="0" smtClean="0">
+              <a:rPr lang="es-ES" sz="900" dirty="0">
                 <a:latin typeface="Arial"/>
                 <a:cs typeface="Arial"/>
               </a:rPr>
               <a:t>pueden ser</a:t>
             </a:r>
-            <a:endParaRPr lang="es-ES" sz="900" dirty="0">
-              <a:latin typeface="Arial"/>
-              <a:cs typeface="Arial"/>
-            </a:endParaRPr>
           </a:p>
         </p:txBody>
       </p:sp>
@@ -1814,14 +1718,13 @@
           <p:cNvPr id="68" name="Conector angular 67"/>
           <p:cNvCxnSpPr>
             <a:stCxn id="44" idx="2"/>
-            <a:endCxn id="67" idx="0"/>
           </p:cNvCxnSpPr>
           <p:nvPr/>
         </p:nvCxnSpPr>
         <p:spPr>
-          <a:xfrm rot="16200000" flipH="1">
-            <a:off x="1525961" y="1949659"/>
-            <a:ext cx="74575" cy="3786"/>
+          <a:xfrm rot="5400000">
+            <a:off x="1303217" y="1845002"/>
+            <a:ext cx="72009" cy="2308"/>
           </a:xfrm>
           <a:prstGeom prst="bentConnector3">
             <a:avLst>
@@ -1857,8 +1760,8 @@
         </p:nvSpPr>
         <p:spPr>
           <a:xfrm>
-            <a:off x="395537" y="2348881"/>
-            <a:ext cx="1008112" cy="216024"/>
+            <a:off x="486125" y="2115821"/>
+            <a:ext cx="833150" cy="305067"/>
           </a:xfrm>
           <a:prstGeom prst="rect">
             <a:avLst/>
@@ -1894,22 +1797,15 @@
           <a:p>
             <a:pPr algn="ctr"/>
             <a:r>
-              <a:rPr lang="es-ES" sz="900" dirty="0" smtClean="0">
+              <a:rPr lang="es-ES" sz="900" dirty="0">
                 <a:solidFill>
                   <a:schemeClr val="tx1"/>
                 </a:solidFill>
                 <a:latin typeface="Arial"/>
                 <a:cs typeface="Arial"/>
               </a:rPr>
-              <a:t>Cuantitativas</a:t>
-            </a:r>
-            <a:endParaRPr lang="es-ES" sz="900" dirty="0">
-              <a:solidFill>
-                <a:schemeClr val="tx1"/>
-              </a:solidFill>
-              <a:latin typeface="Arial"/>
-              <a:cs typeface="Arial"/>
-            </a:endParaRPr>
+              <a:t>cuantitativas</a:t>
+            </a:r>
           </a:p>
         </p:txBody>
       </p:sp>
@@ -1921,7 +1817,7 @@
         </p:nvSpPr>
         <p:spPr>
           <a:xfrm>
-            <a:off x="251520" y="2780928"/>
+            <a:off x="236280" y="2780928"/>
             <a:ext cx="648072" cy="216024"/>
           </a:xfrm>
           <a:prstGeom prst="rect">
@@ -1956,22 +1852,15 @@
           <a:p>
             <a:pPr algn="ctr"/>
             <a:r>
-              <a:rPr lang="es-ES" sz="800" dirty="0" smtClean="0">
+              <a:rPr lang="es-ES" sz="800" dirty="0">
                 <a:solidFill>
                   <a:schemeClr val="tx1"/>
                 </a:solidFill>
                 <a:latin typeface="Arial"/>
                 <a:cs typeface="Arial"/>
               </a:rPr>
-              <a:t>Discretas</a:t>
-            </a:r>
-            <a:endParaRPr lang="es-ES" sz="800" dirty="0">
-              <a:solidFill>
-                <a:schemeClr val="tx1"/>
-              </a:solidFill>
-              <a:latin typeface="Arial"/>
-              <a:cs typeface="Arial"/>
-            </a:endParaRPr>
+              <a:t>discretas</a:t>
+            </a:r>
           </a:p>
         </p:txBody>
       </p:sp>
@@ -1983,8 +1872,8 @@
         </p:nvSpPr>
         <p:spPr>
           <a:xfrm>
-            <a:off x="467544" y="3573016"/>
-            <a:ext cx="1406959" cy="360040"/>
+            <a:off x="1076727" y="3550156"/>
+            <a:ext cx="721993" cy="360040"/>
           </a:xfrm>
           <a:prstGeom prst="rect">
             <a:avLst/>
@@ -2018,22 +1907,15 @@
           <a:p>
             <a:pPr algn="ctr"/>
             <a:r>
-              <a:rPr lang="es-ES" sz="900" dirty="0" smtClean="0">
+              <a:rPr lang="es-ES" sz="900" dirty="0">
                 <a:solidFill>
                   <a:schemeClr val="tx1"/>
                 </a:solidFill>
                 <a:latin typeface="Arial"/>
                 <a:cs typeface="Arial"/>
               </a:rPr>
-              <a:t>Tablas o diagramas</a:t>
-            </a:r>
-            <a:endParaRPr lang="es-ES" sz="900" dirty="0">
-              <a:solidFill>
-                <a:schemeClr val="tx1"/>
-              </a:solidFill>
-              <a:latin typeface="Arial"/>
-              <a:cs typeface="Arial"/>
-            </a:endParaRPr>
+              <a:t>tablas o diagramas</a:t>
+            </a:r>
           </a:p>
         </p:txBody>
       </p:sp>
@@ -2042,14 +1924,13 @@
           <p:cNvPr id="76" name="Conector angular 75"/>
           <p:cNvCxnSpPr>
             <a:stCxn id="67" idx="2"/>
-            <a:endCxn id="72" idx="0"/>
           </p:cNvCxnSpPr>
           <p:nvPr/>
         </p:nvCxnSpPr>
         <p:spPr>
           <a:xfrm rot="5400000">
-            <a:off x="1167765" y="1951504"/>
-            <a:ext cx="129205" cy="665548"/>
+            <a:off x="1081760" y="1851894"/>
+            <a:ext cx="115347" cy="412506"/>
           </a:xfrm>
           <a:prstGeom prst="bentConnector3">
             <a:avLst>
@@ -2088,8 +1969,8 @@
         </p:nvCxnSpPr>
         <p:spPr>
           <a:xfrm rot="16200000" flipH="1">
-            <a:off x="953599" y="2510898"/>
-            <a:ext cx="216023" cy="324035"/>
+            <a:off x="890764" y="2432824"/>
+            <a:ext cx="360040" cy="336168"/>
           </a:xfrm>
           <a:prstGeom prst="bentConnector3">
             <a:avLst>
@@ -2128,8 +2009,8 @@
         </p:nvCxnSpPr>
         <p:spPr>
           <a:xfrm rot="5400000" flipH="1" flipV="1">
-            <a:off x="629563" y="2510899"/>
-            <a:ext cx="216023" cy="324037"/>
+            <a:off x="551488" y="2429716"/>
+            <a:ext cx="360040" cy="342384"/>
           </a:xfrm>
           <a:prstGeom prst="bentConnector3">
             <a:avLst>
@@ -2165,8 +2046,8 @@
         </p:nvSpPr>
         <p:spPr>
           <a:xfrm>
-            <a:off x="1005293" y="3059668"/>
-            <a:ext cx="1117174" cy="369332"/>
+            <a:off x="978533" y="3090669"/>
+            <a:ext cx="923285" cy="369332"/>
           </a:xfrm>
           <a:prstGeom prst="rect">
             <a:avLst/>
@@ -2181,16 +2062,12 @@
           <a:p>
             <a:pPr algn="ctr"/>
             <a:r>
-              <a:rPr lang="es-ES" sz="900" dirty="0" smtClean="0">
+              <a:rPr lang="es-ES" sz="900" dirty="0">
                 <a:latin typeface="Arial"/>
                 <a:cs typeface="Arial"/>
               </a:rPr>
-              <a:t>Representadas mediante</a:t>
-            </a:r>
-            <a:endParaRPr lang="es-ES" sz="900" dirty="0">
-              <a:latin typeface="Arial"/>
-              <a:cs typeface="Arial"/>
-            </a:endParaRPr>
+              <a:t>representadas mediante</a:t>
+            </a:r>
           </a:p>
         </p:txBody>
       </p:sp>
@@ -2205,8 +2082,8 @@
         </p:nvCxnSpPr>
         <p:spPr>
           <a:xfrm rot="5400000" flipH="1" flipV="1">
-            <a:off x="1295444" y="3304580"/>
-            <a:ext cx="144016" cy="392856"/>
+            <a:off x="1393873" y="3503853"/>
+            <a:ext cx="90155" cy="2452"/>
           </a:xfrm>
           <a:prstGeom prst="bentConnector3">
             <a:avLst>
@@ -2242,8 +2119,8 @@
         </p:nvSpPr>
         <p:spPr>
           <a:xfrm>
-            <a:off x="467544" y="4299617"/>
-            <a:ext cx="1440160" cy="353519"/>
+            <a:off x="1032618" y="4299617"/>
+            <a:ext cx="812933" cy="353519"/>
           </a:xfrm>
           <a:prstGeom prst="rect">
             <a:avLst/>
@@ -2277,22 +2154,15 @@
           <a:p>
             <a:pPr algn="ctr"/>
             <a:r>
-              <a:rPr lang="es-ES" sz="900" dirty="0" smtClean="0">
+              <a:rPr lang="es-ES" sz="900" dirty="0">
                 <a:solidFill>
                   <a:schemeClr val="tx1"/>
                 </a:solidFill>
                 <a:latin typeface="Arial"/>
                 <a:cs typeface="Arial"/>
               </a:rPr>
-              <a:t>Tablas de frecuencias</a:t>
-            </a:r>
-            <a:endParaRPr lang="es-ES" sz="900" dirty="0">
-              <a:solidFill>
-                <a:schemeClr val="tx1"/>
-              </a:solidFill>
-              <a:latin typeface="Arial"/>
-              <a:cs typeface="Arial"/>
-            </a:endParaRPr>
+              <a:t>tablas de frecuencias</a:t>
+            </a:r>
           </a:p>
         </p:txBody>
       </p:sp>
@@ -2304,8 +2174,8 @@
         </p:nvSpPr>
         <p:spPr>
           <a:xfrm>
-            <a:off x="611560" y="4005064"/>
-            <a:ext cx="1120084" cy="230832"/>
+            <a:off x="878260" y="3985077"/>
+            <a:ext cx="1120084" cy="209847"/>
           </a:xfrm>
           <a:prstGeom prst="rect">
             <a:avLst/>
@@ -2320,23 +2190,19 @@
           <a:p>
             <a:pPr algn="ctr"/>
             <a:r>
-              <a:rPr lang="pt-BR" sz="900" dirty="0" smtClean="0">
+              <a:rPr lang="pt-BR" sz="900" dirty="0">
                 <a:latin typeface="Arial"/>
                 <a:cs typeface="Arial"/>
               </a:rPr>
               <a:t>condensados</a:t>
             </a:r>
             <a:r>
-              <a:rPr lang="es-ES" sz="900" dirty="0" smtClean="0">
+              <a:rPr lang="es-ES" sz="900" dirty="0">
                 <a:latin typeface="Arial"/>
                 <a:cs typeface="Arial"/>
               </a:rPr>
               <a:t> en</a:t>
             </a:r>
-            <a:endParaRPr lang="es-ES" sz="900" dirty="0">
-              <a:latin typeface="Arial"/>
-              <a:cs typeface="Arial"/>
-            </a:endParaRPr>
           </a:p>
         </p:txBody>
       </p:sp>
@@ -2351,8 +2217,8 @@
         </p:nvCxnSpPr>
         <p:spPr>
           <a:xfrm rot="16200000" flipV="1">
-            <a:off x="1135309" y="3968771"/>
-            <a:ext cx="72008" cy="578"/>
+            <a:off x="1400573" y="3947348"/>
+            <a:ext cx="74881" cy="578"/>
           </a:xfrm>
           <a:prstGeom prst="bentConnector3">
             <a:avLst>
@@ -2391,8 +2257,8 @@
         </p:nvCxnSpPr>
         <p:spPr>
           <a:xfrm rot="16200000" flipV="1">
-            <a:off x="1147753" y="4259746"/>
-            <a:ext cx="63721" cy="16022"/>
+            <a:off x="1386348" y="4246879"/>
+            <a:ext cx="104693" cy="783"/>
           </a:xfrm>
           <a:prstGeom prst="bentConnector3">
             <a:avLst>
@@ -2428,7 +2294,7 @@
         </p:nvSpPr>
         <p:spPr>
           <a:xfrm>
-            <a:off x="3563888" y="692696"/>
+            <a:off x="3563888" y="682536"/>
             <a:ext cx="1512168" cy="432048"/>
           </a:xfrm>
           <a:prstGeom prst="rect">
@@ -2470,16 +2336,12 @@
           <a:p>
             <a:pPr algn="ctr"/>
             <a:r>
-              <a:rPr lang="es-ES" sz="1200" b="1" dirty="0" smtClean="0">
+              <a:rPr lang="es-ES" sz="1200" b="1" dirty="0">
                 <a:latin typeface="Arial"/>
                 <a:cs typeface="Arial"/>
               </a:rPr>
               <a:t>Selección de la información</a:t>
             </a:r>
-            <a:endParaRPr lang="es-ES" sz="1200" b="1" dirty="0">
-              <a:latin typeface="Arial"/>
-              <a:cs typeface="Arial"/>
-            </a:endParaRPr>
           </a:p>
         </p:txBody>
       </p:sp>
@@ -2494,8 +2356,8 @@
         </p:nvCxnSpPr>
         <p:spPr>
           <a:xfrm rot="5400000">
-            <a:off x="4389755" y="406889"/>
-            <a:ext cx="216024" cy="355590"/>
+            <a:off x="4394835" y="401809"/>
+            <a:ext cx="205864" cy="355590"/>
           </a:xfrm>
           <a:prstGeom prst="bentConnector3">
             <a:avLst>
@@ -2531,8 +2393,8 @@
         </p:nvSpPr>
         <p:spPr>
           <a:xfrm>
-            <a:off x="3762024" y="1253952"/>
-            <a:ext cx="1122431" cy="230832"/>
+            <a:off x="3968673" y="1203485"/>
+            <a:ext cx="696941" cy="209847"/>
           </a:xfrm>
           <a:prstGeom prst="rect">
             <a:avLst/>
@@ -2547,16 +2409,12 @@
           <a:p>
             <a:pPr algn="ctr"/>
             <a:r>
-              <a:rPr lang="es-ES" sz="900" dirty="0" smtClean="0">
+              <a:rPr lang="es-ES" sz="900" dirty="0">
                 <a:latin typeface="Arial"/>
                 <a:cs typeface="Arial"/>
               </a:rPr>
               <a:t>mediante</a:t>
             </a:r>
-            <a:endParaRPr lang="es-ES" sz="900" dirty="0">
-              <a:latin typeface="Arial"/>
-              <a:cs typeface="Arial"/>
-            </a:endParaRPr>
           </a:p>
         </p:txBody>
       </p:sp>
@@ -2570,9 +2428,9 @@
           <p:nvPr/>
         </p:nvCxnSpPr>
         <p:spPr>
-          <a:xfrm rot="16200000" flipH="1">
-            <a:off x="4257002" y="1187714"/>
-            <a:ext cx="129208" cy="3268"/>
+          <a:xfrm rot="5400000">
+            <a:off x="4274108" y="1157620"/>
+            <a:ext cx="88901" cy="2828"/>
           </a:xfrm>
           <a:prstGeom prst="bentConnector3">
             <a:avLst>
@@ -2608,7 +2466,7 @@
         </p:nvSpPr>
         <p:spPr>
           <a:xfrm>
-            <a:off x="3756750" y="1556792"/>
+            <a:off x="3756750" y="1480592"/>
             <a:ext cx="1124746" cy="357473"/>
           </a:xfrm>
           <a:prstGeom prst="rect">
@@ -2645,22 +2503,15 @@
           <a:p>
             <a:pPr algn="ctr"/>
             <a:r>
-              <a:rPr lang="es-ES" sz="1050" dirty="0" smtClean="0">
+              <a:rPr lang="es-ES" sz="1050" dirty="0">
                 <a:solidFill>
                   <a:schemeClr val="bg1"/>
                 </a:solidFill>
                 <a:latin typeface="Arial"/>
                 <a:cs typeface="Arial"/>
               </a:rPr>
-              <a:t>Técnicas de muestreo</a:t>
-            </a:r>
-            <a:endParaRPr lang="es-ES" sz="1050" dirty="0">
-              <a:solidFill>
-                <a:schemeClr val="bg1"/>
-              </a:solidFill>
-              <a:latin typeface="Arial"/>
-              <a:cs typeface="Arial"/>
-            </a:endParaRPr>
+              <a:t>técnicas de muestreo</a:t>
+            </a:r>
           </a:p>
         </p:txBody>
       </p:sp>
@@ -2674,9 +2525,9 @@
           <p:nvPr/>
         </p:nvCxnSpPr>
         <p:spPr>
-          <a:xfrm rot="5400000">
-            <a:off x="4285178" y="1518730"/>
-            <a:ext cx="72008" cy="4117"/>
+          <a:xfrm rot="16200000" flipH="1">
+            <a:off x="4284503" y="1445972"/>
+            <a:ext cx="67260" cy="1979"/>
           </a:xfrm>
           <a:prstGeom prst="bentConnector3">
             <a:avLst>
@@ -2715,8 +2566,8 @@
         </p:nvCxnSpPr>
         <p:spPr>
           <a:xfrm rot="5400000">
-            <a:off x="3544179" y="1213895"/>
-            <a:ext cx="74575" cy="1475315"/>
+            <a:off x="3351766" y="1154228"/>
+            <a:ext cx="283520" cy="1651194"/>
           </a:xfrm>
           <a:prstGeom prst="bentConnector3">
             <a:avLst>
@@ -2752,8 +2603,8 @@
         </p:nvSpPr>
         <p:spPr>
           <a:xfrm>
-            <a:off x="2555776" y="1988840"/>
-            <a:ext cx="576064" cy="288032"/>
+            <a:off x="2379897" y="2121585"/>
+            <a:ext cx="576064" cy="320626"/>
           </a:xfrm>
           <a:prstGeom prst="rect">
             <a:avLst/>
@@ -2789,14 +2640,14 @@
           <a:p>
             <a:pPr algn="ctr"/>
             <a:r>
-              <a:rPr lang="es-ES" sz="900" dirty="0" smtClean="0">
+              <a:rPr lang="es-ES" sz="900" dirty="0">
                 <a:solidFill>
                   <a:schemeClr val="tx1"/>
                 </a:solidFill>
                 <a:latin typeface="Arial"/>
                 <a:cs typeface="Arial"/>
               </a:rPr>
-              <a:t>Simple</a:t>
+              <a:t>simple</a:t>
             </a:r>
           </a:p>
         </p:txBody>
@@ -2809,8 +2660,8 @@
         </p:nvSpPr>
         <p:spPr>
           <a:xfrm>
-            <a:off x="2339752" y="2708920"/>
-            <a:ext cx="792088" cy="1440160"/>
+            <a:off x="2273298" y="2885661"/>
+            <a:ext cx="792088" cy="1979827"/>
           </a:xfrm>
           <a:prstGeom prst="rect">
             <a:avLst/>
@@ -2844,49 +2695,49 @@
           <a:p>
             <a:pPr algn="ctr"/>
             <a:r>
-              <a:rPr lang="es-ES_tradnl" sz="800" dirty="0" smtClean="0">
+              <a:rPr lang="es-ES_tradnl" sz="800" dirty="0">
                 <a:latin typeface="Arial"/>
                 <a:cs typeface="Arial"/>
               </a:rPr>
-              <a:t>Se eligen </a:t>
-            </a:r>
-            <a:r>
-              <a:rPr lang="es-ES_tradnl" sz="800" i="1" dirty="0" smtClean="0">
+              <a:t>se eligen </a:t>
+            </a:r>
+            <a:r>
+              <a:rPr lang="es-ES_tradnl" sz="800" i="1" dirty="0">
                 <a:latin typeface="Arial"/>
                 <a:cs typeface="Arial"/>
               </a:rPr>
               <a:t>n</a:t>
             </a:r>
             <a:r>
-              <a:rPr lang="es-ES_tradnl" sz="800" dirty="0" smtClean="0">
+              <a:rPr lang="es-ES_tradnl" sz="800" dirty="0">
                 <a:latin typeface="Arial"/>
                 <a:cs typeface="Arial"/>
               </a:rPr>
               <a:t> de entre </a:t>
             </a:r>
             <a:r>
-              <a:rPr lang="es-ES_tradnl" sz="800" i="1" dirty="0" smtClean="0">
+              <a:rPr lang="es-ES_tradnl" sz="800" i="1" dirty="0">
                 <a:latin typeface="Arial"/>
                 <a:cs typeface="Arial"/>
               </a:rPr>
               <a:t>N</a:t>
             </a:r>
             <a:r>
-              <a:rPr lang="es-ES_tradnl" sz="800" dirty="0" smtClean="0">
+              <a:rPr lang="es-ES_tradnl" sz="800" dirty="0">
                 <a:latin typeface="Arial"/>
                 <a:cs typeface="Arial"/>
               </a:rPr>
               <a:t> elementos, y la probabilidad de que un elemento de la población se incluya en la muestra es de </a:t>
             </a:r>
             <a:r>
-              <a:rPr lang="es-ES_tradnl" sz="800" i="1" dirty="0" smtClean="0">
+              <a:rPr lang="es-ES_tradnl" sz="800" i="1" dirty="0">
                 <a:latin typeface="Arial"/>
                 <a:cs typeface="Arial"/>
               </a:rPr>
               <a:t>n/N</a:t>
             </a:r>
             <a:r>
-              <a:rPr lang="es-ES_tradnl" sz="800" dirty="0" smtClean="0">
+              <a:rPr lang="es-ES_tradnl" sz="800" dirty="0">
                 <a:latin typeface="Arial"/>
                 <a:cs typeface="Arial"/>
               </a:rPr>
@@ -2907,14 +2758,14 @@
           <p:cNvPr id="261" name="Conector angular 260"/>
           <p:cNvCxnSpPr>
             <a:stCxn id="256" idx="2"/>
-            <a:endCxn id="287" idx="0"/>
+            <a:endCxn id="106" idx="0"/>
           </p:cNvCxnSpPr>
           <p:nvPr/>
         </p:nvCxnSpPr>
         <p:spPr>
-          <a:xfrm rot="16200000" flipH="1">
-            <a:off x="3536622" y="1584057"/>
-            <a:ext cx="144016" cy="1529645"/>
+          <a:xfrm rot="5400000">
+            <a:off x="2646279" y="2463319"/>
+            <a:ext cx="42759" cy="542"/>
           </a:xfrm>
           <a:prstGeom prst="bentConnector3">
             <a:avLst>
@@ -2953,8 +2804,8 @@
         </p:nvCxnSpPr>
         <p:spPr>
           <a:xfrm rot="5400000">
-            <a:off x="3886217" y="1555933"/>
-            <a:ext cx="74575" cy="791239"/>
+            <a:off x="3784223" y="1586685"/>
+            <a:ext cx="283520" cy="786281"/>
           </a:xfrm>
           <a:prstGeom prst="bentConnector3">
             <a:avLst>
@@ -2990,8 +2841,8 @@
         </p:nvSpPr>
         <p:spPr>
           <a:xfrm>
-            <a:off x="3923928" y="1988840"/>
-            <a:ext cx="864095" cy="288032"/>
+            <a:off x="3990852" y="2115821"/>
+            <a:ext cx="864095" cy="326391"/>
           </a:xfrm>
           <a:prstGeom prst="rect">
             <a:avLst/>
@@ -3027,22 +2878,15 @@
           <a:p>
             <a:pPr algn="ctr"/>
             <a:r>
-              <a:rPr lang="es-ES" sz="900" dirty="0" smtClean="0">
+              <a:rPr lang="es-ES" sz="900" dirty="0">
                 <a:solidFill>
                   <a:schemeClr val="tx1"/>
                 </a:solidFill>
                 <a:latin typeface="Arial"/>
                 <a:cs typeface="Arial"/>
               </a:rPr>
-              <a:t>Estratificado</a:t>
-            </a:r>
-            <a:endParaRPr lang="es-ES" sz="900" dirty="0">
-              <a:solidFill>
-                <a:schemeClr val="tx1"/>
-              </a:solidFill>
-              <a:latin typeface="Arial"/>
-              <a:cs typeface="Arial"/>
-            </a:endParaRPr>
+              <a:t>estratificado</a:t>
+            </a:r>
           </a:p>
         </p:txBody>
       </p:sp>
@@ -3054,8 +2898,8 @@
         </p:nvSpPr>
         <p:spPr>
           <a:xfrm>
-            <a:off x="3131840" y="2708920"/>
-            <a:ext cx="720080" cy="1368152"/>
+            <a:off x="3138063" y="2886619"/>
+            <a:ext cx="792088" cy="1978870"/>
           </a:xfrm>
           <a:prstGeom prst="rect">
             <a:avLst/>
@@ -3089,24 +2933,14 @@
           <a:p>
             <a:pPr algn="ctr"/>
             <a:r>
-              <a:rPr lang="es-ES" sz="800" dirty="0" smtClean="0">
+              <a:rPr lang="es-ES" sz="800" dirty="0">
                 <a:solidFill>
                   <a:schemeClr val="tx1"/>
                 </a:solidFill>
                 <a:latin typeface="Arial"/>
                 <a:cs typeface="Arial"/>
               </a:rPr>
-              <a:t>Se elige un único elemento al azar </a:t>
-            </a:r>
-            <a:r>
-              <a:rPr lang="es-ES_tradnl" sz="800" dirty="0" smtClean="0">
-                <a:solidFill>
-                  <a:schemeClr val="tx1"/>
-                </a:solidFill>
-                <a:latin typeface="Arial"/>
-                <a:cs typeface="Arial"/>
-              </a:rPr>
-              <a:t>y </a:t>
+              <a:t>se elige un único elemento al azar </a:t>
             </a:r>
             <a:r>
               <a:rPr lang="es-ES_tradnl" sz="800" dirty="0">
@@ -3116,7 +2950,7 @@
                 <a:latin typeface="Arial"/>
                 <a:cs typeface="Arial"/>
               </a:rPr>
-              <a:t>se completa la muestra eligiendo de manera periódica el resto</a:t>
+              <a:t>y se completa la muestra eligiendo de manera periódica el resto</a:t>
             </a:r>
             <a:endParaRPr lang="es-ES" sz="800" dirty="0">
               <a:solidFill>
@@ -3136,8 +2970,8 @@
         </p:nvSpPr>
         <p:spPr>
           <a:xfrm>
-            <a:off x="3814866" y="2420888"/>
-            <a:ext cx="1117174" cy="230832"/>
+            <a:off x="5028251" y="2501557"/>
+            <a:ext cx="763045" cy="307238"/>
           </a:xfrm>
           <a:prstGeom prst="rect">
             <a:avLst/>
@@ -3152,7 +2986,7 @@
           <a:p>
             <a:pPr algn="ctr"/>
             <a:r>
-              <a:rPr lang="es-ES" sz="900" dirty="0" smtClean="0">
+              <a:rPr lang="es-ES" sz="900" dirty="0">
                 <a:latin typeface="Arial"/>
                 <a:cs typeface="Arial"/>
               </a:rPr>
@@ -3172,8 +3006,8 @@
         </p:nvCxnSpPr>
         <p:spPr>
           <a:xfrm rot="16200000" flipH="1">
-            <a:off x="4300262" y="1933125"/>
-            <a:ext cx="74575" cy="36853"/>
+            <a:off x="4232133" y="1925054"/>
+            <a:ext cx="277756" cy="103777"/>
           </a:xfrm>
           <a:prstGeom prst="bentConnector3">
             <a:avLst>
@@ -3212,8 +3046,8 @@
         </p:nvCxnSpPr>
         <p:spPr>
           <a:xfrm rot="16200000" flipH="1">
-            <a:off x="4768313" y="1465074"/>
-            <a:ext cx="74576" cy="972957"/>
+            <a:off x="4725500" y="1431688"/>
+            <a:ext cx="280192" cy="1092946"/>
           </a:xfrm>
           <a:prstGeom prst="bentConnector3">
             <a:avLst>
@@ -3245,15 +3079,15 @@
         <p:nvCxnSpPr>
           <p:cNvPr id="290" name="Conector angular 289"/>
           <p:cNvCxnSpPr>
-            <a:stCxn id="287" idx="2"/>
+            <a:stCxn id="104" idx="2"/>
             <a:endCxn id="285" idx="0"/>
           </p:cNvCxnSpPr>
           <p:nvPr/>
         </p:nvCxnSpPr>
         <p:spPr>
-          <a:xfrm rot="5400000">
-            <a:off x="3904067" y="2239534"/>
-            <a:ext cx="57200" cy="881573"/>
+          <a:xfrm rot="16200000" flipH="1">
+            <a:off x="3497672" y="2850183"/>
+            <a:ext cx="70561" cy="2309"/>
           </a:xfrm>
           <a:prstGeom prst="bentConnector3">
             <a:avLst>
@@ -3289,8 +3123,8 @@
         </p:nvSpPr>
         <p:spPr>
           <a:xfrm>
-            <a:off x="3851920" y="2708920"/>
-            <a:ext cx="864096" cy="2016224"/>
+            <a:off x="3988136" y="2879574"/>
+            <a:ext cx="864096" cy="1985915"/>
           </a:xfrm>
           <a:prstGeom prst="rect">
             <a:avLst/>
@@ -3324,25 +3158,11 @@
           <a:p>
             <a:pPr algn="ctr"/>
             <a:r>
-              <a:rPr lang="es-ES_tradnl" sz="800" dirty="0" smtClean="0">
-                <a:latin typeface="Arial"/>
-                <a:cs typeface="Arial"/>
-              </a:rPr>
-              <a:t>Se consideran </a:t>
-            </a:r>
-            <a:r>
               <a:rPr lang="es-ES_tradnl" sz="800" dirty="0">
                 <a:latin typeface="Arial"/>
                 <a:cs typeface="Arial"/>
               </a:rPr>
-              <a:t>categorías diferentes entre sí, que sean homogéneas respecto a alguna característica particular </a:t>
-            </a:r>
-            <a:r>
-              <a:rPr lang="es-ES_tradnl" sz="800" dirty="0" smtClean="0">
-                <a:latin typeface="Arial"/>
-                <a:cs typeface="Arial"/>
-              </a:rPr>
-              <a:t>y luego hace muestreo simple o sistemático sobre cada estrato</a:t>
+              <a:t>se consideran categorías diferentes entre sí, que sean homogéneas respecto a alguna característica particular y luego hace muestreo simple o sistemático sobre cada estrato</a:t>
             </a:r>
             <a:endParaRPr lang="es-ES" sz="800" dirty="0">
               <a:solidFill>
@@ -3358,15 +3178,15 @@
         <p:nvCxnSpPr>
           <p:cNvPr id="310" name="Conector angular 309"/>
           <p:cNvCxnSpPr>
-            <a:stCxn id="287" idx="2"/>
+            <a:stCxn id="102" idx="2"/>
             <a:endCxn id="308" idx="0"/>
           </p:cNvCxnSpPr>
           <p:nvPr/>
         </p:nvCxnSpPr>
         <p:spPr>
           <a:xfrm rot="5400000">
-            <a:off x="4300111" y="2635578"/>
-            <a:ext cx="57200" cy="89485"/>
+            <a:off x="4392003" y="2849689"/>
+            <a:ext cx="58066" cy="1704"/>
           </a:xfrm>
           <a:prstGeom prst="bentConnector3">
             <a:avLst>
@@ -3402,7 +3222,7 @@
         </p:nvSpPr>
         <p:spPr>
           <a:xfrm>
-            <a:off x="6923841" y="684962"/>
+            <a:off x="6614469" y="684962"/>
             <a:ext cx="1944216" cy="439782"/>
           </a:xfrm>
           <a:prstGeom prst="rect">
@@ -3443,7 +3263,7 @@
           <a:lstStyle/>
           <a:p>
             <a:pPr algn="ctr"/>
-            <a:endParaRPr lang="es-ES" sz="1200" b="1" dirty="0" smtClean="0">
+            <a:endParaRPr lang="es-ES" sz="1200" b="1" dirty="0">
               <a:latin typeface="Arial"/>
               <a:cs typeface="Arial"/>
             </a:endParaRPr>
@@ -3451,7 +3271,7 @@
           <a:p>
             <a:pPr algn="ctr"/>
             <a:r>
-              <a:rPr lang="es-ES" sz="1200" b="1" dirty="0" smtClean="0">
+              <a:rPr lang="es-ES" sz="1200" b="1" dirty="0">
                 <a:latin typeface="Arial"/>
                 <a:cs typeface="Arial"/>
               </a:rPr>
@@ -3475,8 +3295,8 @@
         </p:nvSpPr>
         <p:spPr>
           <a:xfrm>
-            <a:off x="7338001" y="1268760"/>
-            <a:ext cx="1122431" cy="230832"/>
+            <a:off x="7301852" y="1226343"/>
+            <a:ext cx="575985" cy="173427"/>
           </a:xfrm>
           <a:prstGeom prst="rect">
             <a:avLst/>
@@ -3491,16 +3311,12 @@
           <a:p>
             <a:pPr algn="ctr"/>
             <a:r>
-              <a:rPr lang="es-ES" sz="900" dirty="0" smtClean="0">
+              <a:rPr lang="es-ES" sz="900" dirty="0">
                 <a:latin typeface="Arial"/>
                 <a:cs typeface="Arial"/>
               </a:rPr>
               <a:t>calcula</a:t>
             </a:r>
-            <a:endParaRPr lang="es-ES" sz="900" dirty="0">
-              <a:latin typeface="Arial"/>
-              <a:cs typeface="Arial"/>
-            </a:endParaRPr>
           </a:p>
         </p:txBody>
       </p:sp>
@@ -3515,8 +3331,8 @@
         </p:nvCxnSpPr>
         <p:spPr>
           <a:xfrm rot="16200000" flipH="1">
-            <a:off x="7825575" y="1195118"/>
-            <a:ext cx="144016" cy="3268"/>
+            <a:off x="7537412" y="1173909"/>
+            <a:ext cx="101599" cy="3268"/>
           </a:xfrm>
           <a:prstGeom prst="bentConnector3">
             <a:avLst>
@@ -3552,8 +3368,8 @@
         </p:nvSpPr>
         <p:spPr>
           <a:xfrm>
-            <a:off x="7335686" y="1556792"/>
-            <a:ext cx="1124746" cy="357473"/>
+            <a:off x="7123916" y="1480592"/>
+            <a:ext cx="929542" cy="357473"/>
           </a:xfrm>
           <a:prstGeom prst="rect">
             <a:avLst/>
@@ -3589,22 +3405,15 @@
           <a:p>
             <a:pPr algn="ctr"/>
             <a:r>
-              <a:rPr lang="es-ES" sz="1050" dirty="0" smtClean="0">
+              <a:rPr lang="es-ES" sz="1050" dirty="0">
                 <a:solidFill>
                   <a:schemeClr val="bg1"/>
                 </a:solidFill>
                 <a:latin typeface="Arial"/>
                 <a:cs typeface="Arial"/>
               </a:rPr>
-              <a:t>Medidas estadísticas</a:t>
-            </a:r>
-            <a:endParaRPr lang="es-ES" sz="1050" dirty="0">
-              <a:solidFill>
-                <a:schemeClr val="bg1"/>
-              </a:solidFill>
-              <a:latin typeface="Arial"/>
-              <a:cs typeface="Arial"/>
-            </a:endParaRPr>
+              <a:t>medidas estadísticas</a:t>
+            </a:r>
           </a:p>
         </p:txBody>
       </p:sp>
@@ -3619,8 +3428,8 @@
         </p:nvCxnSpPr>
         <p:spPr>
           <a:xfrm rot="5400000">
-            <a:off x="7870038" y="1527613"/>
-            <a:ext cx="57200" cy="1158"/>
+            <a:off x="7548855" y="1439602"/>
+            <a:ext cx="80822" cy="1158"/>
           </a:xfrm>
           <a:prstGeom prst="bentConnector3">
             <a:avLst>
@@ -3659,8 +3468,8 @@
         </p:nvCxnSpPr>
         <p:spPr>
           <a:xfrm rot="5400000">
-            <a:off x="7439881" y="1890701"/>
-            <a:ext cx="434615" cy="481743"/>
+            <a:off x="7445024" y="1974458"/>
+            <a:ext cx="280057" cy="7271"/>
           </a:xfrm>
           <a:prstGeom prst="bentConnector3">
             <a:avLst>
@@ -3699,8 +3508,8 @@
         </p:nvCxnSpPr>
         <p:spPr>
           <a:xfrm rot="5400000">
-            <a:off x="3011108" y="-971758"/>
-            <a:ext cx="216024" cy="3112884"/>
+            <a:off x="2905698" y="-1087328"/>
+            <a:ext cx="205864" cy="3333864"/>
           </a:xfrm>
           <a:prstGeom prst="bentConnector3">
             <a:avLst>
@@ -3739,8 +3548,8 @@
         </p:nvCxnSpPr>
         <p:spPr>
           <a:xfrm rot="16200000" flipH="1">
-            <a:off x="6181610" y="-1029377"/>
-            <a:ext cx="208290" cy="3220387"/>
+            <a:off x="6026924" y="-874691"/>
+            <a:ext cx="208290" cy="2911015"/>
           </a:xfrm>
           <a:prstGeom prst="bentConnector3">
             <a:avLst>
@@ -3776,8 +3585,8 @@
         </p:nvSpPr>
         <p:spPr>
           <a:xfrm>
-            <a:off x="1619673" y="2348881"/>
-            <a:ext cx="936104" cy="216024"/>
+            <a:off x="1377689" y="2115821"/>
+            <a:ext cx="773640" cy="312473"/>
           </a:xfrm>
           <a:prstGeom prst="rect">
             <a:avLst/>
@@ -3813,22 +3622,15 @@
           <a:p>
             <a:pPr algn="ctr"/>
             <a:r>
-              <a:rPr lang="es-ES" sz="900" dirty="0" smtClean="0">
+              <a:rPr lang="es-ES" sz="900" dirty="0">
                 <a:solidFill>
                   <a:schemeClr val="tx1"/>
                 </a:solidFill>
                 <a:latin typeface="Arial"/>
                 <a:cs typeface="Arial"/>
               </a:rPr>
-              <a:t>Cualitativas</a:t>
-            </a:r>
-            <a:endParaRPr lang="es-ES" sz="900" dirty="0">
-              <a:solidFill>
-                <a:schemeClr val="tx1"/>
-              </a:solidFill>
-              <a:latin typeface="Arial"/>
-              <a:cs typeface="Arial"/>
-            </a:endParaRPr>
+              <a:t>cualitativas</a:t>
+            </a:r>
           </a:p>
         </p:txBody>
       </p:sp>
@@ -3837,14 +3639,13 @@
           <p:cNvPr id="368" name="Conector angular 367"/>
           <p:cNvCxnSpPr>
             <a:stCxn id="67" idx="2"/>
-            <a:endCxn id="363" idx="0"/>
           </p:cNvCxnSpPr>
           <p:nvPr/>
         </p:nvCxnSpPr>
         <p:spPr>
           <a:xfrm rot="16200000" flipH="1">
-            <a:off x="1761831" y="2022986"/>
-            <a:ext cx="129205" cy="522584"/>
+            <a:off x="1505044" y="1841115"/>
+            <a:ext cx="115347" cy="434063"/>
           </a:xfrm>
           <a:prstGeom prst="bentConnector3">
             <a:avLst>
@@ -3880,7 +3681,7 @@
         </p:nvSpPr>
         <p:spPr>
           <a:xfrm>
-            <a:off x="899592" y="2780928"/>
+            <a:off x="914832" y="2780928"/>
             <a:ext cx="648072" cy="216024"/>
           </a:xfrm>
           <a:prstGeom prst="rect">
@@ -3915,14 +3716,14 @@
           <a:p>
             <a:pPr algn="ctr"/>
             <a:r>
-              <a:rPr lang="es-ES" sz="800" dirty="0" smtClean="0">
+              <a:rPr lang="es-ES" sz="800" dirty="0">
                 <a:solidFill>
                   <a:schemeClr val="tx1"/>
                 </a:solidFill>
                 <a:latin typeface="Arial"/>
                 <a:cs typeface="Arial"/>
               </a:rPr>
-              <a:t>Continuas</a:t>
+              <a:t>continuas</a:t>
             </a:r>
           </a:p>
         </p:txBody>
@@ -3932,18 +3733,19 @@
           <p:cNvPr id="370" name="Conector angular 369"/>
           <p:cNvCxnSpPr>
             <a:stCxn id="67" idx="2"/>
-            <a:endCxn id="133" idx="0"/>
+            <a:endCxn id="133" idx="3"/>
           </p:cNvCxnSpPr>
           <p:nvPr/>
         </p:nvCxnSpPr>
         <p:spPr>
-          <a:xfrm rot="5400000">
-            <a:off x="1144515" y="2639042"/>
-            <a:ext cx="839992" cy="1261"/>
-          </a:xfrm>
-          <a:prstGeom prst="bentConnector3">
+          <a:xfrm rot="16200000" flipH="1">
+            <a:off x="986322" y="2359838"/>
+            <a:ext cx="1274861" cy="556132"/>
+          </a:xfrm>
+          <a:prstGeom prst="bentConnector4">
             <a:avLst>
-              <a:gd name="adj1" fmla="val 50000"/>
+              <a:gd name="adj1" fmla="val 47539"/>
+              <a:gd name="adj2" fmla="val 141105"/>
             </a:avLst>
           </a:prstGeom>
           <a:ln w="12700">
@@ -3975,8 +3777,8 @@
         </p:nvSpPr>
         <p:spPr>
           <a:xfrm>
-            <a:off x="3131840" y="1988840"/>
-            <a:ext cx="792088" cy="288032"/>
+            <a:off x="3136798" y="2121585"/>
+            <a:ext cx="792088" cy="328458"/>
           </a:xfrm>
           <a:prstGeom prst="rect">
             <a:avLst/>
@@ -4012,22 +3814,15 @@
           <a:p>
             <a:pPr algn="ctr"/>
             <a:r>
-              <a:rPr lang="es-ES" sz="900" dirty="0" smtClean="0">
+              <a:rPr lang="es-ES" sz="900" dirty="0">
                 <a:solidFill>
                   <a:schemeClr val="tx1"/>
                 </a:solidFill>
                 <a:latin typeface="Arial"/>
                 <a:cs typeface="Arial"/>
               </a:rPr>
-              <a:t>Sistemático</a:t>
-            </a:r>
-            <a:endParaRPr lang="es-ES" sz="900" dirty="0">
-              <a:solidFill>
-                <a:schemeClr val="tx1"/>
-              </a:solidFill>
-              <a:latin typeface="Arial"/>
-              <a:cs typeface="Arial"/>
-            </a:endParaRPr>
+              <a:t>sistemático</a:t>
+            </a:r>
           </a:p>
         </p:txBody>
       </p:sp>
@@ -4039,8 +3834,8 @@
         </p:nvSpPr>
         <p:spPr>
           <a:xfrm>
-            <a:off x="4788024" y="1988841"/>
-            <a:ext cx="1008112" cy="288031"/>
+            <a:off x="4908013" y="2118257"/>
+            <a:ext cx="1008112" cy="323957"/>
           </a:xfrm>
           <a:prstGeom prst="rect">
             <a:avLst/>
@@ -4076,22 +3871,15 @@
           <a:p>
             <a:pPr algn="ctr"/>
             <a:r>
-              <a:rPr lang="es-ES" sz="900" dirty="0" smtClean="0">
+              <a:rPr lang="es-ES" sz="900" dirty="0">
                 <a:solidFill>
                   <a:schemeClr val="tx1"/>
                 </a:solidFill>
                 <a:latin typeface="Arial"/>
                 <a:cs typeface="Arial"/>
               </a:rPr>
-              <a:t>Por Conglomerados</a:t>
-            </a:r>
-            <a:endParaRPr lang="es-ES" sz="900" dirty="0">
-              <a:solidFill>
-                <a:schemeClr val="tx1"/>
-              </a:solidFill>
-              <a:latin typeface="Arial"/>
-              <a:cs typeface="Arial"/>
-            </a:endParaRPr>
+              <a:t>por conglomerados</a:t>
+            </a:r>
           </a:p>
         </p:txBody>
       </p:sp>
@@ -4100,14 +3888,14 @@
           <p:cNvPr id="385" name="Conector angular 384"/>
           <p:cNvCxnSpPr>
             <a:stCxn id="375" idx="2"/>
-            <a:endCxn id="287" idx="0"/>
+            <a:endCxn id="104" idx="0"/>
           </p:cNvCxnSpPr>
           <p:nvPr/>
         </p:nvCxnSpPr>
         <p:spPr>
-          <a:xfrm rot="16200000" flipH="1">
-            <a:off x="3878660" y="1926095"/>
-            <a:ext cx="144016" cy="845569"/>
+          <a:xfrm rot="5400000">
+            <a:off x="3502932" y="2478909"/>
+            <a:ext cx="58777" cy="1044"/>
           </a:xfrm>
           <a:prstGeom prst="bentConnector3">
             <a:avLst>
@@ -4140,14 +3928,14 @@
           <p:cNvPr id="386" name="Conector angular 385"/>
           <p:cNvCxnSpPr>
             <a:stCxn id="284" idx="2"/>
-            <a:endCxn id="287" idx="0"/>
+            <a:endCxn id="102" idx="0"/>
           </p:cNvCxnSpPr>
           <p:nvPr/>
         </p:nvCxnSpPr>
         <p:spPr>
-          <a:xfrm rot="16200000" flipH="1">
-            <a:off x="4292706" y="2340141"/>
-            <a:ext cx="144016" cy="17477"/>
+          <a:xfrm rot="5400000">
+            <a:off x="4401727" y="2462373"/>
+            <a:ext cx="41334" cy="1012"/>
           </a:xfrm>
           <a:prstGeom prst="bentConnector3">
             <a:avLst>
@@ -4186,8 +3974,8 @@
         </p:nvCxnSpPr>
         <p:spPr>
           <a:xfrm rot="5400000">
-            <a:off x="4760759" y="1889567"/>
-            <a:ext cx="144016" cy="918627"/>
+            <a:off x="5381251" y="2470738"/>
+            <a:ext cx="59343" cy="2295"/>
           </a:xfrm>
           <a:prstGeom prst="bentConnector3">
             <a:avLst>
@@ -4219,15 +4007,15 @@
         <p:nvCxnSpPr>
           <p:cNvPr id="397" name="Conector angular 396"/>
           <p:cNvCxnSpPr>
-            <a:stCxn id="287" idx="2"/>
+            <a:stCxn id="106" idx="2"/>
             <a:endCxn id="257" idx="0"/>
           </p:cNvCxnSpPr>
           <p:nvPr/>
         </p:nvCxnSpPr>
         <p:spPr>
-          <a:xfrm rot="5400000">
-            <a:off x="3526025" y="1861492"/>
-            <a:ext cx="57200" cy="1637657"/>
+          <a:xfrm rot="16200000" flipH="1">
+            <a:off x="2637000" y="2853318"/>
+            <a:ext cx="62729" cy="1955"/>
           </a:xfrm>
           <a:prstGeom prst="bentConnector3">
             <a:avLst>
@@ -4263,8 +4051,8 @@
         </p:nvSpPr>
         <p:spPr>
           <a:xfrm>
-            <a:off x="4716016" y="2708920"/>
-            <a:ext cx="936104" cy="1440160"/>
+            <a:off x="4939576" y="2882718"/>
+            <a:ext cx="936104" cy="1982771"/>
           </a:xfrm>
           <a:prstGeom prst="rect">
             <a:avLst/>
@@ -4298,49 +4086,14 @@
           <a:p>
             <a:pPr algn="ctr"/>
             <a:r>
-              <a:rPr lang="es-ES_tradnl" sz="800" dirty="0" smtClean="0">
-                <a:latin typeface="Arial"/>
-                <a:cs typeface="Arial"/>
-              </a:rPr>
-              <a:t>Se seleccionan </a:t>
-            </a:r>
-            <a:r>
               <a:rPr lang="es-ES_tradnl" sz="800" dirty="0">
                 <a:latin typeface="Arial"/>
                 <a:cs typeface="Arial"/>
               </a:rPr>
-              <a:t>aleatoriamente </a:t>
-            </a:r>
-            <a:r>
-              <a:rPr lang="es-ES_tradnl" sz="800" dirty="0" smtClean="0">
-                <a:latin typeface="Arial"/>
-                <a:cs typeface="Arial"/>
-              </a:rPr>
-              <a:t>cierto </a:t>
-            </a:r>
-            <a:r>
-              <a:rPr lang="es-ES_tradnl" sz="800" dirty="0">
-                <a:latin typeface="Arial"/>
-                <a:cs typeface="Arial"/>
-              </a:rPr>
-              <a:t>número de conglomerados </a:t>
-            </a:r>
-            <a:r>
-              <a:rPr lang="es-ES_tradnl" sz="800" dirty="0" smtClean="0">
-                <a:latin typeface="Arial"/>
-                <a:cs typeface="Arial"/>
-              </a:rPr>
-              <a:t>de los que se estudian todos los elementos hasta alcanzar </a:t>
-            </a:r>
-            <a:r>
-              <a:rPr lang="es-ES_tradnl" sz="800" dirty="0">
-                <a:latin typeface="Arial"/>
-                <a:cs typeface="Arial"/>
-              </a:rPr>
-              <a:t>el tamaño </a:t>
-            </a:r>
-            <a:r>
-              <a:rPr lang="es-ES_tradnl" sz="800" dirty="0" err="1" smtClean="0">
+              <a:t>se seleccionan aleatoriamente cierto número de conglomerados de los que se estudian todos los elementos hasta alcanzar el tamaño </a:t>
+            </a:r>
+            <a:r>
+              <a:rPr lang="es-ES_tradnl" sz="800" dirty="0" err="1">
                 <a:latin typeface="Arial"/>
                 <a:cs typeface="Arial"/>
               </a:rPr>
@@ -4366,9 +4119,9 @@
           <p:nvPr/>
         </p:nvCxnSpPr>
         <p:spPr>
-          <a:xfrm rot="16200000" flipH="1">
-            <a:off x="4750160" y="2275012"/>
-            <a:ext cx="57200" cy="810615"/>
+          <a:xfrm rot="5400000">
+            <a:off x="5371740" y="2844683"/>
+            <a:ext cx="73923" cy="2146"/>
           </a:xfrm>
           <a:prstGeom prst="bentConnector3">
             <a:avLst>
@@ -4407,8 +4160,8 @@
         </p:nvCxnSpPr>
         <p:spPr>
           <a:xfrm rot="5400000">
-            <a:off x="6873678" y="1324498"/>
-            <a:ext cx="434615" cy="1614149"/>
+            <a:off x="6893299" y="1422733"/>
+            <a:ext cx="280057" cy="1110721"/>
           </a:xfrm>
           <a:prstGeom prst="bentConnector3">
             <a:avLst>
@@ -4444,8 +4197,8 @@
         </p:nvSpPr>
         <p:spPr>
           <a:xfrm>
-            <a:off x="5851862" y="2348880"/>
-            <a:ext cx="864096" cy="432048"/>
+            <a:off x="6045918" y="2118122"/>
+            <a:ext cx="864096" cy="324605"/>
           </a:xfrm>
           <a:prstGeom prst="rect">
             <a:avLst/>
@@ -4481,14 +4234,14 @@
           <a:p>
             <a:pPr algn="ctr"/>
             <a:r>
-              <a:rPr lang="es-ES" sz="900" dirty="0" smtClean="0">
+              <a:rPr lang="es-ES" sz="900" dirty="0">
                 <a:solidFill>
                   <a:schemeClr val="tx1"/>
                 </a:solidFill>
                 <a:latin typeface="Arial"/>
                 <a:cs typeface="Arial"/>
               </a:rPr>
-              <a:t>De tendencia central</a:t>
+              <a:t>de tendencia central</a:t>
             </a:r>
           </a:p>
         </p:txBody>
@@ -4504,8 +4257,8 @@
         </p:nvCxnSpPr>
         <p:spPr>
           <a:xfrm rot="5400000">
-            <a:off x="7439881" y="1890701"/>
-            <a:ext cx="434615" cy="481743"/>
+            <a:off x="7445024" y="1974458"/>
+            <a:ext cx="280057" cy="7271"/>
           </a:xfrm>
           <a:prstGeom prst="bentConnector3">
             <a:avLst>
@@ -4541,8 +4294,8 @@
         </p:nvSpPr>
         <p:spPr>
           <a:xfrm>
-            <a:off x="8172401" y="2348880"/>
-            <a:ext cx="864095" cy="432048"/>
+            <a:off x="8187641" y="2118122"/>
+            <a:ext cx="864095" cy="324093"/>
           </a:xfrm>
           <a:prstGeom prst="rect">
             <a:avLst/>
@@ -4578,22 +4331,15 @@
           <a:p>
             <a:pPr algn="ctr"/>
             <a:r>
-              <a:rPr lang="es-ES" sz="900" dirty="0" smtClean="0">
+              <a:rPr lang="es-ES" sz="900" dirty="0">
                 <a:solidFill>
                   <a:schemeClr val="tx1"/>
                 </a:solidFill>
                 <a:latin typeface="Arial"/>
                 <a:cs typeface="Arial"/>
               </a:rPr>
-              <a:t>De tendencia no central</a:t>
-            </a:r>
-            <a:endParaRPr lang="es-ES" sz="900" dirty="0">
-              <a:solidFill>
-                <a:schemeClr val="tx1"/>
-              </a:solidFill>
-              <a:latin typeface="Arial"/>
-              <a:cs typeface="Arial"/>
-            </a:endParaRPr>
+              <a:t>de tendencia no central</a:t>
+            </a:r>
           </a:p>
         </p:txBody>
       </p:sp>
@@ -4602,14 +4348,13 @@
           <p:cNvPr id="460" name="Conector angular 459"/>
           <p:cNvCxnSpPr>
             <a:stCxn id="339" idx="2"/>
-            <a:endCxn id="459" idx="0"/>
           </p:cNvCxnSpPr>
           <p:nvPr/>
         </p:nvCxnSpPr>
         <p:spPr>
           <a:xfrm rot="16200000" flipH="1">
-            <a:off x="8033947" y="1778377"/>
-            <a:ext cx="434615" cy="706390"/>
+            <a:off x="7952730" y="1474022"/>
+            <a:ext cx="280057" cy="1008142"/>
           </a:xfrm>
           <a:prstGeom prst="bentConnector3">
             <a:avLst>
@@ -4645,8 +4390,8 @@
         </p:nvSpPr>
         <p:spPr>
           <a:xfrm>
-            <a:off x="7020272" y="2348880"/>
-            <a:ext cx="792088" cy="432048"/>
+            <a:off x="7185372" y="2118122"/>
+            <a:ext cx="792088" cy="324095"/>
           </a:xfrm>
           <a:prstGeom prst="rect">
             <a:avLst/>
@@ -4682,22 +4427,15 @@
           <a:p>
             <a:pPr algn="ctr"/>
             <a:r>
-              <a:rPr lang="es-ES" sz="900" dirty="0" smtClean="0">
+              <a:rPr lang="es-ES" sz="900" dirty="0">
                 <a:solidFill>
                   <a:schemeClr val="tx1"/>
                 </a:solidFill>
                 <a:latin typeface="Arial"/>
                 <a:cs typeface="Arial"/>
               </a:rPr>
-              <a:t>De dispersión</a:t>
-            </a:r>
-            <a:endParaRPr lang="es-ES" sz="900" dirty="0">
-              <a:solidFill>
-                <a:schemeClr val="tx1"/>
-              </a:solidFill>
-              <a:latin typeface="Arial"/>
-              <a:cs typeface="Arial"/>
-            </a:endParaRPr>
+              <a:t>de dispersión</a:t>
+            </a:r>
           </a:p>
         </p:txBody>
       </p:sp>
@@ -4709,8 +4447,8 @@
         </p:nvSpPr>
         <p:spPr>
           <a:xfrm>
-            <a:off x="5724128" y="3212976"/>
-            <a:ext cx="1122431" cy="353519"/>
+            <a:off x="6052670" y="2887856"/>
+            <a:ext cx="843299" cy="640426"/>
           </a:xfrm>
           <a:prstGeom prst="rect">
             <a:avLst/>
@@ -4744,22 +4482,15 @@
           <a:p>
             <a:pPr algn="ctr"/>
             <a:r>
-              <a:rPr lang="es-ES" sz="900" dirty="0" smtClean="0">
+              <a:rPr lang="es-ES" sz="900" dirty="0">
                 <a:solidFill>
                   <a:schemeClr val="tx1"/>
                 </a:solidFill>
                 <a:latin typeface="Arial"/>
                 <a:cs typeface="Arial"/>
               </a:rPr>
-              <a:t>Media aritmética, mediana y moda</a:t>
-            </a:r>
-            <a:endParaRPr lang="es-ES" sz="900" dirty="0">
-              <a:solidFill>
-                <a:schemeClr val="tx1"/>
-              </a:solidFill>
-              <a:latin typeface="Arial"/>
-              <a:cs typeface="Arial"/>
-            </a:endParaRPr>
+              <a:t>media aritmética, mediana y moda</a:t>
+            </a:r>
           </a:p>
         </p:txBody>
       </p:sp>
@@ -4771,8 +4502,8 @@
         </p:nvSpPr>
         <p:spPr>
           <a:xfrm>
-            <a:off x="5724128" y="3939577"/>
-            <a:ext cx="1118927" cy="641551"/>
+            <a:off x="5913104" y="3948867"/>
+            <a:ext cx="1118927" cy="916623"/>
           </a:xfrm>
           <a:prstGeom prst="rect">
             <a:avLst/>
@@ -4806,22 +4537,15 @@
           <a:p>
             <a:pPr algn="ctr"/>
             <a:r>
-              <a:rPr lang="es-ES" sz="900" dirty="0" smtClean="0">
+              <a:rPr lang="es-ES" sz="900" dirty="0">
                 <a:solidFill>
                   <a:schemeClr val="tx1"/>
                 </a:solidFill>
                 <a:latin typeface="Arial"/>
                 <a:cs typeface="Arial"/>
               </a:rPr>
-              <a:t>Identificar comportamientos habituales de la variable estudiada</a:t>
-            </a:r>
-            <a:endParaRPr lang="es-ES" sz="900" dirty="0">
-              <a:solidFill>
-                <a:schemeClr val="tx1"/>
-              </a:solidFill>
-              <a:latin typeface="Arial"/>
-              <a:cs typeface="Arial"/>
-            </a:endParaRPr>
+              <a:t>identificar comportamientos habituales de la variable estudiada</a:t>
+            </a:r>
           </a:p>
         </p:txBody>
       </p:sp>
@@ -4833,8 +4557,8 @@
         </p:nvSpPr>
         <p:spPr>
           <a:xfrm>
-            <a:off x="5724128" y="2852936"/>
-            <a:ext cx="1117174" cy="230832"/>
+            <a:off x="6239876" y="2548136"/>
+            <a:ext cx="473790" cy="230832"/>
           </a:xfrm>
           <a:prstGeom prst="rect">
             <a:avLst/>
@@ -4849,16 +4573,12 @@
           <a:p>
             <a:pPr algn="ctr"/>
             <a:r>
-              <a:rPr lang="es-ES" sz="900" dirty="0" smtClean="0">
+              <a:rPr lang="es-ES" sz="900" dirty="0">
                 <a:latin typeface="Arial"/>
                 <a:cs typeface="Arial"/>
               </a:rPr>
               <a:t>como</a:t>
             </a:r>
-            <a:endParaRPr lang="es-ES" sz="900" dirty="0">
-              <a:latin typeface="Arial"/>
-              <a:cs typeface="Arial"/>
-            </a:endParaRPr>
           </a:p>
         </p:txBody>
       </p:sp>
@@ -4873,8 +4593,8 @@
         </p:nvCxnSpPr>
         <p:spPr>
           <a:xfrm rot="5400000">
-            <a:off x="6247309" y="2816335"/>
-            <a:ext cx="72008" cy="1195"/>
+            <a:off x="6424665" y="2494834"/>
+            <a:ext cx="105409" cy="1195"/>
           </a:xfrm>
           <a:prstGeom prst="bentConnector3">
             <a:avLst>
@@ -4911,14 +4631,12 @@
           <p:nvPr/>
         </p:nvCxnSpPr>
         <p:spPr>
-          <a:xfrm rot="5400000">
-            <a:off x="6283776" y="2850084"/>
-            <a:ext cx="1791" cy="3912"/>
-          </a:xfrm>
-          <a:prstGeom prst="bentConnector3">
-            <a:avLst>
-              <a:gd name="adj1" fmla="val 959129"/>
-            </a:avLst>
+          <a:xfrm rot="10800000" flipV="1">
+            <a:off x="6476772" y="2546344"/>
+            <a:ext cx="3921" cy="1792"/>
+          </a:xfrm>
+          <a:prstGeom prst="bentConnector2">
+            <a:avLst/>
           </a:prstGeom>
           <a:ln w="12700">
             <a:solidFill>
@@ -4951,9 +4669,9 @@
           <p:nvPr/>
         </p:nvCxnSpPr>
         <p:spPr>
-          <a:xfrm rot="16200000" flipH="1">
-            <a:off x="6219425" y="3147057"/>
-            <a:ext cx="129208" cy="2629"/>
+          <a:xfrm rot="5400000">
+            <a:off x="6421102" y="2832187"/>
+            <a:ext cx="108888" cy="2451"/>
           </a:xfrm>
           <a:prstGeom prst="bentConnector3">
             <a:avLst>
@@ -4989,8 +4707,8 @@
         </p:nvSpPr>
         <p:spPr>
           <a:xfrm>
-            <a:off x="5724128" y="3645024"/>
-            <a:ext cx="1117174" cy="230832"/>
+            <a:off x="6258607" y="3619904"/>
+            <a:ext cx="430718" cy="230832"/>
           </a:xfrm>
           <a:prstGeom prst="rect">
             <a:avLst/>
@@ -5005,16 +4723,12 @@
           <a:p>
             <a:pPr algn="ctr"/>
             <a:r>
-              <a:rPr lang="es-ES" sz="900" dirty="0" smtClean="0">
+              <a:rPr lang="es-ES" sz="900" dirty="0">
                 <a:latin typeface="Arial"/>
                 <a:cs typeface="Arial"/>
               </a:rPr>
               <a:t>para</a:t>
             </a:r>
-            <a:endParaRPr lang="es-ES" sz="900" dirty="0">
-              <a:latin typeface="Arial"/>
-              <a:cs typeface="Arial"/>
-            </a:endParaRPr>
           </a:p>
         </p:txBody>
       </p:sp>
@@ -5029,8 +4743,8 @@
         </p:nvCxnSpPr>
         <p:spPr>
           <a:xfrm rot="5400000">
-            <a:off x="6244766" y="3604445"/>
-            <a:ext cx="78529" cy="2629"/>
+            <a:off x="6428332" y="3573916"/>
+            <a:ext cx="91622" cy="354"/>
           </a:xfrm>
           <a:prstGeom prst="bentConnector3">
             <a:avLst>
@@ -5068,46 +4782,9 @@
           <p:nvPr/>
         </p:nvCxnSpPr>
         <p:spPr>
-          <a:xfrm rot="16200000" flipV="1">
-            <a:off x="6251294" y="3907278"/>
-            <a:ext cx="63721" cy="877"/>
-          </a:xfrm>
-          <a:prstGeom prst="bentConnector3">
-            <a:avLst>
-              <a:gd name="adj1" fmla="val 50000"/>
-            </a:avLst>
-          </a:prstGeom>
-          <a:ln w="12700">
-            <a:solidFill>
-              <a:schemeClr val="tx1"/>
-            </a:solidFill>
-          </a:ln>
-        </p:spPr>
-        <p:style>
-          <a:lnRef idx="1">
-            <a:schemeClr val="accent1"/>
-          </a:lnRef>
-          <a:fillRef idx="0">
-            <a:schemeClr val="accent1"/>
-          </a:fillRef>
-          <a:effectRef idx="0">
-            <a:schemeClr val="accent1"/>
-          </a:effectRef>
-          <a:fontRef idx="minor">
-            <a:schemeClr val="tx1"/>
-          </a:fontRef>
-        </p:style>
-      </p:cxnSp>
-      <p:cxnSp>
-        <p:nvCxnSpPr>
-          <p:cNvPr id="523" name="Conector angular 522"/>
-          <p:cNvCxnSpPr/>
-          <p:nvPr/>
-        </p:nvCxnSpPr>
-        <p:spPr>
-          <a:xfrm rot="5400000">
-            <a:off x="6471130" y="3002484"/>
-            <a:ext cx="1791" cy="3912"/>
+          <a:xfrm rot="5400000" flipH="1" flipV="1">
+            <a:off x="6424202" y="3899103"/>
+            <a:ext cx="98131" cy="1398"/>
           </a:xfrm>
           <a:prstGeom prst="bentConnector3">
             <a:avLst>
@@ -5143,8 +4820,8 @@
         </p:nvSpPr>
         <p:spPr>
           <a:xfrm>
-            <a:off x="6876256" y="3212976"/>
-            <a:ext cx="1085377" cy="792088"/>
+            <a:off x="7036276" y="2894907"/>
+            <a:ext cx="1085377" cy="633376"/>
           </a:xfrm>
           <a:prstGeom prst="rect">
             <a:avLst/>
@@ -5178,22 +4855,15 @@
           <a:p>
             <a:pPr algn="ctr"/>
             <a:r>
-              <a:rPr lang="es-ES" sz="900" dirty="0" smtClean="0">
+              <a:rPr lang="es-ES" sz="900" dirty="0">
                 <a:solidFill>
                   <a:schemeClr val="tx1"/>
                 </a:solidFill>
                 <a:latin typeface="Arial"/>
                 <a:cs typeface="Arial"/>
               </a:rPr>
-              <a:t>Rango, desviación media, varianza y desviación estándar</a:t>
-            </a:r>
-            <a:endParaRPr lang="es-ES" sz="900" dirty="0">
-              <a:solidFill>
-                <a:schemeClr val="tx1"/>
-              </a:solidFill>
-              <a:latin typeface="Arial"/>
-              <a:cs typeface="Arial"/>
-            </a:endParaRPr>
+              <a:t>rango, desviación media, varianza y desviación estándar</a:t>
+            </a:r>
           </a:p>
         </p:txBody>
       </p:sp>
@@ -5205,8 +4875,8 @@
         </p:nvSpPr>
         <p:spPr>
           <a:xfrm>
-            <a:off x="6868115" y="4443633"/>
-            <a:ext cx="1118927" cy="641551"/>
+            <a:off x="7065757" y="3948867"/>
+            <a:ext cx="1017206" cy="916623"/>
           </a:xfrm>
           <a:prstGeom prst="rect">
             <a:avLst/>
@@ -5240,22 +4910,15 @@
           <a:p>
             <a:pPr algn="ctr"/>
             <a:r>
-              <a:rPr lang="es-ES" sz="900" dirty="0" smtClean="0">
+              <a:rPr lang="es-ES" sz="900" dirty="0">
                 <a:solidFill>
                   <a:schemeClr val="tx1"/>
                 </a:solidFill>
                 <a:latin typeface="Arial"/>
                 <a:cs typeface="Arial"/>
               </a:rPr>
-              <a:t>Identificar formas de variación de la variable estudiadas</a:t>
-            </a:r>
-            <a:endParaRPr lang="es-ES" sz="900" dirty="0">
-              <a:solidFill>
-                <a:schemeClr val="tx1"/>
-              </a:solidFill>
-              <a:latin typeface="Arial"/>
-              <a:cs typeface="Arial"/>
-            </a:endParaRPr>
+              <a:t>identificar formas de variación de la variable estudiadas</a:t>
+            </a:r>
           </a:p>
         </p:txBody>
       </p:sp>
@@ -5267,8 +4930,8 @@
         </p:nvSpPr>
         <p:spPr>
           <a:xfrm>
-            <a:off x="6859974" y="2852936"/>
-            <a:ext cx="1117174" cy="230832"/>
+            <a:off x="7341686" y="2548136"/>
+            <a:ext cx="473790" cy="230832"/>
           </a:xfrm>
           <a:prstGeom prst="rect">
             <a:avLst/>
@@ -5283,16 +4946,12 @@
           <a:p>
             <a:pPr algn="ctr"/>
             <a:r>
-              <a:rPr lang="es-ES" sz="900" dirty="0" smtClean="0">
+              <a:rPr lang="es-ES" sz="900" dirty="0">
                 <a:latin typeface="Arial"/>
                 <a:cs typeface="Arial"/>
               </a:rPr>
               <a:t>como</a:t>
             </a:r>
-            <a:endParaRPr lang="es-ES" sz="900" dirty="0">
-              <a:latin typeface="Arial"/>
-              <a:cs typeface="Arial"/>
-            </a:endParaRPr>
           </a:p>
         </p:txBody>
       </p:sp>
@@ -5306,9 +4965,9 @@
           <p:nvPr/>
         </p:nvCxnSpPr>
         <p:spPr>
-          <a:xfrm rot="16200000" flipH="1">
-            <a:off x="7381434" y="2815809"/>
-            <a:ext cx="72008" cy="2245"/>
+          <a:xfrm rot="5400000">
+            <a:off x="7527040" y="2493759"/>
+            <a:ext cx="105919" cy="2835"/>
           </a:xfrm>
           <a:prstGeom prst="bentConnector3">
             <a:avLst>
@@ -5347,8 +5006,8 @@
         </p:nvCxnSpPr>
         <p:spPr>
           <a:xfrm rot="16200000" flipH="1">
-            <a:off x="7354149" y="3148180"/>
-            <a:ext cx="129208" cy="384"/>
+            <a:off x="7520804" y="2836745"/>
+            <a:ext cx="115939" cy="384"/>
           </a:xfrm>
           <a:prstGeom prst="bentConnector3">
             <a:avLst>
@@ -5384,8 +5043,8 @@
         </p:nvSpPr>
         <p:spPr>
           <a:xfrm>
-            <a:off x="6855484" y="4134272"/>
-            <a:ext cx="1117174" cy="230832"/>
+            <a:off x="7361111" y="3621389"/>
+            <a:ext cx="430718" cy="230832"/>
           </a:xfrm>
           <a:prstGeom prst="rect">
             <a:avLst/>
@@ -5400,16 +5059,12 @@
           <a:p>
             <a:pPr algn="ctr"/>
             <a:r>
-              <a:rPr lang="es-ES" sz="900" dirty="0" smtClean="0">
+              <a:rPr lang="es-ES" sz="900" dirty="0">
                 <a:latin typeface="Arial"/>
                 <a:cs typeface="Arial"/>
               </a:rPr>
               <a:t>para</a:t>
             </a:r>
-            <a:endParaRPr lang="es-ES" sz="900" dirty="0">
-              <a:latin typeface="Arial"/>
-              <a:cs typeface="Arial"/>
-            </a:endParaRPr>
           </a:p>
         </p:txBody>
       </p:sp>
@@ -5424,8 +5079,8 @@
         </p:nvCxnSpPr>
         <p:spPr>
           <a:xfrm rot="5400000">
-            <a:off x="7351904" y="4067231"/>
-            <a:ext cx="129208" cy="4874"/>
+            <a:off x="7531165" y="3573589"/>
+            <a:ext cx="93106" cy="2495"/>
           </a:xfrm>
           <a:prstGeom prst="bentConnector3">
             <a:avLst>
@@ -5463,46 +5118,9 @@
           <p:nvPr/>
         </p:nvCxnSpPr>
         <p:spPr>
-          <a:xfrm rot="16200000" flipV="1">
-            <a:off x="7381561" y="4397615"/>
-            <a:ext cx="78529" cy="13508"/>
-          </a:xfrm>
-          <a:prstGeom prst="bentConnector3">
-            <a:avLst>
-              <a:gd name="adj1" fmla="val 50000"/>
-            </a:avLst>
-          </a:prstGeom>
-          <a:ln w="12700">
-            <a:solidFill>
-              <a:schemeClr val="tx1"/>
-            </a:solidFill>
-          </a:ln>
-        </p:spPr>
-        <p:style>
-          <a:lnRef idx="1">
-            <a:schemeClr val="accent1"/>
-          </a:lnRef>
-          <a:fillRef idx="0">
-            <a:schemeClr val="accent1"/>
-          </a:fillRef>
-          <a:effectRef idx="0">
-            <a:schemeClr val="accent1"/>
-          </a:effectRef>
-          <a:fontRef idx="minor">
-            <a:schemeClr val="tx1"/>
-          </a:fontRef>
-        </p:style>
-      </p:cxnSp>
-      <p:cxnSp>
-        <p:nvCxnSpPr>
-          <p:cNvPr id="546" name="Conector angular 545"/>
-          <p:cNvCxnSpPr/>
-          <p:nvPr/>
-        </p:nvCxnSpPr>
-        <p:spPr>
-          <a:xfrm rot="5400000">
-            <a:off x="7444288" y="3002484"/>
-            <a:ext cx="1791" cy="3912"/>
+          <a:xfrm rot="5400000" flipH="1" flipV="1">
+            <a:off x="7527092" y="3899489"/>
+            <a:ext cx="96646" cy="2110"/>
           </a:xfrm>
           <a:prstGeom prst="bentConnector3">
             <a:avLst>
@@ -5538,8 +5156,8 @@
         </p:nvSpPr>
         <p:spPr>
           <a:xfrm>
-            <a:off x="8069727" y="3212976"/>
-            <a:ext cx="1074273" cy="576064"/>
+            <a:off x="8218545" y="2894612"/>
+            <a:ext cx="807117" cy="633672"/>
           </a:xfrm>
           <a:prstGeom prst="rect">
             <a:avLst/>
@@ -5573,17 +5191,17 @@
           <a:p>
             <a:pPr algn="ctr"/>
             <a:r>
-              <a:rPr lang="es-ES" sz="900" dirty="0" smtClean="0">
+              <a:rPr lang="es-ES" sz="900" dirty="0">
                 <a:solidFill>
                   <a:schemeClr val="tx1"/>
                 </a:solidFill>
                 <a:latin typeface="Arial"/>
                 <a:cs typeface="Arial"/>
               </a:rPr>
-              <a:t>Cuartiles, quintiles, </a:t>
-            </a:r>
-            <a:r>
-              <a:rPr lang="es-ES" sz="900" dirty="0" err="1" smtClean="0">
+              <a:t>cuartiles, quintiles, </a:t>
+            </a:r>
+            <a:r>
+              <a:rPr lang="es-ES" sz="900" dirty="0" err="1">
                 <a:solidFill>
                   <a:schemeClr val="tx1"/>
                 </a:solidFill>
@@ -5593,7 +5211,7 @@
               <a:t>deciles</a:t>
             </a:r>
             <a:r>
-              <a:rPr lang="es-ES" sz="900" dirty="0" smtClean="0">
+              <a:rPr lang="es-ES" sz="900" dirty="0">
                 <a:solidFill>
                   <a:schemeClr val="tx1"/>
                 </a:solidFill>
@@ -5603,7 +5221,7 @@
               <a:t> y </a:t>
             </a:r>
             <a:r>
-              <a:rPr lang="es-ES" sz="900" dirty="0" err="1" smtClean="0">
+              <a:rPr lang="es-ES" sz="900" dirty="0" err="1">
                 <a:solidFill>
                   <a:schemeClr val="tx1"/>
                 </a:solidFill>
@@ -5630,8 +5248,8 @@
         </p:nvSpPr>
         <p:spPr>
           <a:xfrm>
-            <a:off x="8025073" y="4293096"/>
-            <a:ext cx="1118927" cy="641551"/>
+            <a:off x="8117030" y="3948867"/>
+            <a:ext cx="1017206" cy="916623"/>
           </a:xfrm>
           <a:prstGeom prst="rect">
             <a:avLst/>
@@ -5664,349 +5282,6 @@
           <a:lstStyle/>
           <a:p>
             <a:pPr algn="ctr"/>
-            <a:r>
-              <a:rPr lang="es-ES" sz="900" dirty="0" smtClean="0">
-                <a:solidFill>
-                  <a:schemeClr val="tx1"/>
-                </a:solidFill>
-                <a:latin typeface="Arial"/>
-                <a:cs typeface="Arial"/>
-              </a:rPr>
-              <a:t>Observar globalmente el comportamiento de la variable</a:t>
-            </a:r>
-            <a:endParaRPr lang="es-ES" sz="900" dirty="0">
-              <a:solidFill>
-                <a:schemeClr val="tx1"/>
-              </a:solidFill>
-              <a:latin typeface="Arial"/>
-              <a:cs typeface="Arial"/>
-            </a:endParaRPr>
-          </a:p>
-        </p:txBody>
-      </p:sp>
-      <p:cxnSp>
-        <p:nvCxnSpPr>
-          <p:cNvPr id="601" name="Conector angular 600"/>
-          <p:cNvCxnSpPr>
-            <a:stCxn id="610" idx="2"/>
-            <a:endCxn id="599" idx="0"/>
-          </p:cNvCxnSpPr>
-          <p:nvPr/>
-        </p:nvCxnSpPr>
-        <p:spPr>
-          <a:xfrm rot="16200000" flipH="1">
-            <a:off x="8531534" y="3137646"/>
-            <a:ext cx="129208" cy="21451"/>
-          </a:xfrm>
-          <a:prstGeom prst="bentConnector3">
-            <a:avLst>
-              <a:gd name="adj1" fmla="val 50000"/>
-            </a:avLst>
-          </a:prstGeom>
-          <a:ln w="12700">
-            <a:solidFill>
-              <a:schemeClr val="tx1"/>
-            </a:solidFill>
-          </a:ln>
-        </p:spPr>
-        <p:style>
-          <a:lnRef idx="1">
-            <a:schemeClr val="accent1"/>
-          </a:lnRef>
-          <a:fillRef idx="0">
-            <a:schemeClr val="accent1"/>
-          </a:fillRef>
-          <a:effectRef idx="0">
-            <a:schemeClr val="accent1"/>
-          </a:effectRef>
-          <a:fontRef idx="minor">
-            <a:schemeClr val="tx1"/>
-          </a:fontRef>
-        </p:style>
-      </p:cxnSp>
-      <p:sp>
-        <p:nvSpPr>
-          <p:cNvPr id="602" name="CuadroTexto 601" descr="Conector entre nodos" title="conector"/>
-          <p:cNvSpPr txBox="1"/>
-          <p:nvPr/>
-        </p:nvSpPr>
-        <p:spPr>
-          <a:xfrm>
-            <a:off x="8048954" y="3933056"/>
-            <a:ext cx="1117174" cy="230832"/>
-          </a:xfrm>
-          <a:prstGeom prst="rect">
-            <a:avLst/>
-          </a:prstGeom>
-          <a:noFill/>
-        </p:spPr>
-        <p:txBody>
-          <a:bodyPr wrap="square" rtlCol="0">
-            <a:spAutoFit/>
-          </a:bodyPr>
-          <a:lstStyle/>
-          <a:p>
-            <a:pPr algn="ctr"/>
-            <a:r>
-              <a:rPr lang="es-ES" sz="900" dirty="0" smtClean="0">
-                <a:latin typeface="Arial"/>
-                <a:cs typeface="Arial"/>
-              </a:rPr>
-              <a:t>para</a:t>
-            </a:r>
-            <a:endParaRPr lang="es-ES" sz="900" dirty="0">
-              <a:latin typeface="Arial"/>
-              <a:cs typeface="Arial"/>
-            </a:endParaRPr>
-          </a:p>
-        </p:txBody>
-      </p:sp>
-      <p:cxnSp>
-        <p:nvCxnSpPr>
-          <p:cNvPr id="603" name="Conector angular 602"/>
-          <p:cNvCxnSpPr>
-            <a:stCxn id="599" idx="2"/>
-            <a:endCxn id="602" idx="0"/>
-          </p:cNvCxnSpPr>
-          <p:nvPr/>
-        </p:nvCxnSpPr>
-        <p:spPr>
-          <a:xfrm rot="16200000" flipH="1">
-            <a:off x="8535194" y="3860709"/>
-            <a:ext cx="144016" cy="677"/>
-          </a:xfrm>
-          <a:prstGeom prst="bentConnector3">
-            <a:avLst>
-              <a:gd name="adj1" fmla="val 50000"/>
-            </a:avLst>
-          </a:prstGeom>
-          <a:ln w="12700">
-            <a:solidFill>
-              <a:schemeClr val="tx1"/>
-            </a:solidFill>
-          </a:ln>
-        </p:spPr>
-        <p:style>
-          <a:lnRef idx="1">
-            <a:schemeClr val="accent1"/>
-          </a:lnRef>
-          <a:fillRef idx="0">
-            <a:schemeClr val="accent1"/>
-          </a:fillRef>
-          <a:effectRef idx="0">
-            <a:schemeClr val="accent1"/>
-          </a:effectRef>
-          <a:fontRef idx="minor">
-            <a:schemeClr val="tx1"/>
-          </a:fontRef>
-        </p:style>
-      </p:cxnSp>
-      <p:cxnSp>
-        <p:nvCxnSpPr>
-          <p:cNvPr id="604" name="Conector angular 603"/>
-          <p:cNvCxnSpPr>
-            <a:stCxn id="600" idx="0"/>
-            <a:endCxn id="602" idx="2"/>
-          </p:cNvCxnSpPr>
-          <p:nvPr/>
-        </p:nvCxnSpPr>
-        <p:spPr>
-          <a:xfrm rot="5400000" flipH="1" flipV="1">
-            <a:off x="8531435" y="4216990"/>
-            <a:ext cx="129208" cy="23004"/>
-          </a:xfrm>
-          <a:prstGeom prst="bentConnector3">
-            <a:avLst>
-              <a:gd name="adj1" fmla="val 50000"/>
-            </a:avLst>
-          </a:prstGeom>
-          <a:ln w="12700">
-            <a:solidFill>
-              <a:schemeClr val="tx1"/>
-            </a:solidFill>
-          </a:ln>
-        </p:spPr>
-        <p:style>
-          <a:lnRef idx="1">
-            <a:schemeClr val="accent1"/>
-          </a:lnRef>
-          <a:fillRef idx="0">
-            <a:schemeClr val="accent1"/>
-          </a:fillRef>
-          <a:effectRef idx="0">
-            <a:schemeClr val="accent1"/>
-          </a:effectRef>
-          <a:fontRef idx="minor">
-            <a:schemeClr val="tx1"/>
-          </a:fontRef>
-        </p:style>
-      </p:cxnSp>
-      <p:cxnSp>
-        <p:nvCxnSpPr>
-          <p:cNvPr id="605" name="Conector angular 604"/>
-          <p:cNvCxnSpPr/>
-          <p:nvPr/>
-        </p:nvCxnSpPr>
-        <p:spPr>
-          <a:xfrm rot="5400000">
-            <a:off x="8637758" y="3146500"/>
-            <a:ext cx="1791" cy="3912"/>
-          </a:xfrm>
-          <a:prstGeom prst="bentConnector3">
-            <a:avLst>
-              <a:gd name="adj1" fmla="val 50000"/>
-            </a:avLst>
-          </a:prstGeom>
-          <a:ln w="12700">
-            <a:solidFill>
-              <a:schemeClr val="tx1"/>
-            </a:solidFill>
-          </a:ln>
-        </p:spPr>
-        <p:style>
-          <a:lnRef idx="1">
-            <a:schemeClr val="accent1"/>
-          </a:lnRef>
-          <a:fillRef idx="0">
-            <a:schemeClr val="accent1"/>
-          </a:fillRef>
-          <a:effectRef idx="0">
-            <a:schemeClr val="accent1"/>
-          </a:effectRef>
-          <a:fontRef idx="minor">
-            <a:schemeClr val="tx1"/>
-          </a:fontRef>
-        </p:style>
-      </p:cxnSp>
-      <p:cxnSp>
-        <p:nvCxnSpPr>
-          <p:cNvPr id="606" name="Conector angular 605"/>
-          <p:cNvCxnSpPr>
-            <a:stCxn id="459" idx="2"/>
-            <a:endCxn id="610" idx="0"/>
-          </p:cNvCxnSpPr>
-          <p:nvPr/>
-        </p:nvCxnSpPr>
-        <p:spPr>
-          <a:xfrm rot="5400000">
-            <a:off x="8558927" y="2807414"/>
-            <a:ext cx="72008" cy="19036"/>
-          </a:xfrm>
-          <a:prstGeom prst="bentConnector3">
-            <a:avLst>
-              <a:gd name="adj1" fmla="val 50000"/>
-            </a:avLst>
-          </a:prstGeom>
-          <a:ln w="12700">
-            <a:solidFill>
-              <a:schemeClr val="tx1"/>
-            </a:solidFill>
-          </a:ln>
-        </p:spPr>
-        <p:style>
-          <a:lnRef idx="1">
-            <a:schemeClr val="accent1"/>
-          </a:lnRef>
-          <a:fillRef idx="0">
-            <a:schemeClr val="accent1"/>
-          </a:fillRef>
-          <a:effectRef idx="0">
-            <a:schemeClr val="accent1"/>
-          </a:effectRef>
-          <a:fontRef idx="minor">
-            <a:schemeClr val="tx1"/>
-          </a:fontRef>
-        </p:style>
-      </p:cxnSp>
-      <p:sp>
-        <p:nvSpPr>
-          <p:cNvPr id="610" name="CuadroTexto 609" descr="Conector entre nodos" title="conector"/>
-          <p:cNvSpPr txBox="1"/>
-          <p:nvPr/>
-        </p:nvSpPr>
-        <p:spPr>
-          <a:xfrm>
-            <a:off x="8026826" y="2852936"/>
-            <a:ext cx="1117174" cy="230832"/>
-          </a:xfrm>
-          <a:prstGeom prst="rect">
-            <a:avLst/>
-          </a:prstGeom>
-          <a:noFill/>
-        </p:spPr>
-        <p:txBody>
-          <a:bodyPr wrap="square" rtlCol="0">
-            <a:spAutoFit/>
-          </a:bodyPr>
-          <a:lstStyle/>
-          <a:p>
-            <a:pPr algn="ctr"/>
-            <a:r>
-              <a:rPr lang="es-ES" sz="900" dirty="0" smtClean="0">
-                <a:latin typeface="Arial"/>
-                <a:cs typeface="Arial"/>
-              </a:rPr>
-              <a:t>como</a:t>
-            </a:r>
-            <a:endParaRPr lang="es-ES" sz="900" dirty="0">
-              <a:latin typeface="Arial"/>
-              <a:cs typeface="Arial"/>
-            </a:endParaRPr>
-          </a:p>
-        </p:txBody>
-      </p:sp>
-      <p:sp>
-        <p:nvSpPr>
-          <p:cNvPr id="618" name="Rectángulo 617" descr="Nodo de quinto nivel" title="Nodo05"/>
-          <p:cNvSpPr/>
-          <p:nvPr/>
-        </p:nvSpPr>
-        <p:spPr>
-          <a:xfrm>
-            <a:off x="500745" y="5013176"/>
-            <a:ext cx="1406959" cy="360040"/>
-          </a:xfrm>
-          <a:prstGeom prst="rect">
-            <a:avLst/>
-          </a:prstGeom>
-          <a:solidFill>
-            <a:schemeClr val="bg1"/>
-          </a:solidFill>
-          <a:ln>
-            <a:solidFill>
-              <a:schemeClr val="tx1"/>
-            </a:solidFill>
-          </a:ln>
-        </p:spPr>
-        <p:style>
-          <a:lnRef idx="2">
-            <a:schemeClr val="accent6"/>
-          </a:lnRef>
-          <a:fillRef idx="1">
-            <a:schemeClr val="lt1"/>
-          </a:fillRef>
-          <a:effectRef idx="0">
-            <a:schemeClr val="accent6"/>
-          </a:effectRef>
-          <a:fontRef idx="minor">
-            <a:schemeClr val="dk1"/>
-          </a:fontRef>
-        </p:style>
-        <p:txBody>
-          <a:bodyPr rtlCol="0" anchor="ctr"/>
-          <a:lstStyle/>
-          <a:p>
-            <a:pPr algn="ctr"/>
-            <a:r>
-              <a:rPr lang="es-ES" sz="900" dirty="0" smtClean="0">
-                <a:solidFill>
-                  <a:schemeClr val="tx1"/>
-                </a:solidFill>
-                <a:latin typeface="Arial"/>
-                <a:cs typeface="Arial"/>
-              </a:rPr>
-              <a:t>Diagramas de caja y bigot</a:t>
-            </a:r>
             <a:r>
               <a:rPr lang="es-ES" sz="900" dirty="0">
                 <a:solidFill>
@@ -6015,7 +5290,276 @@
                 <a:latin typeface="Arial"/>
                 <a:cs typeface="Arial"/>
               </a:rPr>
-              <a:t>e</a:t>
+              <a:t>observar globalmente el comportamiento de la variable</a:t>
+            </a:r>
+          </a:p>
+        </p:txBody>
+      </p:sp>
+      <p:cxnSp>
+        <p:nvCxnSpPr>
+          <p:cNvPr id="601" name="Conector angular 600"/>
+          <p:cNvCxnSpPr/>
+          <p:nvPr/>
+        </p:nvCxnSpPr>
+        <p:spPr>
+          <a:xfrm rot="16200000" flipH="1">
+            <a:off x="8540856" y="2836224"/>
+            <a:ext cx="115644" cy="1131"/>
+          </a:xfrm>
+          <a:prstGeom prst="bentConnector3">
+            <a:avLst>
+              <a:gd name="adj1" fmla="val 50000"/>
+            </a:avLst>
+          </a:prstGeom>
+          <a:ln w="12700">
+            <a:solidFill>
+              <a:schemeClr val="tx1"/>
+            </a:solidFill>
+          </a:ln>
+        </p:spPr>
+        <p:style>
+          <a:lnRef idx="1">
+            <a:schemeClr val="accent1"/>
+          </a:lnRef>
+          <a:fillRef idx="0">
+            <a:schemeClr val="accent1"/>
+          </a:fillRef>
+          <a:effectRef idx="0">
+            <a:schemeClr val="accent1"/>
+          </a:effectRef>
+          <a:fontRef idx="minor">
+            <a:schemeClr val="tx1"/>
+          </a:fontRef>
+        </p:style>
+      </p:cxnSp>
+      <p:sp>
+        <p:nvSpPr>
+          <p:cNvPr id="602" name="CuadroTexto 601" descr="Conector entre nodos" title="conector"/>
+          <p:cNvSpPr txBox="1"/>
+          <p:nvPr/>
+        </p:nvSpPr>
+        <p:spPr>
+          <a:xfrm>
+            <a:off x="8409409" y="3621389"/>
+            <a:ext cx="430718" cy="230832"/>
+          </a:xfrm>
+          <a:prstGeom prst="rect">
+            <a:avLst/>
+          </a:prstGeom>
+          <a:noFill/>
+        </p:spPr>
+        <p:txBody>
+          <a:bodyPr wrap="square" rtlCol="0">
+            <a:spAutoFit/>
+          </a:bodyPr>
+          <a:lstStyle/>
+          <a:p>
+            <a:pPr algn="ctr"/>
+            <a:r>
+              <a:rPr lang="es-ES" sz="900" dirty="0">
+                <a:latin typeface="Arial"/>
+                <a:cs typeface="Arial"/>
+              </a:rPr>
+              <a:t>para</a:t>
+            </a:r>
+          </a:p>
+        </p:txBody>
+      </p:sp>
+      <p:cxnSp>
+        <p:nvCxnSpPr>
+          <p:cNvPr id="603" name="Conector angular 602"/>
+          <p:cNvCxnSpPr/>
+          <p:nvPr/>
+        </p:nvCxnSpPr>
+        <p:spPr>
+          <a:xfrm rot="16200000" flipH="1">
+            <a:off x="8554024" y="3573504"/>
+            <a:ext cx="93105" cy="2664"/>
+          </a:xfrm>
+          <a:prstGeom prst="bentConnector3">
+            <a:avLst>
+              <a:gd name="adj1" fmla="val 50000"/>
+            </a:avLst>
+          </a:prstGeom>
+          <a:ln w="12700">
+            <a:solidFill>
+              <a:schemeClr val="tx1"/>
+            </a:solidFill>
+          </a:ln>
+        </p:spPr>
+        <p:style>
+          <a:lnRef idx="1">
+            <a:schemeClr val="accent1"/>
+          </a:lnRef>
+          <a:fillRef idx="0">
+            <a:schemeClr val="accent1"/>
+          </a:fillRef>
+          <a:effectRef idx="0">
+            <a:schemeClr val="accent1"/>
+          </a:effectRef>
+          <a:fontRef idx="minor">
+            <a:schemeClr val="tx1"/>
+          </a:fontRef>
+        </p:style>
+      </p:cxnSp>
+      <p:cxnSp>
+        <p:nvCxnSpPr>
+          <p:cNvPr id="604" name="Conector angular 603"/>
+          <p:cNvCxnSpPr/>
+          <p:nvPr/>
+        </p:nvCxnSpPr>
+        <p:spPr>
+          <a:xfrm rot="16200000" flipV="1">
+            <a:off x="8554018" y="3900111"/>
+            <a:ext cx="96646" cy="865"/>
+          </a:xfrm>
+          <a:prstGeom prst="bentConnector3">
+            <a:avLst>
+              <a:gd name="adj1" fmla="val 50000"/>
+            </a:avLst>
+          </a:prstGeom>
+          <a:ln w="12700">
+            <a:solidFill>
+              <a:schemeClr val="tx1"/>
+            </a:solidFill>
+          </a:ln>
+        </p:spPr>
+        <p:style>
+          <a:lnRef idx="1">
+            <a:schemeClr val="accent1"/>
+          </a:lnRef>
+          <a:fillRef idx="0">
+            <a:schemeClr val="accent1"/>
+          </a:fillRef>
+          <a:effectRef idx="0">
+            <a:schemeClr val="accent1"/>
+          </a:effectRef>
+          <a:fontRef idx="minor">
+            <a:schemeClr val="tx1"/>
+          </a:fontRef>
+        </p:style>
+      </p:cxnSp>
+      <p:cxnSp>
+        <p:nvCxnSpPr>
+          <p:cNvPr id="606" name="Conector angular 605"/>
+          <p:cNvCxnSpPr/>
+          <p:nvPr/>
+        </p:nvCxnSpPr>
+        <p:spPr>
+          <a:xfrm rot="16200000" flipH="1">
+            <a:off x="8544511" y="2494533"/>
+            <a:ext cx="105921" cy="1284"/>
+          </a:xfrm>
+          <a:prstGeom prst="bentConnector3">
+            <a:avLst>
+              <a:gd name="adj1" fmla="val 50000"/>
+            </a:avLst>
+          </a:prstGeom>
+          <a:ln w="12700">
+            <a:solidFill>
+              <a:schemeClr val="tx1"/>
+            </a:solidFill>
+          </a:ln>
+        </p:spPr>
+        <p:style>
+          <a:lnRef idx="1">
+            <a:schemeClr val="accent1"/>
+          </a:lnRef>
+          <a:fillRef idx="0">
+            <a:schemeClr val="accent1"/>
+          </a:fillRef>
+          <a:effectRef idx="0">
+            <a:schemeClr val="accent1"/>
+          </a:effectRef>
+          <a:fontRef idx="minor">
+            <a:schemeClr val="tx1"/>
+          </a:fontRef>
+        </p:style>
+      </p:cxnSp>
+      <p:sp>
+        <p:nvSpPr>
+          <p:cNvPr id="610" name="CuadroTexto 609" descr="Conector entre nodos" title="conector"/>
+          <p:cNvSpPr txBox="1"/>
+          <p:nvPr/>
+        </p:nvSpPr>
+        <p:spPr>
+          <a:xfrm>
+            <a:off x="8384078" y="2548136"/>
+            <a:ext cx="473790" cy="230832"/>
+          </a:xfrm>
+          <a:prstGeom prst="rect">
+            <a:avLst/>
+          </a:prstGeom>
+          <a:noFill/>
+        </p:spPr>
+        <p:txBody>
+          <a:bodyPr wrap="square" rtlCol="0">
+            <a:spAutoFit/>
+          </a:bodyPr>
+          <a:lstStyle/>
+          <a:p>
+            <a:pPr algn="ctr"/>
+            <a:r>
+              <a:rPr lang="es-ES" sz="900" dirty="0">
+                <a:latin typeface="Arial"/>
+                <a:cs typeface="Arial"/>
+              </a:rPr>
+              <a:t>como</a:t>
+            </a:r>
+          </a:p>
+        </p:txBody>
+      </p:sp>
+      <p:sp>
+        <p:nvSpPr>
+          <p:cNvPr id="618" name="Rectángulo 617" descr="Nodo de quinto nivel" title="Nodo05"/>
+          <p:cNvSpPr/>
+          <p:nvPr/>
+        </p:nvSpPr>
+        <p:spPr>
+          <a:xfrm>
+            <a:off x="959958" y="5013176"/>
+            <a:ext cx="960972" cy="360040"/>
+          </a:xfrm>
+          <a:prstGeom prst="rect">
+            <a:avLst/>
+          </a:prstGeom>
+          <a:solidFill>
+            <a:schemeClr val="bg1"/>
+          </a:solidFill>
+          <a:ln>
+            <a:solidFill>
+              <a:schemeClr val="tx1"/>
+            </a:solidFill>
+          </a:ln>
+        </p:spPr>
+        <p:style>
+          <a:lnRef idx="2">
+            <a:schemeClr val="accent6"/>
+          </a:lnRef>
+          <a:fillRef idx="1">
+            <a:schemeClr val="lt1"/>
+          </a:fillRef>
+          <a:effectRef idx="0">
+            <a:schemeClr val="accent6"/>
+          </a:effectRef>
+          <a:fontRef idx="minor">
+            <a:schemeClr val="dk1"/>
+          </a:fontRef>
+        </p:style>
+        <p:txBody>
+          <a:bodyPr rtlCol="0" anchor="ctr"/>
+          <a:lstStyle/>
+          <a:p>
+            <a:pPr algn="ctr"/>
+            <a:r>
+              <a:rPr lang="es-ES" sz="900" dirty="0">
+                <a:solidFill>
+                  <a:schemeClr val="tx1"/>
+                </a:solidFill>
+                <a:latin typeface="Arial"/>
+                <a:cs typeface="Arial"/>
+              </a:rPr>
+              <a:t>diagramas de caja y bigote</a:t>
             </a:r>
           </a:p>
         </p:txBody>
@@ -6031,8 +5575,8 @@
         </p:nvCxnSpPr>
         <p:spPr>
           <a:xfrm rot="16200000" flipV="1">
-            <a:off x="1175336" y="4984286"/>
-            <a:ext cx="57200" cy="579"/>
+            <a:off x="1390111" y="4962842"/>
+            <a:ext cx="100091" cy="577"/>
           </a:xfrm>
           <a:prstGeom prst="bentConnector3">
             <a:avLst>
@@ -6068,8 +5612,8 @@
         </p:nvSpPr>
         <p:spPr>
           <a:xfrm>
-            <a:off x="1043608" y="5739777"/>
-            <a:ext cx="2304256" cy="569543"/>
+            <a:off x="214636" y="5904540"/>
+            <a:ext cx="1182448" cy="569543"/>
           </a:xfrm>
           <a:prstGeom prst="rect">
             <a:avLst/>
@@ -6103,22 +5647,15 @@
           <a:p>
             <a:pPr algn="ctr"/>
             <a:r>
-              <a:rPr lang="es-ES" sz="900" dirty="0" smtClean="0">
+              <a:rPr lang="es-ES" sz="900" dirty="0">
                 <a:solidFill>
                   <a:schemeClr val="tx1"/>
                 </a:solidFill>
                 <a:latin typeface="Arial"/>
                 <a:cs typeface="Arial"/>
               </a:rPr>
-              <a:t>Análisis unidimensional del comportamiento de una variable </a:t>
-            </a:r>
-            <a:endParaRPr lang="es-ES" sz="900" dirty="0">
-              <a:solidFill>
-                <a:schemeClr val="tx1"/>
-              </a:solidFill>
-              <a:latin typeface="Arial"/>
-              <a:cs typeface="Arial"/>
-            </a:endParaRPr>
+              <a:t>análisis unidimensional del comportamiento de una variable </a:t>
+            </a:r>
           </a:p>
         </p:txBody>
       </p:sp>
@@ -6130,8 +5667,8 @@
         </p:nvSpPr>
         <p:spPr>
           <a:xfrm>
-            <a:off x="2443804" y="5078517"/>
-            <a:ext cx="1120084" cy="230832"/>
+            <a:off x="981382" y="5471213"/>
+            <a:ext cx="925689" cy="230832"/>
           </a:xfrm>
           <a:prstGeom prst="rect">
             <a:avLst/>
@@ -6146,14 +5683,14 @@
           <a:p>
             <a:pPr algn="ctr"/>
             <a:r>
-              <a:rPr lang="es-ES" sz="900" dirty="0" smtClean="0">
+              <a:rPr lang="es-ES" sz="900" dirty="0">
                 <a:latin typeface="Arial"/>
                 <a:cs typeface="Arial"/>
               </a:rPr>
               <a:t>a</a:t>
             </a:r>
             <a:r>
-              <a:rPr lang="es-ES_tradnl" sz="900" dirty="0" smtClean="0">
+              <a:rPr lang="es-ES_tradnl" sz="900" dirty="0">
                 <a:latin typeface="Arial"/>
                 <a:cs typeface="Arial"/>
               </a:rPr>
@@ -6170,15 +5707,15 @@
         <p:nvCxnSpPr>
           <p:cNvPr id="622" name="Conector angular 621"/>
           <p:cNvCxnSpPr>
-            <a:stCxn id="621" idx="1"/>
-            <a:endCxn id="618" idx="3"/>
+            <a:stCxn id="621" idx="0"/>
+            <a:endCxn id="618" idx="2"/>
           </p:cNvCxnSpPr>
           <p:nvPr/>
         </p:nvCxnSpPr>
         <p:spPr>
-          <a:xfrm rot="10800000">
-            <a:off x="1907704" y="5193197"/>
-            <a:ext cx="536100" cy="737"/>
+          <a:xfrm rot="16200000" flipV="1">
+            <a:off x="1393338" y="5420323"/>
+            <a:ext cx="97997" cy="3783"/>
           </a:xfrm>
           <a:prstGeom prst="bentConnector3">
             <a:avLst>
@@ -6217,8 +5754,8 @@
         </p:nvCxnSpPr>
         <p:spPr>
           <a:xfrm rot="5400000" flipH="1" flipV="1">
-            <a:off x="2384577" y="5120508"/>
-            <a:ext cx="430428" cy="808110"/>
+            <a:off x="1023796" y="5484110"/>
+            <a:ext cx="202495" cy="638367"/>
           </a:xfrm>
           <a:prstGeom prst="bentConnector3">
             <a:avLst>
@@ -6254,8 +5791,8 @@
         </p:nvSpPr>
         <p:spPr>
           <a:xfrm>
-            <a:off x="643604" y="4725144"/>
-            <a:ext cx="1120084" cy="230832"/>
+            <a:off x="1223946" y="4722315"/>
+            <a:ext cx="431841" cy="190770"/>
           </a:xfrm>
           <a:prstGeom prst="rect">
             <a:avLst/>
@@ -6270,23 +5807,19 @@
           <a:p>
             <a:pPr algn="ctr"/>
             <a:r>
-              <a:rPr lang="pt-BR" sz="900" dirty="0" smtClean="0">
+              <a:rPr lang="pt-BR" sz="900" dirty="0">
                 <a:latin typeface="Arial"/>
                 <a:cs typeface="Arial"/>
               </a:rPr>
               <a:t>o</a:t>
             </a:r>
             <a:r>
-              <a:rPr lang="es-ES" sz="900" dirty="0" smtClean="0">
+              <a:rPr lang="es-ES" sz="900" dirty="0">
                 <a:latin typeface="Arial"/>
                 <a:cs typeface="Arial"/>
               </a:rPr>
               <a:t> en</a:t>
             </a:r>
-            <a:endParaRPr lang="es-ES" sz="900" dirty="0">
-              <a:latin typeface="Arial"/>
-              <a:cs typeface="Arial"/>
-            </a:endParaRPr>
           </a:p>
         </p:txBody>
       </p:sp>
@@ -6301,8 +5834,8 @@
         </p:nvCxnSpPr>
         <p:spPr>
           <a:xfrm rot="16200000" flipH="1">
-            <a:off x="1159631" y="4681129"/>
-            <a:ext cx="72008" cy="16022"/>
+            <a:off x="1404887" y="4687334"/>
+            <a:ext cx="69179" cy="782"/>
           </a:xfrm>
           <a:prstGeom prst="bentConnector3">
             <a:avLst>
@@ -6338,8 +5871,8 @@
         </p:nvSpPr>
         <p:spPr>
           <a:xfrm>
-            <a:off x="3419872" y="5733256"/>
-            <a:ext cx="2016224" cy="576064"/>
+            <a:off x="1500813" y="5898018"/>
+            <a:ext cx="1514819" cy="576065"/>
           </a:xfrm>
           <a:prstGeom prst="rect">
             <a:avLst/>
@@ -6372,16 +5905,6 @@
           <a:lstStyle/>
           <a:p>
             <a:pPr algn="ctr"/>
-            <a:r>
-              <a:rPr lang="es-ES" sz="900" dirty="0" smtClean="0">
-                <a:solidFill>
-                  <a:schemeClr val="tx1"/>
-                </a:solidFill>
-                <a:latin typeface="Arial"/>
-                <a:cs typeface="Arial"/>
-              </a:rPr>
-              <a:t>Análisis bi</a:t>
-            </a:r>
             <a:r>
               <a:rPr lang="es-ES" sz="900" dirty="0">
                 <a:solidFill>
@@ -6390,45 +5913,8 @@
                 <a:latin typeface="Arial"/>
                 <a:cs typeface="Arial"/>
               </a:rPr>
-              <a:t>dimensional del comportamiento de </a:t>
-            </a:r>
-            <a:r>
-              <a:rPr lang="es-ES" sz="900" dirty="0" smtClean="0">
-                <a:solidFill>
-                  <a:schemeClr val="tx1"/>
-                </a:solidFill>
-                <a:latin typeface="Arial"/>
-                <a:cs typeface="Arial"/>
-              </a:rPr>
-              <a:t>dos variables interrelacionadas entre sí</a:t>
-            </a:r>
-            <a:endParaRPr lang="es-ES" sz="900" dirty="0">
-              <a:solidFill>
-                <a:schemeClr val="tx1"/>
-              </a:solidFill>
-              <a:latin typeface="Arial"/>
-              <a:cs typeface="Arial"/>
-            </a:endParaRPr>
-          </a:p>
-          <a:p>
-            <a:pPr algn="ctr"/>
-            <a:r>
-              <a:rPr lang="es-ES" sz="900" dirty="0" smtClean="0">
-                <a:solidFill>
-                  <a:schemeClr val="tx1"/>
-                </a:solidFill>
-                <a:latin typeface="Arial"/>
-                <a:cs typeface="Arial"/>
-              </a:rPr>
-              <a:t> </a:t>
-            </a:r>
-            <a:endParaRPr lang="es-ES" sz="900" dirty="0">
-              <a:solidFill>
-                <a:schemeClr val="tx1"/>
-              </a:solidFill>
-              <a:latin typeface="Arial"/>
-              <a:cs typeface="Arial"/>
-            </a:endParaRPr>
+              <a:t>análisis bidimensional del comportamiento de dos variables interrelacionadas entre sí</a:t>
+            </a:r>
           </a:p>
         </p:txBody>
       </p:sp>
@@ -6443,8 +5929,8 @@
         </p:nvCxnSpPr>
         <p:spPr>
           <a:xfrm rot="16200000" flipV="1">
-            <a:off x="3503962" y="4809234"/>
-            <a:ext cx="423907" cy="1424138"/>
+            <a:off x="1753239" y="5393034"/>
+            <a:ext cx="195973" cy="813996"/>
           </a:xfrm>
           <a:prstGeom prst="bentConnector3">
             <a:avLst>
@@ -6472,6 +5958,105 @@
           </a:fontRef>
         </p:style>
       </p:cxnSp>
+      <p:sp>
+        <p:nvSpPr>
+          <p:cNvPr id="102" name="CuadroTexto 101" descr="Conector entre nodos" title="conector"/>
+          <p:cNvSpPr txBox="1"/>
+          <p:nvPr/>
+        </p:nvSpPr>
+        <p:spPr>
+          <a:xfrm>
+            <a:off x="4075049" y="2483546"/>
+            <a:ext cx="693677" cy="337962"/>
+          </a:xfrm>
+          <a:prstGeom prst="rect">
+            <a:avLst/>
+          </a:prstGeom>
+          <a:noFill/>
+        </p:spPr>
+        <p:txBody>
+          <a:bodyPr wrap="square" rtlCol="0">
+            <a:spAutoFit/>
+          </a:bodyPr>
+          <a:lstStyle/>
+          <a:p>
+            <a:pPr algn="ctr"/>
+            <a:r>
+              <a:rPr lang="es-ES" sz="900" dirty="0">
+                <a:latin typeface="Arial"/>
+                <a:cs typeface="Arial"/>
+              </a:rPr>
+              <a:t>mediante el cual</a:t>
+            </a:r>
+          </a:p>
+        </p:txBody>
+      </p:sp>
+      <p:sp>
+        <p:nvSpPr>
+          <p:cNvPr id="104" name="CuadroTexto 103" descr="Conector entre nodos" title="conector"/>
+          <p:cNvSpPr txBox="1"/>
+          <p:nvPr/>
+        </p:nvSpPr>
+        <p:spPr>
+          <a:xfrm>
+            <a:off x="3184959" y="2508820"/>
+            <a:ext cx="693677" cy="307238"/>
+          </a:xfrm>
+          <a:prstGeom prst="rect">
+            <a:avLst/>
+          </a:prstGeom>
+          <a:noFill/>
+        </p:spPr>
+        <p:txBody>
+          <a:bodyPr wrap="square" rtlCol="0">
+            <a:spAutoFit/>
+          </a:bodyPr>
+          <a:lstStyle/>
+          <a:p>
+            <a:pPr algn="ctr"/>
+            <a:r>
+              <a:rPr lang="es-ES" sz="900" dirty="0">
+                <a:latin typeface="Arial"/>
+                <a:cs typeface="Arial"/>
+              </a:rPr>
+              <a:t>mediante el cual</a:t>
+            </a:r>
+          </a:p>
+        </p:txBody>
+      </p:sp>
+      <p:sp>
+        <p:nvSpPr>
+          <p:cNvPr id="106" name="CuadroTexto 105" descr="Conector entre nodos" title="conector"/>
+          <p:cNvSpPr txBox="1"/>
+          <p:nvPr/>
+        </p:nvSpPr>
+        <p:spPr>
+          <a:xfrm>
+            <a:off x="2320548" y="2484970"/>
+            <a:ext cx="693677" cy="337962"/>
+          </a:xfrm>
+          <a:prstGeom prst="rect">
+            <a:avLst/>
+          </a:prstGeom>
+          <a:noFill/>
+        </p:spPr>
+        <p:txBody>
+          <a:bodyPr wrap="square" rtlCol="0">
+            <a:spAutoFit/>
+          </a:bodyPr>
+          <a:lstStyle/>
+          <a:p>
+            <a:pPr algn="ctr"/>
+            <a:r>
+              <a:rPr lang="es-ES" sz="900" dirty="0">
+                <a:latin typeface="Arial"/>
+                <a:cs typeface="Arial"/>
+              </a:rPr>
+              <a:t>mediante el cual</a:t>
+            </a:r>
+          </a:p>
+        </p:txBody>
+      </p:sp>
     </p:spTree>
     <p:extLst>
       <p:ext uri="{BB962C8B-B14F-4D97-AF65-F5344CB8AC3E}">
@@ -6482,13 +6067,6 @@
   <p:clrMapOvr>
     <a:masterClrMapping/>
   </p:clrMapOvr>
-  <p:timing>
-    <p:tnLst>
-      <p:par>
-        <p:cTn xmlns:p14="http://schemas.microsoft.com/office/powerpoint/2010/main" id="1" dur="indefinite" restart="never" nodeType="tmRoot"/>
-      </p:par>
-    </p:tnLst>
-  </p:timing>
 </p:sld>
 </file>
 
@@ -6747,7 +6325,7 @@
   <a:extraClrSchemeLst/>
   <a:extLst>
     <a:ext uri="{05A4C25C-085E-4340-85A3-A5531E510DB2}">
-      <thm15:themeFamily xmlns:thm15="http://schemas.microsoft.com/office/thememl/2012/main" xmlns="" name="Office Theme" id="{62F939B6-93AF-4DB8-9C6B-D6C7DFDC589F}" vid="{4A3C46E8-61CC-4603-A589-7422A47A8E4A}"/>
+      <thm15:themeFamily xmlns:thm15="http://schemas.microsoft.com/office/thememl/2012/main" name="Office Theme" id="{62F939B6-93AF-4DB8-9C6B-D6C7DFDC589F}" vid="{4A3C46E8-61CC-4603-A589-7422A47A8E4A}"/>
     </a:ext>
   </a:extLst>
 </a:theme>

--- a/fuentes/contenidos/grado10/guion11/Material_Autores/MapaConceptual_MA_G10_11_CO.pptx
+++ b/fuentes/contenidos/grado10/guion11/Material_Autores/MapaConceptual_MA_G10_11_CO.pptx
@@ -11,7 +11,7 @@
     <p:sldId id="259" r:id="rId2"/>
   </p:sldIdLst>
   <p:sldSz cx="9144000" cy="6858000" type="letter"/>
-  <p:notesSz cx="7315200" cy="9601200"/>
+  <p:notesSz cx="6794500" cy="9918700"/>
   <p:defaultTextStyle>
     <a:defPPr>
       <a:defRPr lang="es-ES"/>
@@ -109,18 +109,7 @@
   </p:defaultTextStyle>
   <p:extLst>
     <p:ext uri="{EFAFB233-063F-42B5-8137-9DF3F51BA10A}">
-      <p15:sldGuideLst xmlns:p15="http://schemas.microsoft.com/office/powerpoint/2012/main">
-        <p15:guide id="1" orient="horz" pos="2160">
-          <p15:clr>
-            <a:srgbClr val="A4A3A4"/>
-          </p15:clr>
-        </p15:guide>
-        <p15:guide id="2" pos="2880">
-          <p15:clr>
-            <a:srgbClr val="A4A3A4"/>
-          </p15:clr>
-        </p15:guide>
-      </p15:sldGuideLst>
+      <p15:sldGuideLst xmlns:p15="http://schemas.microsoft.com/office/powerpoint/2012/main" xmlns=""/>
     </p:ext>
   </p:extLst>
 </p:presentation>
@@ -160,8 +149,8 @@
         </p:nvSpPr>
         <p:spPr>
           <a:xfrm>
-            <a:off x="1" y="0"/>
-            <a:ext cx="3170490" cy="479445"/>
+            <a:off x="0" y="0"/>
+            <a:ext cx="2944813" cy="495300"/>
           </a:xfrm>
           <a:prstGeom prst="rect">
             <a:avLst/>
@@ -191,8 +180,8 @@
         </p:nvSpPr>
         <p:spPr>
           <a:xfrm>
-            <a:off x="4143002" y="0"/>
-            <a:ext cx="3170490" cy="479445"/>
+            <a:off x="3848100" y="0"/>
+            <a:ext cx="2944813" cy="495300"/>
           </a:xfrm>
           <a:prstGeom prst="rect">
             <a:avLst/>
@@ -208,7 +197,7 @@
           <a:p>
             <a:fld id="{28E7A8D4-14BB-254E-8C65-0ECB4581BCDE}" type="datetimeFigureOut">
               <a:rPr lang="es-ES" smtClean="0"/>
-              <a:t>21/07/2016</a:t>
+              <a:t>18/01/16</a:t>
             </a:fld>
             <a:endParaRPr lang="es-ES"/>
           </a:p>
@@ -226,8 +215,8 @@
         </p:nvSpPr>
         <p:spPr>
           <a:xfrm>
-            <a:off x="1257300" y="720725"/>
-            <a:ext cx="4800600" cy="3600450"/>
+            <a:off x="917575" y="744538"/>
+            <a:ext cx="4959350" cy="3719512"/>
           </a:xfrm>
           <a:prstGeom prst="rect">
             <a:avLst/>
@@ -259,8 +248,8 @@
         </p:nvSpPr>
         <p:spPr>
           <a:xfrm>
-            <a:off x="731520" y="4560878"/>
-            <a:ext cx="5852160" cy="4319618"/>
+            <a:off x="679450" y="4711700"/>
+            <a:ext cx="5435600" cy="4462463"/>
           </a:xfrm>
           <a:prstGeom prst="rect">
             <a:avLst/>
@@ -272,35 +261,35 @@
           <a:p>
             <a:pPr lvl="0"/>
             <a:r>
-              <a:rPr lang="es-ES_tradnl"/>
+              <a:rPr lang="es-ES_tradnl" smtClean="0"/>
               <a:t>Haga clic para modificar el estilo de texto del patrón</a:t>
             </a:r>
           </a:p>
           <a:p>
             <a:pPr lvl="1"/>
             <a:r>
-              <a:rPr lang="es-ES_tradnl"/>
+              <a:rPr lang="es-ES_tradnl" smtClean="0"/>
               <a:t>Segundo nivel</a:t>
             </a:r>
           </a:p>
           <a:p>
             <a:pPr lvl="2"/>
             <a:r>
-              <a:rPr lang="es-ES_tradnl"/>
+              <a:rPr lang="es-ES_tradnl" smtClean="0"/>
               <a:t>Tercer nivel</a:t>
             </a:r>
           </a:p>
           <a:p>
             <a:pPr lvl="3"/>
             <a:r>
-              <a:rPr lang="es-ES_tradnl"/>
+              <a:rPr lang="es-ES_tradnl" smtClean="0"/>
               <a:t>Cuarto nivel</a:t>
             </a:r>
           </a:p>
           <a:p>
             <a:pPr lvl="4"/>
             <a:r>
-              <a:rPr lang="es-ES_tradnl"/>
+              <a:rPr lang="es-ES_tradnl" smtClean="0"/>
               <a:t>Quinto nivel</a:t>
             </a:r>
             <a:endParaRPr lang="es-ES"/>
@@ -319,8 +308,8 @@
         </p:nvSpPr>
         <p:spPr>
           <a:xfrm>
-            <a:off x="1" y="9120219"/>
-            <a:ext cx="3170490" cy="479445"/>
+            <a:off x="0" y="9421813"/>
+            <a:ext cx="2944813" cy="495300"/>
           </a:xfrm>
           <a:prstGeom prst="rect">
             <a:avLst/>
@@ -350,8 +339,8 @@
         </p:nvSpPr>
         <p:spPr>
           <a:xfrm>
-            <a:off x="4143002" y="9120219"/>
-            <a:ext cx="3170490" cy="479445"/>
+            <a:off x="3848100" y="9421813"/>
+            <a:ext cx="2944813" cy="495300"/>
           </a:xfrm>
           <a:prstGeom prst="rect">
             <a:avLst/>
@@ -367,7 +356,7 @@
           <a:p>
             <a:fld id="{D40DAD8F-77B9-D248-9F83-6A470D608F1B}" type="slidenum">
               <a:rPr lang="es-ES" smtClean="0"/>
-              <a:t>‹Nº›</a:t>
+              <a:t>‹Nr.›</a:t>
             </a:fld>
             <a:endParaRPr lang="es-ES"/>
           </a:p>
@@ -587,6 +576,13 @@
   <p:clrMapOvr>
     <a:masterClrMapping/>
   </p:clrMapOvr>
+  <p:timing>
+    <p:tnLst>
+      <p:par>
+        <p:cTn xmlns:p14="http://schemas.microsoft.com/office/powerpoint/2010/main" id="1" dur="indefinite" restart="never" nodeType="tmRoot"/>
+      </p:par>
+    </p:tnLst>
+  </p:timing>
 </p:sldLayout>
 </file>
 
@@ -617,6 +613,13 @@
   <p:clrMapOvr>
     <a:masterClrMapping/>
   </p:clrMapOvr>
+  <p:timing>
+    <p:tnLst>
+      <p:par>
+        <p:cTn xmlns:p14="http://schemas.microsoft.com/office/powerpoint/2010/main" id="1" dur="indefinite" restart="never" nodeType="tmRoot"/>
+      </p:par>
+    </p:tnLst>
+  </p:timing>
 </p:sldLayout>
 </file>
 
@@ -647,6 +650,13 @@
   <p:clrMapOvr>
     <a:masterClrMapping/>
   </p:clrMapOvr>
+  <p:timing>
+    <p:tnLst>
+      <p:par>
+        <p:cTn xmlns:p14="http://schemas.microsoft.com/office/powerpoint/2010/main" id="1" dur="indefinite" restart="never" nodeType="tmRoot"/>
+      </p:par>
+    </p:tnLst>
+  </p:timing>
 </p:sldLayout>
 </file>
 
@@ -677,6 +687,13 @@
   <p:clrMapOvr>
     <a:masterClrMapping/>
   </p:clrMapOvr>
+  <p:timing>
+    <p:tnLst>
+      <p:par>
+        <p:cTn xmlns:p14="http://schemas.microsoft.com/office/powerpoint/2010/main" id="1" dur="indefinite" restart="never" nodeType="tmRoot"/>
+      </p:par>
+    </p:tnLst>
+  </p:timing>
 </p:sldLayout>
 </file>
 
@@ -707,6 +724,13 @@
   <p:clrMapOvr>
     <a:masterClrMapping/>
   </p:clrMapOvr>
+  <p:timing>
+    <p:tnLst>
+      <p:par>
+        <p:cTn xmlns:p14="http://schemas.microsoft.com/office/powerpoint/2010/main" id="1" dur="indefinite" restart="never" nodeType="tmRoot"/>
+      </p:par>
+    </p:tnLst>
+  </p:timing>
 </p:sldLayout>
 </file>
 
@@ -737,6 +761,13 @@
   <p:clrMapOvr>
     <a:masterClrMapping/>
   </p:clrMapOvr>
+  <p:timing>
+    <p:tnLst>
+      <p:par>
+        <p:cTn xmlns:p14="http://schemas.microsoft.com/office/powerpoint/2010/main" id="1" dur="indefinite" restart="never" nodeType="tmRoot"/>
+      </p:par>
+    </p:tnLst>
+  </p:timing>
 </p:sldLayout>
 </file>
 
@@ -767,6 +798,13 @@
   <p:clrMapOvr>
     <a:masterClrMapping/>
   </p:clrMapOvr>
+  <p:timing>
+    <p:tnLst>
+      <p:par>
+        <p:cTn xmlns:p14="http://schemas.microsoft.com/office/powerpoint/2010/main" id="1" dur="indefinite" restart="never" nodeType="tmRoot"/>
+      </p:par>
+    </p:tnLst>
+  </p:timing>
 </p:sldLayout>
 </file>
 
@@ -797,6 +835,13 @@
   <p:clrMapOvr>
     <a:masterClrMapping/>
   </p:clrMapOvr>
+  <p:timing>
+    <p:tnLst>
+      <p:par>
+        <p:cTn xmlns:p14="http://schemas.microsoft.com/office/powerpoint/2010/main" id="1" dur="indefinite" restart="never" nodeType="tmRoot"/>
+      </p:par>
+    </p:tnLst>
+  </p:timing>
 </p:sldLayout>
 </file>
 
@@ -842,7 +887,7 @@
           <a:p>
             <a:fld id="{5001C876-01F7-4317-94B9-1AE222133113}" type="datetimeFigureOut">
               <a:rPr lang="es-ES" smtClean="0"/>
-              <a:t>21/07/2016</a:t>
+              <a:t>18/01/16</a:t>
             </a:fld>
             <a:endParaRPr lang="es-ES"/>
           </a:p>
@@ -900,7 +945,7 @@
           <a:p>
             <a:fld id="{58140F73-F5A2-4B82-A2FA-BF1850CF1309}" type="slidenum">
               <a:rPr lang="es-ES" smtClean="0"/>
-              <a:t>‹Nº›</a:t>
+              <a:t>‹Nr.›</a:t>
             </a:fld>
             <a:endParaRPr lang="es-ES"/>
           </a:p>
@@ -916,6 +961,13 @@
   <p:clrMapOvr>
     <a:masterClrMapping/>
   </p:clrMapOvr>
+  <p:timing>
+    <p:tnLst>
+      <p:par>
+        <p:cTn xmlns:p14="http://schemas.microsoft.com/office/powerpoint/2010/main" id="1" dur="indefinite" restart="never" nodeType="tmRoot"/>
+      </p:par>
+    </p:tnLst>
+  </p:timing>
 </p:sldLayout>
 </file>
 
@@ -946,6 +998,13 @@
   <p:clrMapOvr>
     <a:masterClrMapping/>
   </p:clrMapOvr>
+  <p:timing>
+    <p:tnLst>
+      <p:par>
+        <p:cTn xmlns:p14="http://schemas.microsoft.com/office/powerpoint/2010/main" id="1" dur="indefinite" restart="never" nodeType="tmRoot"/>
+      </p:par>
+    </p:tnLst>
+  </p:timing>
 </p:sldLayout>
 </file>
 
@@ -976,6 +1035,13 @@
   <p:clrMapOvr>
     <a:masterClrMapping/>
   </p:clrMapOvr>
+  <p:timing>
+    <p:tnLst>
+      <p:par>
+        <p:cTn xmlns:p14="http://schemas.microsoft.com/office/powerpoint/2010/main" id="1" dur="indefinite" restart="never" nodeType="tmRoot"/>
+      </p:par>
+    </p:tnLst>
+  </p:timing>
 </p:sldLayout>
 </file>
 
@@ -1009,7 +1075,7 @@
         </p:nvSpPr>
         <p:spPr>
           <a:xfrm rot="16200000">
-            <a:off x="-1408401" y="1710405"/>
+            <a:off x="-1278861" y="1710405"/>
             <a:ext cx="3121368" cy="276999"/>
           </a:xfrm>
           <a:prstGeom prst="rect">
@@ -1025,12 +1091,16 @@
           <a:p>
             <a:pPr algn="ctr"/>
             <a:r>
-              <a:rPr lang="es-ES" sz="1200" dirty="0">
+              <a:rPr lang="es-ES" sz="1200" dirty="0" smtClean="0">
                 <a:latin typeface="Arial" panose="020B0604020202020204" pitchFamily="34" charset="0"/>
                 <a:cs typeface="Arial" panose="020B0604020202020204" pitchFamily="34" charset="0"/>
               </a:rPr>
-              <a:t>© Editorial Planeta Colombiana S.A., 2016.</a:t>
-            </a:r>
+              <a:t>© Editorial Planeta Colombiana S.A., 2015.</a:t>
+            </a:r>
+            <a:endParaRPr lang="es-ES" sz="1200" dirty="0">
+              <a:latin typeface="Arial" panose="020B0604020202020204" pitchFamily="34" charset="0"/>
+              <a:cs typeface="Arial" panose="020B0604020202020204" pitchFamily="34" charset="0"/>
+            </a:endParaRPr>
           </a:p>
         </p:txBody>
       </p:sp>
@@ -1056,7 +1126,7 @@
         </p:blipFill>
         <p:spPr>
           <a:xfrm rot="16200000">
-            <a:off x="61312" y="197250"/>
+            <a:off x="190852" y="197250"/>
             <a:ext cx="181942" cy="181942"/>
           </a:xfrm>
           <a:prstGeom prst="rect">
@@ -1085,6 +1155,13 @@
     <p:sldLayoutId id="2147483670" r:id="rId10"/>
     <p:sldLayoutId id="2147483671" r:id="rId11"/>
   </p:sldLayoutIdLst>
+  <p:timing>
+    <p:tnLst>
+      <p:par>
+        <p:cTn xmlns:p14="http://schemas.microsoft.com/office/powerpoint/2010/main" id="1" dur="indefinite" restart="never" nodeType="tmRoot"/>
+      </p:par>
+    </p:tnLst>
+  </p:timing>
   <p:txStyles>
     <p:titleStyle>
       <a:lvl1pPr algn="l" defTabSz="914400" rtl="0" eaLnBrk="1" latinLnBrk="0" hangingPunct="1">
@@ -1428,12 +1505,16 @@
           <a:p>
             <a:pPr algn="ctr"/>
             <a:r>
-              <a:rPr lang="es-ES" sz="1600" dirty="0">
+              <a:rPr lang="es-ES" sz="1600" dirty="0" smtClean="0">
                 <a:latin typeface="Arial"/>
                 <a:cs typeface="Arial"/>
               </a:rPr>
               <a:t>Estadística</a:t>
             </a:r>
+            <a:endParaRPr lang="es-ES" sz="1600" dirty="0">
+              <a:latin typeface="Arial"/>
+              <a:cs typeface="Arial"/>
+            </a:endParaRPr>
           </a:p>
         </p:txBody>
       </p:sp>
@@ -1445,7 +1526,7 @@
         </p:nvSpPr>
         <p:spPr>
           <a:xfrm>
-            <a:off x="513606" y="682536"/>
+            <a:off x="734586" y="692696"/>
             <a:ext cx="1656184" cy="432048"/>
           </a:xfrm>
           <a:prstGeom prst="rect">
@@ -1486,7 +1567,7 @@
           <a:lstStyle/>
           <a:p>
             <a:pPr algn="ctr"/>
-            <a:endParaRPr lang="es-ES" sz="1200" b="1" dirty="0">
+            <a:endParaRPr lang="es-ES" sz="1200" b="1" dirty="0" smtClean="0">
               <a:latin typeface="Arial"/>
               <a:cs typeface="Arial"/>
             </a:endParaRPr>
@@ -1494,7 +1575,7 @@
           <a:p>
             <a:pPr algn="ctr"/>
             <a:r>
-              <a:rPr lang="es-ES" sz="1200" b="1" dirty="0">
+              <a:rPr lang="es-ES" sz="1200" b="1" dirty="0" smtClean="0">
                 <a:latin typeface="Arial"/>
                 <a:cs typeface="Arial"/>
               </a:rPr>
@@ -1518,8 +1599,8 @@
         </p:nvSpPr>
         <p:spPr>
           <a:xfrm>
-            <a:off x="993062" y="1188207"/>
-            <a:ext cx="696941" cy="190770"/>
+            <a:off x="1001297" y="1268760"/>
+            <a:ext cx="1122431" cy="230832"/>
           </a:xfrm>
           <a:prstGeom prst="rect">
             <a:avLst/>
@@ -1534,12 +1615,16 @@
           <a:p>
             <a:pPr algn="ctr"/>
             <a:r>
-              <a:rPr lang="es-ES" sz="900" dirty="0">
+              <a:rPr lang="es-ES" sz="900" dirty="0" smtClean="0">
                 <a:latin typeface="Arial"/>
                 <a:cs typeface="Arial"/>
               </a:rPr>
               <a:t>identifica</a:t>
             </a:r>
+            <a:endParaRPr lang="es-ES" sz="900" dirty="0">
+              <a:latin typeface="Arial"/>
+              <a:cs typeface="Arial"/>
+            </a:endParaRPr>
           </a:p>
         </p:txBody>
       </p:sp>
@@ -1554,8 +1639,8 @@
         </p:nvCxnSpPr>
         <p:spPr>
           <a:xfrm rot="5400000">
-            <a:off x="1304805" y="1151313"/>
-            <a:ext cx="73623" cy="165"/>
+            <a:off x="1490588" y="1196670"/>
+            <a:ext cx="144016" cy="165"/>
           </a:xfrm>
           <a:prstGeom prst="bentConnector3">
             <a:avLst>
@@ -1591,8 +1676,8 @@
         </p:nvSpPr>
         <p:spPr>
           <a:xfrm>
-            <a:off x="778002" y="1446474"/>
-            <a:ext cx="1124746" cy="363678"/>
+            <a:off x="998982" y="1556792"/>
+            <a:ext cx="1124746" cy="357473"/>
           </a:xfrm>
           <a:prstGeom prst="rect">
             <a:avLst/>
@@ -1628,15 +1713,22 @@
           <a:p>
             <a:pPr algn="ctr"/>
             <a:r>
-              <a:rPr lang="es-ES" sz="1050" dirty="0">
+              <a:rPr lang="es-ES" sz="1050" dirty="0" smtClean="0">
                 <a:solidFill>
                   <a:schemeClr val="bg1"/>
                 </a:solidFill>
                 <a:latin typeface="Arial"/>
                 <a:cs typeface="Arial"/>
               </a:rPr>
-              <a:t>tipos de variables</a:t>
-            </a:r>
+              <a:t>Tipos de variables</a:t>
+            </a:r>
+            <a:endParaRPr lang="es-ES" sz="1050" dirty="0">
+              <a:solidFill>
+                <a:schemeClr val="bg1"/>
+              </a:solidFill>
+              <a:latin typeface="Arial"/>
+              <a:cs typeface="Arial"/>
+            </a:endParaRPr>
           </a:p>
         </p:txBody>
       </p:sp>
@@ -1651,8 +1743,8 @@
         </p:nvCxnSpPr>
         <p:spPr>
           <a:xfrm rot="5400000">
-            <a:off x="1307206" y="1412146"/>
-            <a:ext cx="67497" cy="1158"/>
+            <a:off x="1533334" y="1527613"/>
+            <a:ext cx="57200" cy="1158"/>
           </a:xfrm>
           <a:prstGeom prst="bentConnector3">
             <a:avLst>
@@ -1688,8 +1780,8 @@
         </p:nvSpPr>
         <p:spPr>
           <a:xfrm>
-            <a:off x="964163" y="1827042"/>
-            <a:ext cx="763045" cy="173432"/>
+            <a:off x="1006554" y="1988840"/>
+            <a:ext cx="1117174" cy="230836"/>
           </a:xfrm>
           <a:prstGeom prst="rect">
             <a:avLst/>
@@ -1704,12 +1796,16 @@
           <a:p>
             <a:pPr algn="ctr"/>
             <a:r>
-              <a:rPr lang="es-ES" sz="900" dirty="0">
+              <a:rPr lang="es-ES" sz="900" dirty="0" smtClean="0">
                 <a:latin typeface="Arial"/>
                 <a:cs typeface="Arial"/>
               </a:rPr>
               <a:t>pueden ser</a:t>
             </a:r>
+            <a:endParaRPr lang="es-ES" sz="900" dirty="0">
+              <a:latin typeface="Arial"/>
+              <a:cs typeface="Arial"/>
+            </a:endParaRPr>
           </a:p>
         </p:txBody>
       </p:sp>
@@ -1718,13 +1814,14 @@
           <p:cNvPr id="68" name="Conector angular 67"/>
           <p:cNvCxnSpPr>
             <a:stCxn id="44" idx="2"/>
+            <a:endCxn id="67" idx="0"/>
           </p:cNvCxnSpPr>
           <p:nvPr/>
         </p:nvCxnSpPr>
         <p:spPr>
-          <a:xfrm rot="5400000">
-            <a:off x="1303217" y="1845002"/>
-            <a:ext cx="72009" cy="2308"/>
+          <a:xfrm rot="16200000" flipH="1">
+            <a:off x="1525961" y="1949659"/>
+            <a:ext cx="74575" cy="3786"/>
           </a:xfrm>
           <a:prstGeom prst="bentConnector3">
             <a:avLst>
@@ -1760,8 +1857,8 @@
         </p:nvSpPr>
         <p:spPr>
           <a:xfrm>
-            <a:off x="486125" y="2115821"/>
-            <a:ext cx="833150" cy="305067"/>
+            <a:off x="395537" y="2348881"/>
+            <a:ext cx="1008112" cy="216024"/>
           </a:xfrm>
           <a:prstGeom prst="rect">
             <a:avLst/>
@@ -1797,15 +1894,22 @@
           <a:p>
             <a:pPr algn="ctr"/>
             <a:r>
-              <a:rPr lang="es-ES" sz="900" dirty="0">
+              <a:rPr lang="es-ES" sz="900" dirty="0" smtClean="0">
                 <a:solidFill>
                   <a:schemeClr val="tx1"/>
                 </a:solidFill>
                 <a:latin typeface="Arial"/>
                 <a:cs typeface="Arial"/>
               </a:rPr>
-              <a:t>cuantitativas</a:t>
-            </a:r>
+              <a:t>Cuantitativas</a:t>
+            </a:r>
+            <a:endParaRPr lang="es-ES" sz="900" dirty="0">
+              <a:solidFill>
+                <a:schemeClr val="tx1"/>
+              </a:solidFill>
+              <a:latin typeface="Arial"/>
+              <a:cs typeface="Arial"/>
+            </a:endParaRPr>
           </a:p>
         </p:txBody>
       </p:sp>
@@ -1817,7 +1921,7 @@
         </p:nvSpPr>
         <p:spPr>
           <a:xfrm>
-            <a:off x="236280" y="2780928"/>
+            <a:off x="251520" y="2780928"/>
             <a:ext cx="648072" cy="216024"/>
           </a:xfrm>
           <a:prstGeom prst="rect">
@@ -1852,15 +1956,22 @@
           <a:p>
             <a:pPr algn="ctr"/>
             <a:r>
-              <a:rPr lang="es-ES" sz="800" dirty="0">
+              <a:rPr lang="es-ES" sz="800" dirty="0" smtClean="0">
                 <a:solidFill>
                   <a:schemeClr val="tx1"/>
                 </a:solidFill>
                 <a:latin typeface="Arial"/>
                 <a:cs typeface="Arial"/>
               </a:rPr>
-              <a:t>discretas</a:t>
-            </a:r>
+              <a:t>Discretas</a:t>
+            </a:r>
+            <a:endParaRPr lang="es-ES" sz="800" dirty="0">
+              <a:solidFill>
+                <a:schemeClr val="tx1"/>
+              </a:solidFill>
+              <a:latin typeface="Arial"/>
+              <a:cs typeface="Arial"/>
+            </a:endParaRPr>
           </a:p>
         </p:txBody>
       </p:sp>
@@ -1872,8 +1983,8 @@
         </p:nvSpPr>
         <p:spPr>
           <a:xfrm>
-            <a:off x="1076727" y="3550156"/>
-            <a:ext cx="721993" cy="360040"/>
+            <a:off x="467544" y="3573016"/>
+            <a:ext cx="1406959" cy="360040"/>
           </a:xfrm>
           <a:prstGeom prst="rect">
             <a:avLst/>
@@ -1907,15 +2018,22 @@
           <a:p>
             <a:pPr algn="ctr"/>
             <a:r>
-              <a:rPr lang="es-ES" sz="900" dirty="0">
+              <a:rPr lang="es-ES" sz="900" dirty="0" smtClean="0">
                 <a:solidFill>
                   <a:schemeClr val="tx1"/>
                 </a:solidFill>
                 <a:latin typeface="Arial"/>
                 <a:cs typeface="Arial"/>
               </a:rPr>
-              <a:t>tablas o diagramas</a:t>
-            </a:r>
+              <a:t>Tablas o diagramas</a:t>
+            </a:r>
+            <a:endParaRPr lang="es-ES" sz="900" dirty="0">
+              <a:solidFill>
+                <a:schemeClr val="tx1"/>
+              </a:solidFill>
+              <a:latin typeface="Arial"/>
+              <a:cs typeface="Arial"/>
+            </a:endParaRPr>
           </a:p>
         </p:txBody>
       </p:sp>
@@ -1924,13 +2042,14 @@
           <p:cNvPr id="76" name="Conector angular 75"/>
           <p:cNvCxnSpPr>
             <a:stCxn id="67" idx="2"/>
+            <a:endCxn id="72" idx="0"/>
           </p:cNvCxnSpPr>
           <p:nvPr/>
         </p:nvCxnSpPr>
         <p:spPr>
           <a:xfrm rot="5400000">
-            <a:off x="1081760" y="1851894"/>
-            <a:ext cx="115347" cy="412506"/>
+            <a:off x="1167765" y="1951504"/>
+            <a:ext cx="129205" cy="665548"/>
           </a:xfrm>
           <a:prstGeom prst="bentConnector3">
             <a:avLst>
@@ -1969,8 +2088,8 @@
         </p:nvCxnSpPr>
         <p:spPr>
           <a:xfrm rot="16200000" flipH="1">
-            <a:off x="890764" y="2432824"/>
-            <a:ext cx="360040" cy="336168"/>
+            <a:off x="953599" y="2510898"/>
+            <a:ext cx="216023" cy="324035"/>
           </a:xfrm>
           <a:prstGeom prst="bentConnector3">
             <a:avLst>
@@ -2009,8 +2128,8 @@
         </p:nvCxnSpPr>
         <p:spPr>
           <a:xfrm rot="5400000" flipH="1" flipV="1">
-            <a:off x="551488" y="2429716"/>
-            <a:ext cx="360040" cy="342384"/>
+            <a:off x="629563" y="2510899"/>
+            <a:ext cx="216023" cy="324037"/>
           </a:xfrm>
           <a:prstGeom prst="bentConnector3">
             <a:avLst>
@@ -2046,8 +2165,8 @@
         </p:nvSpPr>
         <p:spPr>
           <a:xfrm>
-            <a:off x="978533" y="3090669"/>
-            <a:ext cx="923285" cy="369332"/>
+            <a:off x="1005293" y="3059668"/>
+            <a:ext cx="1117174" cy="369332"/>
           </a:xfrm>
           <a:prstGeom prst="rect">
             <a:avLst/>
@@ -2062,12 +2181,16 @@
           <a:p>
             <a:pPr algn="ctr"/>
             <a:r>
-              <a:rPr lang="es-ES" sz="900" dirty="0">
-                <a:latin typeface="Arial"/>
-                <a:cs typeface="Arial"/>
-              </a:rPr>
-              <a:t>representadas mediante</a:t>
-            </a:r>
+              <a:rPr lang="es-ES" sz="900" dirty="0" smtClean="0">
+                <a:latin typeface="Arial"/>
+                <a:cs typeface="Arial"/>
+              </a:rPr>
+              <a:t>Representadas mediante</a:t>
+            </a:r>
+            <a:endParaRPr lang="es-ES" sz="900" dirty="0">
+              <a:latin typeface="Arial"/>
+              <a:cs typeface="Arial"/>
+            </a:endParaRPr>
           </a:p>
         </p:txBody>
       </p:sp>
@@ -2082,8 +2205,8 @@
         </p:nvCxnSpPr>
         <p:spPr>
           <a:xfrm rot="5400000" flipH="1" flipV="1">
-            <a:off x="1393873" y="3503853"/>
-            <a:ext cx="90155" cy="2452"/>
+            <a:off x="1295444" y="3304580"/>
+            <a:ext cx="144016" cy="392856"/>
           </a:xfrm>
           <a:prstGeom prst="bentConnector3">
             <a:avLst>
@@ -2119,8 +2242,8 @@
         </p:nvSpPr>
         <p:spPr>
           <a:xfrm>
-            <a:off x="1032618" y="4299617"/>
-            <a:ext cx="812933" cy="353519"/>
+            <a:off x="467544" y="4299617"/>
+            <a:ext cx="1440160" cy="353519"/>
           </a:xfrm>
           <a:prstGeom prst="rect">
             <a:avLst/>
@@ -2154,15 +2277,22 @@
           <a:p>
             <a:pPr algn="ctr"/>
             <a:r>
-              <a:rPr lang="es-ES" sz="900" dirty="0">
+              <a:rPr lang="es-ES" sz="900" dirty="0" smtClean="0">
                 <a:solidFill>
                   <a:schemeClr val="tx1"/>
                 </a:solidFill>
                 <a:latin typeface="Arial"/>
                 <a:cs typeface="Arial"/>
               </a:rPr>
-              <a:t>tablas de frecuencias</a:t>
-            </a:r>
+              <a:t>Tablas de frecuencias</a:t>
+            </a:r>
+            <a:endParaRPr lang="es-ES" sz="900" dirty="0">
+              <a:solidFill>
+                <a:schemeClr val="tx1"/>
+              </a:solidFill>
+              <a:latin typeface="Arial"/>
+              <a:cs typeface="Arial"/>
+            </a:endParaRPr>
           </a:p>
         </p:txBody>
       </p:sp>
@@ -2174,8 +2304,8 @@
         </p:nvSpPr>
         <p:spPr>
           <a:xfrm>
-            <a:off x="878260" y="3985077"/>
-            <a:ext cx="1120084" cy="209847"/>
+            <a:off x="611560" y="4005064"/>
+            <a:ext cx="1120084" cy="230832"/>
           </a:xfrm>
           <a:prstGeom prst="rect">
             <a:avLst/>
@@ -2190,19 +2320,23 @@
           <a:p>
             <a:pPr algn="ctr"/>
             <a:r>
-              <a:rPr lang="pt-BR" sz="900" dirty="0">
+              <a:rPr lang="pt-BR" sz="900" dirty="0" smtClean="0">
                 <a:latin typeface="Arial"/>
                 <a:cs typeface="Arial"/>
               </a:rPr>
               <a:t>condensados</a:t>
             </a:r>
             <a:r>
-              <a:rPr lang="es-ES" sz="900" dirty="0">
+              <a:rPr lang="es-ES" sz="900" dirty="0" smtClean="0">
                 <a:latin typeface="Arial"/>
                 <a:cs typeface="Arial"/>
               </a:rPr>
               <a:t> en</a:t>
             </a:r>
+            <a:endParaRPr lang="es-ES" sz="900" dirty="0">
+              <a:latin typeface="Arial"/>
+              <a:cs typeface="Arial"/>
+            </a:endParaRPr>
           </a:p>
         </p:txBody>
       </p:sp>
@@ -2217,8 +2351,8 @@
         </p:nvCxnSpPr>
         <p:spPr>
           <a:xfrm rot="16200000" flipV="1">
-            <a:off x="1400573" y="3947348"/>
-            <a:ext cx="74881" cy="578"/>
+            <a:off x="1135309" y="3968771"/>
+            <a:ext cx="72008" cy="578"/>
           </a:xfrm>
           <a:prstGeom prst="bentConnector3">
             <a:avLst>
@@ -2257,8 +2391,8 @@
         </p:nvCxnSpPr>
         <p:spPr>
           <a:xfrm rot="16200000" flipV="1">
-            <a:off x="1386348" y="4246879"/>
-            <a:ext cx="104693" cy="783"/>
+            <a:off x="1147753" y="4259746"/>
+            <a:ext cx="63721" cy="16022"/>
           </a:xfrm>
           <a:prstGeom prst="bentConnector3">
             <a:avLst>
@@ -2294,7 +2428,7 @@
         </p:nvSpPr>
         <p:spPr>
           <a:xfrm>
-            <a:off x="3563888" y="682536"/>
+            <a:off x="3563888" y="692696"/>
             <a:ext cx="1512168" cy="432048"/>
           </a:xfrm>
           <a:prstGeom prst="rect">
@@ -2336,12 +2470,16 @@
           <a:p>
             <a:pPr algn="ctr"/>
             <a:r>
-              <a:rPr lang="es-ES" sz="1200" b="1" dirty="0">
+              <a:rPr lang="es-ES" sz="1200" b="1" dirty="0" smtClean="0">
                 <a:latin typeface="Arial"/>
                 <a:cs typeface="Arial"/>
               </a:rPr>
               <a:t>Selección de la información</a:t>
             </a:r>
+            <a:endParaRPr lang="es-ES" sz="1200" b="1" dirty="0">
+              <a:latin typeface="Arial"/>
+              <a:cs typeface="Arial"/>
+            </a:endParaRPr>
           </a:p>
         </p:txBody>
       </p:sp>
@@ -2356,8 +2494,8 @@
         </p:nvCxnSpPr>
         <p:spPr>
           <a:xfrm rot="5400000">
-            <a:off x="4394835" y="401809"/>
-            <a:ext cx="205864" cy="355590"/>
+            <a:off x="4389755" y="406889"/>
+            <a:ext cx="216024" cy="355590"/>
           </a:xfrm>
           <a:prstGeom prst="bentConnector3">
             <a:avLst>
@@ -2393,8 +2531,8 @@
         </p:nvSpPr>
         <p:spPr>
           <a:xfrm>
-            <a:off x="3968673" y="1203485"/>
-            <a:ext cx="696941" cy="209847"/>
+            <a:off x="3762024" y="1253952"/>
+            <a:ext cx="1122431" cy="230832"/>
           </a:xfrm>
           <a:prstGeom prst="rect">
             <a:avLst/>
@@ -2409,12 +2547,16 @@
           <a:p>
             <a:pPr algn="ctr"/>
             <a:r>
-              <a:rPr lang="es-ES" sz="900" dirty="0">
+              <a:rPr lang="es-ES" sz="900" dirty="0" smtClean="0">
                 <a:latin typeface="Arial"/>
                 <a:cs typeface="Arial"/>
               </a:rPr>
               <a:t>mediante</a:t>
             </a:r>
+            <a:endParaRPr lang="es-ES" sz="900" dirty="0">
+              <a:latin typeface="Arial"/>
+              <a:cs typeface="Arial"/>
+            </a:endParaRPr>
           </a:p>
         </p:txBody>
       </p:sp>
@@ -2428,9 +2570,9 @@
           <p:nvPr/>
         </p:nvCxnSpPr>
         <p:spPr>
-          <a:xfrm rot="5400000">
-            <a:off x="4274108" y="1157620"/>
-            <a:ext cx="88901" cy="2828"/>
+          <a:xfrm rot="16200000" flipH="1">
+            <a:off x="4257002" y="1187714"/>
+            <a:ext cx="129208" cy="3268"/>
           </a:xfrm>
           <a:prstGeom prst="bentConnector3">
             <a:avLst>
@@ -2466,7 +2608,7 @@
         </p:nvSpPr>
         <p:spPr>
           <a:xfrm>
-            <a:off x="3756750" y="1480592"/>
+            <a:off x="3756750" y="1556792"/>
             <a:ext cx="1124746" cy="357473"/>
           </a:xfrm>
           <a:prstGeom prst="rect">
@@ -2503,15 +2645,22 @@
           <a:p>
             <a:pPr algn="ctr"/>
             <a:r>
-              <a:rPr lang="es-ES" sz="1050" dirty="0">
+              <a:rPr lang="es-ES" sz="1050" dirty="0" smtClean="0">
                 <a:solidFill>
                   <a:schemeClr val="bg1"/>
                 </a:solidFill>
                 <a:latin typeface="Arial"/>
                 <a:cs typeface="Arial"/>
               </a:rPr>
-              <a:t>técnicas de muestreo</a:t>
-            </a:r>
+              <a:t>Técnicas de muestreo</a:t>
+            </a:r>
+            <a:endParaRPr lang="es-ES" sz="1050" dirty="0">
+              <a:solidFill>
+                <a:schemeClr val="bg1"/>
+              </a:solidFill>
+              <a:latin typeface="Arial"/>
+              <a:cs typeface="Arial"/>
+            </a:endParaRPr>
           </a:p>
         </p:txBody>
       </p:sp>
@@ -2525,9 +2674,9 @@
           <p:nvPr/>
         </p:nvCxnSpPr>
         <p:spPr>
-          <a:xfrm rot="16200000" flipH="1">
-            <a:off x="4284503" y="1445972"/>
-            <a:ext cx="67260" cy="1979"/>
+          <a:xfrm rot="5400000">
+            <a:off x="4285178" y="1518730"/>
+            <a:ext cx="72008" cy="4117"/>
           </a:xfrm>
           <a:prstGeom prst="bentConnector3">
             <a:avLst>
@@ -2566,8 +2715,8 @@
         </p:nvCxnSpPr>
         <p:spPr>
           <a:xfrm rot="5400000">
-            <a:off x="3351766" y="1154228"/>
-            <a:ext cx="283520" cy="1651194"/>
+            <a:off x="3544179" y="1213895"/>
+            <a:ext cx="74575" cy="1475315"/>
           </a:xfrm>
           <a:prstGeom prst="bentConnector3">
             <a:avLst>
@@ -2603,8 +2752,8 @@
         </p:nvSpPr>
         <p:spPr>
           <a:xfrm>
-            <a:off x="2379897" y="2121585"/>
-            <a:ext cx="576064" cy="320626"/>
+            <a:off x="2555776" y="1988840"/>
+            <a:ext cx="576064" cy="288032"/>
           </a:xfrm>
           <a:prstGeom prst="rect">
             <a:avLst/>
@@ -2640,14 +2789,14 @@
           <a:p>
             <a:pPr algn="ctr"/>
             <a:r>
-              <a:rPr lang="es-ES" sz="900" dirty="0">
+              <a:rPr lang="es-ES" sz="900" dirty="0" smtClean="0">
                 <a:solidFill>
                   <a:schemeClr val="tx1"/>
                 </a:solidFill>
                 <a:latin typeface="Arial"/>
                 <a:cs typeface="Arial"/>
               </a:rPr>
-              <a:t>simple</a:t>
+              <a:t>Simple</a:t>
             </a:r>
           </a:p>
         </p:txBody>
@@ -2660,8 +2809,8 @@
         </p:nvSpPr>
         <p:spPr>
           <a:xfrm>
-            <a:off x="2273298" y="2885661"/>
-            <a:ext cx="792088" cy="1979827"/>
+            <a:off x="2339752" y="2708920"/>
+            <a:ext cx="792088" cy="1440160"/>
           </a:xfrm>
           <a:prstGeom prst="rect">
             <a:avLst/>
@@ -2695,49 +2844,49 @@
           <a:p>
             <a:pPr algn="ctr"/>
             <a:r>
-              <a:rPr lang="es-ES_tradnl" sz="800" dirty="0">
-                <a:latin typeface="Arial"/>
-                <a:cs typeface="Arial"/>
-              </a:rPr>
-              <a:t>se eligen </a:t>
-            </a:r>
-            <a:r>
-              <a:rPr lang="es-ES_tradnl" sz="800" i="1" dirty="0">
+              <a:rPr lang="es-ES_tradnl" sz="800" dirty="0" smtClean="0">
+                <a:latin typeface="Arial"/>
+                <a:cs typeface="Arial"/>
+              </a:rPr>
+              <a:t>Se eligen </a:t>
+            </a:r>
+            <a:r>
+              <a:rPr lang="es-ES_tradnl" sz="800" i="1" dirty="0" smtClean="0">
                 <a:latin typeface="Arial"/>
                 <a:cs typeface="Arial"/>
               </a:rPr>
               <a:t>n</a:t>
             </a:r>
             <a:r>
-              <a:rPr lang="es-ES_tradnl" sz="800" dirty="0">
+              <a:rPr lang="es-ES_tradnl" sz="800" dirty="0" smtClean="0">
                 <a:latin typeface="Arial"/>
                 <a:cs typeface="Arial"/>
               </a:rPr>
               <a:t> de entre </a:t>
             </a:r>
             <a:r>
-              <a:rPr lang="es-ES_tradnl" sz="800" i="1" dirty="0">
+              <a:rPr lang="es-ES_tradnl" sz="800" i="1" dirty="0" smtClean="0">
                 <a:latin typeface="Arial"/>
                 <a:cs typeface="Arial"/>
               </a:rPr>
               <a:t>N</a:t>
             </a:r>
             <a:r>
-              <a:rPr lang="es-ES_tradnl" sz="800" dirty="0">
+              <a:rPr lang="es-ES_tradnl" sz="800" dirty="0" smtClean="0">
                 <a:latin typeface="Arial"/>
                 <a:cs typeface="Arial"/>
               </a:rPr>
               <a:t> elementos, y la probabilidad de que un elemento de la población se incluya en la muestra es de </a:t>
             </a:r>
             <a:r>
-              <a:rPr lang="es-ES_tradnl" sz="800" i="1" dirty="0">
+              <a:rPr lang="es-ES_tradnl" sz="800" i="1" dirty="0" smtClean="0">
                 <a:latin typeface="Arial"/>
                 <a:cs typeface="Arial"/>
               </a:rPr>
               <a:t>n/N</a:t>
             </a:r>
             <a:r>
-              <a:rPr lang="es-ES_tradnl" sz="800" dirty="0">
+              <a:rPr lang="es-ES_tradnl" sz="800" dirty="0" smtClean="0">
                 <a:latin typeface="Arial"/>
                 <a:cs typeface="Arial"/>
               </a:rPr>
@@ -2758,14 +2907,14 @@
           <p:cNvPr id="261" name="Conector angular 260"/>
           <p:cNvCxnSpPr>
             <a:stCxn id="256" idx="2"/>
-            <a:endCxn id="106" idx="0"/>
+            <a:endCxn id="287" idx="0"/>
           </p:cNvCxnSpPr>
           <p:nvPr/>
         </p:nvCxnSpPr>
         <p:spPr>
-          <a:xfrm rot="5400000">
-            <a:off x="2646279" y="2463319"/>
-            <a:ext cx="42759" cy="542"/>
+          <a:xfrm rot="16200000" flipH="1">
+            <a:off x="3536622" y="1584057"/>
+            <a:ext cx="144016" cy="1529645"/>
           </a:xfrm>
           <a:prstGeom prst="bentConnector3">
             <a:avLst>
@@ -2804,8 +2953,8 @@
         </p:nvCxnSpPr>
         <p:spPr>
           <a:xfrm rot="5400000">
-            <a:off x="3784223" y="1586685"/>
-            <a:ext cx="283520" cy="786281"/>
+            <a:off x="3886217" y="1555933"/>
+            <a:ext cx="74575" cy="791239"/>
           </a:xfrm>
           <a:prstGeom prst="bentConnector3">
             <a:avLst>
@@ -2841,8 +2990,8 @@
         </p:nvSpPr>
         <p:spPr>
           <a:xfrm>
-            <a:off x="3990852" y="2115821"/>
-            <a:ext cx="864095" cy="326391"/>
+            <a:off x="3923928" y="1988840"/>
+            <a:ext cx="864095" cy="288032"/>
           </a:xfrm>
           <a:prstGeom prst="rect">
             <a:avLst/>
@@ -2878,15 +3027,22 @@
           <a:p>
             <a:pPr algn="ctr"/>
             <a:r>
-              <a:rPr lang="es-ES" sz="900" dirty="0">
+              <a:rPr lang="es-ES" sz="900" dirty="0" smtClean="0">
                 <a:solidFill>
                   <a:schemeClr val="tx1"/>
                 </a:solidFill>
                 <a:latin typeface="Arial"/>
                 <a:cs typeface="Arial"/>
               </a:rPr>
-              <a:t>estratificado</a:t>
-            </a:r>
+              <a:t>Estratificado</a:t>
+            </a:r>
+            <a:endParaRPr lang="es-ES" sz="900" dirty="0">
+              <a:solidFill>
+                <a:schemeClr val="tx1"/>
+              </a:solidFill>
+              <a:latin typeface="Arial"/>
+              <a:cs typeface="Arial"/>
+            </a:endParaRPr>
           </a:p>
         </p:txBody>
       </p:sp>
@@ -2898,8 +3054,8 @@
         </p:nvSpPr>
         <p:spPr>
           <a:xfrm>
-            <a:off x="3138063" y="2886619"/>
-            <a:ext cx="792088" cy="1978870"/>
+            <a:off x="3131840" y="2708920"/>
+            <a:ext cx="720080" cy="1368152"/>
           </a:xfrm>
           <a:prstGeom prst="rect">
             <a:avLst/>
@@ -2933,14 +3089,24 @@
           <a:p>
             <a:pPr algn="ctr"/>
             <a:r>
-              <a:rPr lang="es-ES" sz="800" dirty="0">
+              <a:rPr lang="es-ES" sz="800" dirty="0" smtClean="0">
                 <a:solidFill>
                   <a:schemeClr val="tx1"/>
                 </a:solidFill>
                 <a:latin typeface="Arial"/>
                 <a:cs typeface="Arial"/>
               </a:rPr>
-              <a:t>se elige un único elemento al azar </a:t>
+              <a:t>Se elige un único elemento al azar </a:t>
+            </a:r>
+            <a:r>
+              <a:rPr lang="es-ES_tradnl" sz="800" dirty="0" smtClean="0">
+                <a:solidFill>
+                  <a:schemeClr val="tx1"/>
+                </a:solidFill>
+                <a:latin typeface="Arial"/>
+                <a:cs typeface="Arial"/>
+              </a:rPr>
+              <a:t>y </a:t>
             </a:r>
             <a:r>
               <a:rPr lang="es-ES_tradnl" sz="800" dirty="0">
@@ -2950,7 +3116,7 @@
                 <a:latin typeface="Arial"/>
                 <a:cs typeface="Arial"/>
               </a:rPr>
-              <a:t>y se completa la muestra eligiendo de manera periódica el resto</a:t>
+              <a:t>se completa la muestra eligiendo de manera periódica el resto</a:t>
             </a:r>
             <a:endParaRPr lang="es-ES" sz="800" dirty="0">
               <a:solidFill>
@@ -2970,8 +3136,8 @@
         </p:nvSpPr>
         <p:spPr>
           <a:xfrm>
-            <a:off x="5028251" y="2501557"/>
-            <a:ext cx="763045" cy="307238"/>
+            <a:off x="3814866" y="2420888"/>
+            <a:ext cx="1117174" cy="230832"/>
           </a:xfrm>
           <a:prstGeom prst="rect">
             <a:avLst/>
@@ -2986,7 +3152,7 @@
           <a:p>
             <a:pPr algn="ctr"/>
             <a:r>
-              <a:rPr lang="es-ES" sz="900" dirty="0">
+              <a:rPr lang="es-ES" sz="900" dirty="0" smtClean="0">
                 <a:latin typeface="Arial"/>
                 <a:cs typeface="Arial"/>
               </a:rPr>
@@ -3006,8 +3172,8 @@
         </p:nvCxnSpPr>
         <p:spPr>
           <a:xfrm rot="16200000" flipH="1">
-            <a:off x="4232133" y="1925054"/>
-            <a:ext cx="277756" cy="103777"/>
+            <a:off x="4300262" y="1933125"/>
+            <a:ext cx="74575" cy="36853"/>
           </a:xfrm>
           <a:prstGeom prst="bentConnector3">
             <a:avLst>
@@ -3046,8 +3212,8 @@
         </p:nvCxnSpPr>
         <p:spPr>
           <a:xfrm rot="16200000" flipH="1">
-            <a:off x="4725500" y="1431688"/>
-            <a:ext cx="280192" cy="1092946"/>
+            <a:off x="4768313" y="1465074"/>
+            <a:ext cx="74576" cy="972957"/>
           </a:xfrm>
           <a:prstGeom prst="bentConnector3">
             <a:avLst>
@@ -3079,15 +3245,15 @@
         <p:nvCxnSpPr>
           <p:cNvPr id="290" name="Conector angular 289"/>
           <p:cNvCxnSpPr>
-            <a:stCxn id="104" idx="2"/>
+            <a:stCxn id="287" idx="2"/>
             <a:endCxn id="285" idx="0"/>
           </p:cNvCxnSpPr>
           <p:nvPr/>
         </p:nvCxnSpPr>
         <p:spPr>
-          <a:xfrm rot="16200000" flipH="1">
-            <a:off x="3497672" y="2850183"/>
-            <a:ext cx="70561" cy="2309"/>
+          <a:xfrm rot="5400000">
+            <a:off x="3904067" y="2239534"/>
+            <a:ext cx="57200" cy="881573"/>
           </a:xfrm>
           <a:prstGeom prst="bentConnector3">
             <a:avLst>
@@ -3123,8 +3289,8 @@
         </p:nvSpPr>
         <p:spPr>
           <a:xfrm>
-            <a:off x="3988136" y="2879574"/>
-            <a:ext cx="864096" cy="1985915"/>
+            <a:off x="3851920" y="2708920"/>
+            <a:ext cx="864096" cy="2016224"/>
           </a:xfrm>
           <a:prstGeom prst="rect">
             <a:avLst/>
@@ -3158,11 +3324,25 @@
           <a:p>
             <a:pPr algn="ctr"/>
             <a:r>
+              <a:rPr lang="es-ES_tradnl" sz="800" dirty="0" smtClean="0">
+                <a:latin typeface="Arial"/>
+                <a:cs typeface="Arial"/>
+              </a:rPr>
+              <a:t>Se consideran </a:t>
+            </a:r>
+            <a:r>
               <a:rPr lang="es-ES_tradnl" sz="800" dirty="0">
                 <a:latin typeface="Arial"/>
                 <a:cs typeface="Arial"/>
               </a:rPr>
-              <a:t>se consideran categorías diferentes entre sí, que sean homogéneas respecto a alguna característica particular y luego hace muestreo simple o sistemático sobre cada estrato</a:t>
+              <a:t>categorías diferentes entre sí, que sean homogéneas respecto a alguna característica particular </a:t>
+            </a:r>
+            <a:r>
+              <a:rPr lang="es-ES_tradnl" sz="800" dirty="0" smtClean="0">
+                <a:latin typeface="Arial"/>
+                <a:cs typeface="Arial"/>
+              </a:rPr>
+              <a:t>y luego hace muestreo simple o sistemático sobre cada estrato</a:t>
             </a:r>
             <a:endParaRPr lang="es-ES" sz="800" dirty="0">
               <a:solidFill>
@@ -3178,15 +3358,15 @@
         <p:nvCxnSpPr>
           <p:cNvPr id="310" name="Conector angular 309"/>
           <p:cNvCxnSpPr>
-            <a:stCxn id="102" idx="2"/>
+            <a:stCxn id="287" idx="2"/>
             <a:endCxn id="308" idx="0"/>
           </p:cNvCxnSpPr>
           <p:nvPr/>
         </p:nvCxnSpPr>
         <p:spPr>
           <a:xfrm rot="5400000">
-            <a:off x="4392003" y="2849689"/>
-            <a:ext cx="58066" cy="1704"/>
+            <a:off x="4300111" y="2635578"/>
+            <a:ext cx="57200" cy="89485"/>
           </a:xfrm>
           <a:prstGeom prst="bentConnector3">
             <a:avLst>
@@ -3222,7 +3402,7 @@
         </p:nvSpPr>
         <p:spPr>
           <a:xfrm>
-            <a:off x="6614469" y="684962"/>
+            <a:off x="6923841" y="684962"/>
             <a:ext cx="1944216" cy="439782"/>
           </a:xfrm>
           <a:prstGeom prst="rect">
@@ -3263,7 +3443,7 @@
           <a:lstStyle/>
           <a:p>
             <a:pPr algn="ctr"/>
-            <a:endParaRPr lang="es-ES" sz="1200" b="1" dirty="0">
+            <a:endParaRPr lang="es-ES" sz="1200" b="1" dirty="0" smtClean="0">
               <a:latin typeface="Arial"/>
               <a:cs typeface="Arial"/>
             </a:endParaRPr>
@@ -3271,7 +3451,7 @@
           <a:p>
             <a:pPr algn="ctr"/>
             <a:r>
-              <a:rPr lang="es-ES" sz="1200" b="1" dirty="0">
+              <a:rPr lang="es-ES" sz="1200" b="1" dirty="0" smtClean="0">
                 <a:latin typeface="Arial"/>
                 <a:cs typeface="Arial"/>
               </a:rPr>
@@ -3295,8 +3475,8 @@
         </p:nvSpPr>
         <p:spPr>
           <a:xfrm>
-            <a:off x="7301852" y="1226343"/>
-            <a:ext cx="575985" cy="173427"/>
+            <a:off x="7338001" y="1268760"/>
+            <a:ext cx="1122431" cy="230832"/>
           </a:xfrm>
           <a:prstGeom prst="rect">
             <a:avLst/>
@@ -3311,12 +3491,16 @@
           <a:p>
             <a:pPr algn="ctr"/>
             <a:r>
-              <a:rPr lang="es-ES" sz="900" dirty="0">
+              <a:rPr lang="es-ES" sz="900" dirty="0" smtClean="0">
                 <a:latin typeface="Arial"/>
                 <a:cs typeface="Arial"/>
               </a:rPr>
               <a:t>calcula</a:t>
             </a:r>
+            <a:endParaRPr lang="es-ES" sz="900" dirty="0">
+              <a:latin typeface="Arial"/>
+              <a:cs typeface="Arial"/>
+            </a:endParaRPr>
           </a:p>
         </p:txBody>
       </p:sp>
@@ -3331,8 +3515,8 @@
         </p:nvCxnSpPr>
         <p:spPr>
           <a:xfrm rot="16200000" flipH="1">
-            <a:off x="7537412" y="1173909"/>
-            <a:ext cx="101599" cy="3268"/>
+            <a:off x="7825575" y="1195118"/>
+            <a:ext cx="144016" cy="3268"/>
           </a:xfrm>
           <a:prstGeom prst="bentConnector3">
             <a:avLst>
@@ -3368,8 +3552,8 @@
         </p:nvSpPr>
         <p:spPr>
           <a:xfrm>
-            <a:off x="7123916" y="1480592"/>
-            <a:ext cx="929542" cy="357473"/>
+            <a:off x="7335686" y="1556792"/>
+            <a:ext cx="1124746" cy="357473"/>
           </a:xfrm>
           <a:prstGeom prst="rect">
             <a:avLst/>
@@ -3405,15 +3589,22 @@
           <a:p>
             <a:pPr algn="ctr"/>
             <a:r>
-              <a:rPr lang="es-ES" sz="1050" dirty="0">
+              <a:rPr lang="es-ES" sz="1050" dirty="0" smtClean="0">
                 <a:solidFill>
                   <a:schemeClr val="bg1"/>
                 </a:solidFill>
                 <a:latin typeface="Arial"/>
                 <a:cs typeface="Arial"/>
               </a:rPr>
-              <a:t>medidas estadísticas</a:t>
-            </a:r>
+              <a:t>Medidas estadísticas</a:t>
+            </a:r>
+            <a:endParaRPr lang="es-ES" sz="1050" dirty="0">
+              <a:solidFill>
+                <a:schemeClr val="bg1"/>
+              </a:solidFill>
+              <a:latin typeface="Arial"/>
+              <a:cs typeface="Arial"/>
+            </a:endParaRPr>
           </a:p>
         </p:txBody>
       </p:sp>
@@ -3428,8 +3619,8 @@
         </p:nvCxnSpPr>
         <p:spPr>
           <a:xfrm rot="5400000">
-            <a:off x="7548855" y="1439602"/>
-            <a:ext cx="80822" cy="1158"/>
+            <a:off x="7870038" y="1527613"/>
+            <a:ext cx="57200" cy="1158"/>
           </a:xfrm>
           <a:prstGeom prst="bentConnector3">
             <a:avLst>
@@ -3468,8 +3659,8 @@
         </p:nvCxnSpPr>
         <p:spPr>
           <a:xfrm rot="5400000">
-            <a:off x="7445024" y="1974458"/>
-            <a:ext cx="280057" cy="7271"/>
+            <a:off x="7439881" y="1890701"/>
+            <a:ext cx="434615" cy="481743"/>
           </a:xfrm>
           <a:prstGeom prst="bentConnector3">
             <a:avLst>
@@ -3508,8 +3699,8 @@
         </p:nvCxnSpPr>
         <p:spPr>
           <a:xfrm rot="5400000">
-            <a:off x="2905698" y="-1087328"/>
-            <a:ext cx="205864" cy="3333864"/>
+            <a:off x="3011108" y="-971758"/>
+            <a:ext cx="216024" cy="3112884"/>
           </a:xfrm>
           <a:prstGeom prst="bentConnector3">
             <a:avLst>
@@ -3548,8 +3739,8 @@
         </p:nvCxnSpPr>
         <p:spPr>
           <a:xfrm rot="16200000" flipH="1">
-            <a:off x="6026924" y="-874691"/>
-            <a:ext cx="208290" cy="2911015"/>
+            <a:off x="6181610" y="-1029377"/>
+            <a:ext cx="208290" cy="3220387"/>
           </a:xfrm>
           <a:prstGeom prst="bentConnector3">
             <a:avLst>
@@ -3585,8 +3776,8 @@
         </p:nvSpPr>
         <p:spPr>
           <a:xfrm>
-            <a:off x="1377689" y="2115821"/>
-            <a:ext cx="773640" cy="312473"/>
+            <a:off x="1619673" y="2348881"/>
+            <a:ext cx="936104" cy="216024"/>
           </a:xfrm>
           <a:prstGeom prst="rect">
             <a:avLst/>
@@ -3622,15 +3813,22 @@
           <a:p>
             <a:pPr algn="ctr"/>
             <a:r>
-              <a:rPr lang="es-ES" sz="900" dirty="0">
+              <a:rPr lang="es-ES" sz="900" dirty="0" smtClean="0">
                 <a:solidFill>
                   <a:schemeClr val="tx1"/>
                 </a:solidFill>
                 <a:latin typeface="Arial"/>
                 <a:cs typeface="Arial"/>
               </a:rPr>
-              <a:t>cualitativas</a:t>
-            </a:r>
+              <a:t>Cualitativas</a:t>
+            </a:r>
+            <a:endParaRPr lang="es-ES" sz="900" dirty="0">
+              <a:solidFill>
+                <a:schemeClr val="tx1"/>
+              </a:solidFill>
+              <a:latin typeface="Arial"/>
+              <a:cs typeface="Arial"/>
+            </a:endParaRPr>
           </a:p>
         </p:txBody>
       </p:sp>
@@ -3639,13 +3837,14 @@
           <p:cNvPr id="368" name="Conector angular 367"/>
           <p:cNvCxnSpPr>
             <a:stCxn id="67" idx="2"/>
+            <a:endCxn id="363" idx="0"/>
           </p:cNvCxnSpPr>
           <p:nvPr/>
         </p:nvCxnSpPr>
         <p:spPr>
           <a:xfrm rot="16200000" flipH="1">
-            <a:off x="1505044" y="1841115"/>
-            <a:ext cx="115347" cy="434063"/>
+            <a:off x="1761831" y="2022986"/>
+            <a:ext cx="129205" cy="522584"/>
           </a:xfrm>
           <a:prstGeom prst="bentConnector3">
             <a:avLst>
@@ -3681,7 +3880,7 @@
         </p:nvSpPr>
         <p:spPr>
           <a:xfrm>
-            <a:off x="914832" y="2780928"/>
+            <a:off x="899592" y="2780928"/>
             <a:ext cx="648072" cy="216024"/>
           </a:xfrm>
           <a:prstGeom prst="rect">
@@ -3716,14 +3915,14 @@
           <a:p>
             <a:pPr algn="ctr"/>
             <a:r>
-              <a:rPr lang="es-ES" sz="800" dirty="0">
+              <a:rPr lang="es-ES" sz="800" dirty="0" smtClean="0">
                 <a:solidFill>
                   <a:schemeClr val="tx1"/>
                 </a:solidFill>
                 <a:latin typeface="Arial"/>
                 <a:cs typeface="Arial"/>
               </a:rPr>
-              <a:t>continuas</a:t>
+              <a:t>Continuas</a:t>
             </a:r>
           </a:p>
         </p:txBody>
@@ -3733,19 +3932,18 @@
           <p:cNvPr id="370" name="Conector angular 369"/>
           <p:cNvCxnSpPr>
             <a:stCxn id="67" idx="2"/>
-            <a:endCxn id="133" idx="3"/>
+            <a:endCxn id="133" idx="0"/>
           </p:cNvCxnSpPr>
           <p:nvPr/>
         </p:nvCxnSpPr>
         <p:spPr>
-          <a:xfrm rot="16200000" flipH="1">
-            <a:off x="986322" y="2359838"/>
-            <a:ext cx="1274861" cy="556132"/>
-          </a:xfrm>
-          <a:prstGeom prst="bentConnector4">
+          <a:xfrm rot="5400000">
+            <a:off x="1144515" y="2639042"/>
+            <a:ext cx="839992" cy="1261"/>
+          </a:xfrm>
+          <a:prstGeom prst="bentConnector3">
             <a:avLst>
-              <a:gd name="adj1" fmla="val 47539"/>
-              <a:gd name="adj2" fmla="val 141105"/>
+              <a:gd name="adj1" fmla="val 50000"/>
             </a:avLst>
           </a:prstGeom>
           <a:ln w="12700">
@@ -3777,8 +3975,8 @@
         </p:nvSpPr>
         <p:spPr>
           <a:xfrm>
-            <a:off x="3136798" y="2121585"/>
-            <a:ext cx="792088" cy="328458"/>
+            <a:off x="3131840" y="1988840"/>
+            <a:ext cx="792088" cy="288032"/>
           </a:xfrm>
           <a:prstGeom prst="rect">
             <a:avLst/>
@@ -3814,15 +4012,22 @@
           <a:p>
             <a:pPr algn="ctr"/>
             <a:r>
-              <a:rPr lang="es-ES" sz="900" dirty="0">
+              <a:rPr lang="es-ES" sz="900" dirty="0" smtClean="0">
                 <a:solidFill>
                   <a:schemeClr val="tx1"/>
                 </a:solidFill>
                 <a:latin typeface="Arial"/>
                 <a:cs typeface="Arial"/>
               </a:rPr>
-              <a:t>sistemático</a:t>
-            </a:r>
+              <a:t>Sistemático</a:t>
+            </a:r>
+            <a:endParaRPr lang="es-ES" sz="900" dirty="0">
+              <a:solidFill>
+                <a:schemeClr val="tx1"/>
+              </a:solidFill>
+              <a:latin typeface="Arial"/>
+              <a:cs typeface="Arial"/>
+            </a:endParaRPr>
           </a:p>
         </p:txBody>
       </p:sp>
@@ -3834,8 +4039,8 @@
         </p:nvSpPr>
         <p:spPr>
           <a:xfrm>
-            <a:off x="4908013" y="2118257"/>
-            <a:ext cx="1008112" cy="323957"/>
+            <a:off x="4788024" y="1988841"/>
+            <a:ext cx="1008112" cy="288031"/>
           </a:xfrm>
           <a:prstGeom prst="rect">
             <a:avLst/>
@@ -3871,15 +4076,22 @@
           <a:p>
             <a:pPr algn="ctr"/>
             <a:r>
-              <a:rPr lang="es-ES" sz="900" dirty="0">
+              <a:rPr lang="es-ES" sz="900" dirty="0" smtClean="0">
                 <a:solidFill>
                   <a:schemeClr val="tx1"/>
                 </a:solidFill>
                 <a:latin typeface="Arial"/>
                 <a:cs typeface="Arial"/>
               </a:rPr>
-              <a:t>por conglomerados</a:t>
-            </a:r>
+              <a:t>Por Conglomerados</a:t>
+            </a:r>
+            <a:endParaRPr lang="es-ES" sz="900" dirty="0">
+              <a:solidFill>
+                <a:schemeClr val="tx1"/>
+              </a:solidFill>
+              <a:latin typeface="Arial"/>
+              <a:cs typeface="Arial"/>
+            </a:endParaRPr>
           </a:p>
         </p:txBody>
       </p:sp>
@@ -3888,14 +4100,14 @@
           <p:cNvPr id="385" name="Conector angular 384"/>
           <p:cNvCxnSpPr>
             <a:stCxn id="375" idx="2"/>
-            <a:endCxn id="104" idx="0"/>
+            <a:endCxn id="287" idx="0"/>
           </p:cNvCxnSpPr>
           <p:nvPr/>
         </p:nvCxnSpPr>
         <p:spPr>
-          <a:xfrm rot="5400000">
-            <a:off x="3502932" y="2478909"/>
-            <a:ext cx="58777" cy="1044"/>
+          <a:xfrm rot="16200000" flipH="1">
+            <a:off x="3878660" y="1926095"/>
+            <a:ext cx="144016" cy="845569"/>
           </a:xfrm>
           <a:prstGeom prst="bentConnector3">
             <a:avLst>
@@ -3928,14 +4140,14 @@
           <p:cNvPr id="386" name="Conector angular 385"/>
           <p:cNvCxnSpPr>
             <a:stCxn id="284" idx="2"/>
-            <a:endCxn id="102" idx="0"/>
+            <a:endCxn id="287" idx="0"/>
           </p:cNvCxnSpPr>
           <p:nvPr/>
         </p:nvCxnSpPr>
         <p:spPr>
-          <a:xfrm rot="5400000">
-            <a:off x="4401727" y="2462373"/>
-            <a:ext cx="41334" cy="1012"/>
+          <a:xfrm rot="16200000" flipH="1">
+            <a:off x="4292706" y="2340141"/>
+            <a:ext cx="144016" cy="17477"/>
           </a:xfrm>
           <a:prstGeom prst="bentConnector3">
             <a:avLst>
@@ -3974,8 +4186,8 @@
         </p:nvCxnSpPr>
         <p:spPr>
           <a:xfrm rot="5400000">
-            <a:off x="5381251" y="2470738"/>
-            <a:ext cx="59343" cy="2295"/>
+            <a:off x="4760759" y="1889567"/>
+            <a:ext cx="144016" cy="918627"/>
           </a:xfrm>
           <a:prstGeom prst="bentConnector3">
             <a:avLst>
@@ -4007,15 +4219,15 @@
         <p:nvCxnSpPr>
           <p:cNvPr id="397" name="Conector angular 396"/>
           <p:cNvCxnSpPr>
-            <a:stCxn id="106" idx="2"/>
+            <a:stCxn id="287" idx="2"/>
             <a:endCxn id="257" idx="0"/>
           </p:cNvCxnSpPr>
           <p:nvPr/>
         </p:nvCxnSpPr>
         <p:spPr>
-          <a:xfrm rot="16200000" flipH="1">
-            <a:off x="2637000" y="2853318"/>
-            <a:ext cx="62729" cy="1955"/>
+          <a:xfrm rot="5400000">
+            <a:off x="3526025" y="1861492"/>
+            <a:ext cx="57200" cy="1637657"/>
           </a:xfrm>
           <a:prstGeom prst="bentConnector3">
             <a:avLst>
@@ -4051,8 +4263,8 @@
         </p:nvSpPr>
         <p:spPr>
           <a:xfrm>
-            <a:off x="4939576" y="2882718"/>
-            <a:ext cx="936104" cy="1982771"/>
+            <a:off x="4716016" y="2708920"/>
+            <a:ext cx="936104" cy="1440160"/>
           </a:xfrm>
           <a:prstGeom prst="rect">
             <a:avLst/>
@@ -4086,14 +4298,49 @@
           <a:p>
             <a:pPr algn="ctr"/>
             <a:r>
+              <a:rPr lang="es-ES_tradnl" sz="800" dirty="0" smtClean="0">
+                <a:latin typeface="Arial"/>
+                <a:cs typeface="Arial"/>
+              </a:rPr>
+              <a:t>Se seleccionan </a:t>
+            </a:r>
+            <a:r>
               <a:rPr lang="es-ES_tradnl" sz="800" dirty="0">
                 <a:latin typeface="Arial"/>
                 <a:cs typeface="Arial"/>
               </a:rPr>
-              <a:t>se seleccionan aleatoriamente cierto número de conglomerados de los que se estudian todos los elementos hasta alcanzar el tamaño </a:t>
-            </a:r>
-            <a:r>
-              <a:rPr lang="es-ES_tradnl" sz="800" dirty="0" err="1">
+              <a:t>aleatoriamente </a:t>
+            </a:r>
+            <a:r>
+              <a:rPr lang="es-ES_tradnl" sz="800" dirty="0" smtClean="0">
+                <a:latin typeface="Arial"/>
+                <a:cs typeface="Arial"/>
+              </a:rPr>
+              <a:t>cierto </a:t>
+            </a:r>
+            <a:r>
+              <a:rPr lang="es-ES_tradnl" sz="800" dirty="0">
+                <a:latin typeface="Arial"/>
+                <a:cs typeface="Arial"/>
+              </a:rPr>
+              <a:t>número de conglomerados </a:t>
+            </a:r>
+            <a:r>
+              <a:rPr lang="es-ES_tradnl" sz="800" dirty="0" smtClean="0">
+                <a:latin typeface="Arial"/>
+                <a:cs typeface="Arial"/>
+              </a:rPr>
+              <a:t>de los que se estudian todos los elementos hasta alcanzar </a:t>
+            </a:r>
+            <a:r>
+              <a:rPr lang="es-ES_tradnl" sz="800" dirty="0">
+                <a:latin typeface="Arial"/>
+                <a:cs typeface="Arial"/>
+              </a:rPr>
+              <a:t>el tamaño </a:t>
+            </a:r>
+            <a:r>
+              <a:rPr lang="es-ES_tradnl" sz="800" dirty="0" err="1" smtClean="0">
                 <a:latin typeface="Arial"/>
                 <a:cs typeface="Arial"/>
               </a:rPr>
@@ -4119,9 +4366,9 @@
           <p:nvPr/>
         </p:nvCxnSpPr>
         <p:spPr>
-          <a:xfrm rot="5400000">
-            <a:off x="5371740" y="2844683"/>
-            <a:ext cx="73923" cy="2146"/>
+          <a:xfrm rot="16200000" flipH="1">
+            <a:off x="4750160" y="2275012"/>
+            <a:ext cx="57200" cy="810615"/>
           </a:xfrm>
           <a:prstGeom prst="bentConnector3">
             <a:avLst>
@@ -4160,8 +4407,8 @@
         </p:nvCxnSpPr>
         <p:spPr>
           <a:xfrm rot="5400000">
-            <a:off x="6893299" y="1422733"/>
-            <a:ext cx="280057" cy="1110721"/>
+            <a:off x="6873678" y="1324498"/>
+            <a:ext cx="434615" cy="1614149"/>
           </a:xfrm>
           <a:prstGeom prst="bentConnector3">
             <a:avLst>
@@ -4197,8 +4444,8 @@
         </p:nvSpPr>
         <p:spPr>
           <a:xfrm>
-            <a:off x="6045918" y="2118122"/>
-            <a:ext cx="864096" cy="324605"/>
+            <a:off x="5851862" y="2348880"/>
+            <a:ext cx="864096" cy="432048"/>
           </a:xfrm>
           <a:prstGeom prst="rect">
             <a:avLst/>
@@ -4234,14 +4481,14 @@
           <a:p>
             <a:pPr algn="ctr"/>
             <a:r>
-              <a:rPr lang="es-ES" sz="900" dirty="0">
+              <a:rPr lang="es-ES" sz="900" dirty="0" smtClean="0">
                 <a:solidFill>
                   <a:schemeClr val="tx1"/>
                 </a:solidFill>
                 <a:latin typeface="Arial"/>
                 <a:cs typeface="Arial"/>
               </a:rPr>
-              <a:t>de tendencia central</a:t>
+              <a:t>De tendencia central</a:t>
             </a:r>
           </a:p>
         </p:txBody>
@@ -4257,8 +4504,8 @@
         </p:nvCxnSpPr>
         <p:spPr>
           <a:xfrm rot="5400000">
-            <a:off x="7445024" y="1974458"/>
-            <a:ext cx="280057" cy="7271"/>
+            <a:off x="7439881" y="1890701"/>
+            <a:ext cx="434615" cy="481743"/>
           </a:xfrm>
           <a:prstGeom prst="bentConnector3">
             <a:avLst>
@@ -4294,8 +4541,8 @@
         </p:nvSpPr>
         <p:spPr>
           <a:xfrm>
-            <a:off x="8187641" y="2118122"/>
-            <a:ext cx="864095" cy="324093"/>
+            <a:off x="8172401" y="2348880"/>
+            <a:ext cx="864095" cy="432048"/>
           </a:xfrm>
           <a:prstGeom prst="rect">
             <a:avLst/>
@@ -4331,15 +4578,22 @@
           <a:p>
             <a:pPr algn="ctr"/>
             <a:r>
-              <a:rPr lang="es-ES" sz="900" dirty="0">
+              <a:rPr lang="es-ES" sz="900" dirty="0" smtClean="0">
                 <a:solidFill>
                   <a:schemeClr val="tx1"/>
                 </a:solidFill>
                 <a:latin typeface="Arial"/>
                 <a:cs typeface="Arial"/>
               </a:rPr>
-              <a:t>de tendencia no central</a:t>
-            </a:r>
+              <a:t>De tendencia no central</a:t>
+            </a:r>
+            <a:endParaRPr lang="es-ES" sz="900" dirty="0">
+              <a:solidFill>
+                <a:schemeClr val="tx1"/>
+              </a:solidFill>
+              <a:latin typeface="Arial"/>
+              <a:cs typeface="Arial"/>
+            </a:endParaRPr>
           </a:p>
         </p:txBody>
       </p:sp>
@@ -4348,13 +4602,14 @@
           <p:cNvPr id="460" name="Conector angular 459"/>
           <p:cNvCxnSpPr>
             <a:stCxn id="339" idx="2"/>
+            <a:endCxn id="459" idx="0"/>
           </p:cNvCxnSpPr>
           <p:nvPr/>
         </p:nvCxnSpPr>
         <p:spPr>
           <a:xfrm rot="16200000" flipH="1">
-            <a:off x="7952730" y="1474022"/>
-            <a:ext cx="280057" cy="1008142"/>
+            <a:off x="8033947" y="1778377"/>
+            <a:ext cx="434615" cy="706390"/>
           </a:xfrm>
           <a:prstGeom prst="bentConnector3">
             <a:avLst>
@@ -4390,8 +4645,8 @@
         </p:nvSpPr>
         <p:spPr>
           <a:xfrm>
-            <a:off x="7185372" y="2118122"/>
-            <a:ext cx="792088" cy="324095"/>
+            <a:off x="7020272" y="2348880"/>
+            <a:ext cx="792088" cy="432048"/>
           </a:xfrm>
           <a:prstGeom prst="rect">
             <a:avLst/>
@@ -4427,15 +4682,22 @@
           <a:p>
             <a:pPr algn="ctr"/>
             <a:r>
-              <a:rPr lang="es-ES" sz="900" dirty="0">
+              <a:rPr lang="es-ES" sz="900" dirty="0" smtClean="0">
                 <a:solidFill>
                   <a:schemeClr val="tx1"/>
                 </a:solidFill>
                 <a:latin typeface="Arial"/>
                 <a:cs typeface="Arial"/>
               </a:rPr>
-              <a:t>de dispersión</a:t>
-            </a:r>
+              <a:t>De dispersión</a:t>
+            </a:r>
+            <a:endParaRPr lang="es-ES" sz="900" dirty="0">
+              <a:solidFill>
+                <a:schemeClr val="tx1"/>
+              </a:solidFill>
+              <a:latin typeface="Arial"/>
+              <a:cs typeface="Arial"/>
+            </a:endParaRPr>
           </a:p>
         </p:txBody>
       </p:sp>
@@ -4447,8 +4709,8 @@
         </p:nvSpPr>
         <p:spPr>
           <a:xfrm>
-            <a:off x="6052670" y="2887856"/>
-            <a:ext cx="843299" cy="640426"/>
+            <a:off x="5724128" y="3212976"/>
+            <a:ext cx="1122431" cy="353519"/>
           </a:xfrm>
           <a:prstGeom prst="rect">
             <a:avLst/>
@@ -4482,15 +4744,22 @@
           <a:p>
             <a:pPr algn="ctr"/>
             <a:r>
-              <a:rPr lang="es-ES" sz="900" dirty="0">
+              <a:rPr lang="es-ES" sz="900" dirty="0" smtClean="0">
                 <a:solidFill>
                   <a:schemeClr val="tx1"/>
                 </a:solidFill>
                 <a:latin typeface="Arial"/>
                 <a:cs typeface="Arial"/>
               </a:rPr>
-              <a:t>media aritmética, mediana y moda</a:t>
-            </a:r>
+              <a:t>Media aritmética, mediana y moda</a:t>
+            </a:r>
+            <a:endParaRPr lang="es-ES" sz="900" dirty="0">
+              <a:solidFill>
+                <a:schemeClr val="tx1"/>
+              </a:solidFill>
+              <a:latin typeface="Arial"/>
+              <a:cs typeface="Arial"/>
+            </a:endParaRPr>
           </a:p>
         </p:txBody>
       </p:sp>
@@ -4502,8 +4771,8 @@
         </p:nvSpPr>
         <p:spPr>
           <a:xfrm>
-            <a:off x="5913104" y="3948867"/>
-            <a:ext cx="1118927" cy="916623"/>
+            <a:off x="5724128" y="3939577"/>
+            <a:ext cx="1118927" cy="641551"/>
           </a:xfrm>
           <a:prstGeom prst="rect">
             <a:avLst/>
@@ -4537,15 +4806,22 @@
           <a:p>
             <a:pPr algn="ctr"/>
             <a:r>
-              <a:rPr lang="es-ES" sz="900" dirty="0">
+              <a:rPr lang="es-ES" sz="900" dirty="0" smtClean="0">
                 <a:solidFill>
                   <a:schemeClr val="tx1"/>
                 </a:solidFill>
                 <a:latin typeface="Arial"/>
                 <a:cs typeface="Arial"/>
               </a:rPr>
-              <a:t>identificar comportamientos habituales de la variable estudiada</a:t>
-            </a:r>
+              <a:t>Identificar comportamientos habituales de la variable estudiada</a:t>
+            </a:r>
+            <a:endParaRPr lang="es-ES" sz="900" dirty="0">
+              <a:solidFill>
+                <a:schemeClr val="tx1"/>
+              </a:solidFill>
+              <a:latin typeface="Arial"/>
+              <a:cs typeface="Arial"/>
+            </a:endParaRPr>
           </a:p>
         </p:txBody>
       </p:sp>
@@ -4557,8 +4833,8 @@
         </p:nvSpPr>
         <p:spPr>
           <a:xfrm>
-            <a:off x="6239876" y="2548136"/>
-            <a:ext cx="473790" cy="230832"/>
+            <a:off x="5724128" y="2852936"/>
+            <a:ext cx="1117174" cy="230832"/>
           </a:xfrm>
           <a:prstGeom prst="rect">
             <a:avLst/>
@@ -4573,12 +4849,16 @@
           <a:p>
             <a:pPr algn="ctr"/>
             <a:r>
-              <a:rPr lang="es-ES" sz="900" dirty="0">
+              <a:rPr lang="es-ES" sz="900" dirty="0" smtClean="0">
                 <a:latin typeface="Arial"/>
                 <a:cs typeface="Arial"/>
               </a:rPr>
               <a:t>como</a:t>
             </a:r>
+            <a:endParaRPr lang="es-ES" sz="900" dirty="0">
+              <a:latin typeface="Arial"/>
+              <a:cs typeface="Arial"/>
+            </a:endParaRPr>
           </a:p>
         </p:txBody>
       </p:sp>
@@ -4593,8 +4873,8 @@
         </p:nvCxnSpPr>
         <p:spPr>
           <a:xfrm rot="5400000">
-            <a:off x="6424665" y="2494834"/>
-            <a:ext cx="105409" cy="1195"/>
+            <a:off x="6247309" y="2816335"/>
+            <a:ext cx="72008" cy="1195"/>
           </a:xfrm>
           <a:prstGeom prst="bentConnector3">
             <a:avLst>
@@ -4631,12 +4911,14 @@
           <p:nvPr/>
         </p:nvCxnSpPr>
         <p:spPr>
-          <a:xfrm rot="10800000" flipV="1">
-            <a:off x="6476772" y="2546344"/>
-            <a:ext cx="3921" cy="1792"/>
-          </a:xfrm>
-          <a:prstGeom prst="bentConnector2">
-            <a:avLst/>
+          <a:xfrm rot="5400000">
+            <a:off x="6283776" y="2850084"/>
+            <a:ext cx="1791" cy="3912"/>
+          </a:xfrm>
+          <a:prstGeom prst="bentConnector3">
+            <a:avLst>
+              <a:gd name="adj1" fmla="val 959129"/>
+            </a:avLst>
           </a:prstGeom>
           <a:ln w="12700">
             <a:solidFill>
@@ -4669,9 +4951,9 @@
           <p:nvPr/>
         </p:nvCxnSpPr>
         <p:spPr>
-          <a:xfrm rot="5400000">
-            <a:off x="6421102" y="2832187"/>
-            <a:ext cx="108888" cy="2451"/>
+          <a:xfrm rot="16200000" flipH="1">
+            <a:off x="6219425" y="3147057"/>
+            <a:ext cx="129208" cy="2629"/>
           </a:xfrm>
           <a:prstGeom prst="bentConnector3">
             <a:avLst>
@@ -4707,8 +4989,8 @@
         </p:nvSpPr>
         <p:spPr>
           <a:xfrm>
-            <a:off x="6258607" y="3619904"/>
-            <a:ext cx="430718" cy="230832"/>
+            <a:off x="5724128" y="3645024"/>
+            <a:ext cx="1117174" cy="230832"/>
           </a:xfrm>
           <a:prstGeom prst="rect">
             <a:avLst/>
@@ -4723,12 +5005,16 @@
           <a:p>
             <a:pPr algn="ctr"/>
             <a:r>
-              <a:rPr lang="es-ES" sz="900" dirty="0">
+              <a:rPr lang="es-ES" sz="900" dirty="0" smtClean="0">
                 <a:latin typeface="Arial"/>
                 <a:cs typeface="Arial"/>
               </a:rPr>
               <a:t>para</a:t>
             </a:r>
+            <a:endParaRPr lang="es-ES" sz="900" dirty="0">
+              <a:latin typeface="Arial"/>
+              <a:cs typeface="Arial"/>
+            </a:endParaRPr>
           </a:p>
         </p:txBody>
       </p:sp>
@@ -4743,8 +5029,8 @@
         </p:nvCxnSpPr>
         <p:spPr>
           <a:xfrm rot="5400000">
-            <a:off x="6428332" y="3573916"/>
-            <a:ext cx="91622" cy="354"/>
+            <a:off x="6244766" y="3604445"/>
+            <a:ext cx="78529" cy="2629"/>
           </a:xfrm>
           <a:prstGeom prst="bentConnector3">
             <a:avLst>
@@ -4782,9 +5068,46 @@
           <p:nvPr/>
         </p:nvCxnSpPr>
         <p:spPr>
-          <a:xfrm rot="5400000" flipH="1" flipV="1">
-            <a:off x="6424202" y="3899103"/>
-            <a:ext cx="98131" cy="1398"/>
+          <a:xfrm rot="16200000" flipV="1">
+            <a:off x="6251294" y="3907278"/>
+            <a:ext cx="63721" cy="877"/>
+          </a:xfrm>
+          <a:prstGeom prst="bentConnector3">
+            <a:avLst>
+              <a:gd name="adj1" fmla="val 50000"/>
+            </a:avLst>
+          </a:prstGeom>
+          <a:ln w="12700">
+            <a:solidFill>
+              <a:schemeClr val="tx1"/>
+            </a:solidFill>
+          </a:ln>
+        </p:spPr>
+        <p:style>
+          <a:lnRef idx="1">
+            <a:schemeClr val="accent1"/>
+          </a:lnRef>
+          <a:fillRef idx="0">
+            <a:schemeClr val="accent1"/>
+          </a:fillRef>
+          <a:effectRef idx="0">
+            <a:schemeClr val="accent1"/>
+          </a:effectRef>
+          <a:fontRef idx="minor">
+            <a:schemeClr val="tx1"/>
+          </a:fontRef>
+        </p:style>
+      </p:cxnSp>
+      <p:cxnSp>
+        <p:nvCxnSpPr>
+          <p:cNvPr id="523" name="Conector angular 522"/>
+          <p:cNvCxnSpPr/>
+          <p:nvPr/>
+        </p:nvCxnSpPr>
+        <p:spPr>
+          <a:xfrm rot="5400000">
+            <a:off x="6471130" y="3002484"/>
+            <a:ext cx="1791" cy="3912"/>
           </a:xfrm>
           <a:prstGeom prst="bentConnector3">
             <a:avLst>
@@ -4820,8 +5143,8 @@
         </p:nvSpPr>
         <p:spPr>
           <a:xfrm>
-            <a:off x="7036276" y="2894907"/>
-            <a:ext cx="1085377" cy="633376"/>
+            <a:off x="6876256" y="3212976"/>
+            <a:ext cx="1085377" cy="792088"/>
           </a:xfrm>
           <a:prstGeom prst="rect">
             <a:avLst/>
@@ -4855,15 +5178,22 @@
           <a:p>
             <a:pPr algn="ctr"/>
             <a:r>
-              <a:rPr lang="es-ES" sz="900" dirty="0">
+              <a:rPr lang="es-ES" sz="900" dirty="0" smtClean="0">
                 <a:solidFill>
                   <a:schemeClr val="tx1"/>
                 </a:solidFill>
                 <a:latin typeface="Arial"/>
                 <a:cs typeface="Arial"/>
               </a:rPr>
-              <a:t>rango, desviación media, varianza y desviación estándar</a:t>
-            </a:r>
+              <a:t>Rango, desviación media, varianza y desviación estándar</a:t>
+            </a:r>
+            <a:endParaRPr lang="es-ES" sz="900" dirty="0">
+              <a:solidFill>
+                <a:schemeClr val="tx1"/>
+              </a:solidFill>
+              <a:latin typeface="Arial"/>
+              <a:cs typeface="Arial"/>
+            </a:endParaRPr>
           </a:p>
         </p:txBody>
       </p:sp>
@@ -4875,8 +5205,8 @@
         </p:nvSpPr>
         <p:spPr>
           <a:xfrm>
-            <a:off x="7065757" y="3948867"/>
-            <a:ext cx="1017206" cy="916623"/>
+            <a:off x="6868115" y="4443633"/>
+            <a:ext cx="1118927" cy="641551"/>
           </a:xfrm>
           <a:prstGeom prst="rect">
             <a:avLst/>
@@ -4910,15 +5240,22 @@
           <a:p>
             <a:pPr algn="ctr"/>
             <a:r>
-              <a:rPr lang="es-ES" sz="900" dirty="0">
+              <a:rPr lang="es-ES" sz="900" dirty="0" smtClean="0">
                 <a:solidFill>
                   <a:schemeClr val="tx1"/>
                 </a:solidFill>
                 <a:latin typeface="Arial"/>
                 <a:cs typeface="Arial"/>
               </a:rPr>
-              <a:t>identificar formas de variación de la variable estudiadas</a:t>
-            </a:r>
+              <a:t>Identificar formas de variación de la variable estudiadas</a:t>
+            </a:r>
+            <a:endParaRPr lang="es-ES" sz="900" dirty="0">
+              <a:solidFill>
+                <a:schemeClr val="tx1"/>
+              </a:solidFill>
+              <a:latin typeface="Arial"/>
+              <a:cs typeface="Arial"/>
+            </a:endParaRPr>
           </a:p>
         </p:txBody>
       </p:sp>
@@ -4930,8 +5267,8 @@
         </p:nvSpPr>
         <p:spPr>
           <a:xfrm>
-            <a:off x="7341686" y="2548136"/>
-            <a:ext cx="473790" cy="230832"/>
+            <a:off x="6859974" y="2852936"/>
+            <a:ext cx="1117174" cy="230832"/>
           </a:xfrm>
           <a:prstGeom prst="rect">
             <a:avLst/>
@@ -4946,12 +5283,16 @@
           <a:p>
             <a:pPr algn="ctr"/>
             <a:r>
-              <a:rPr lang="es-ES" sz="900" dirty="0">
+              <a:rPr lang="es-ES" sz="900" dirty="0" smtClean="0">
                 <a:latin typeface="Arial"/>
                 <a:cs typeface="Arial"/>
               </a:rPr>
               <a:t>como</a:t>
             </a:r>
+            <a:endParaRPr lang="es-ES" sz="900" dirty="0">
+              <a:latin typeface="Arial"/>
+              <a:cs typeface="Arial"/>
+            </a:endParaRPr>
           </a:p>
         </p:txBody>
       </p:sp>
@@ -4965,9 +5306,9 @@
           <p:nvPr/>
         </p:nvCxnSpPr>
         <p:spPr>
-          <a:xfrm rot="5400000">
-            <a:off x="7527040" y="2493759"/>
-            <a:ext cx="105919" cy="2835"/>
+          <a:xfrm rot="16200000" flipH="1">
+            <a:off x="7381434" y="2815809"/>
+            <a:ext cx="72008" cy="2245"/>
           </a:xfrm>
           <a:prstGeom prst="bentConnector3">
             <a:avLst>
@@ -5006,8 +5347,8 @@
         </p:nvCxnSpPr>
         <p:spPr>
           <a:xfrm rot="16200000" flipH="1">
-            <a:off x="7520804" y="2836745"/>
-            <a:ext cx="115939" cy="384"/>
+            <a:off x="7354149" y="3148180"/>
+            <a:ext cx="129208" cy="384"/>
           </a:xfrm>
           <a:prstGeom prst="bentConnector3">
             <a:avLst>
@@ -5043,8 +5384,8 @@
         </p:nvSpPr>
         <p:spPr>
           <a:xfrm>
-            <a:off x="7361111" y="3621389"/>
-            <a:ext cx="430718" cy="230832"/>
+            <a:off x="6855484" y="4134272"/>
+            <a:ext cx="1117174" cy="230832"/>
           </a:xfrm>
           <a:prstGeom prst="rect">
             <a:avLst/>
@@ -5059,12 +5400,16 @@
           <a:p>
             <a:pPr algn="ctr"/>
             <a:r>
-              <a:rPr lang="es-ES" sz="900" dirty="0">
+              <a:rPr lang="es-ES" sz="900" dirty="0" smtClean="0">
                 <a:latin typeface="Arial"/>
                 <a:cs typeface="Arial"/>
               </a:rPr>
               <a:t>para</a:t>
             </a:r>
+            <a:endParaRPr lang="es-ES" sz="900" dirty="0">
+              <a:latin typeface="Arial"/>
+              <a:cs typeface="Arial"/>
+            </a:endParaRPr>
           </a:p>
         </p:txBody>
       </p:sp>
@@ -5079,8 +5424,8 @@
         </p:nvCxnSpPr>
         <p:spPr>
           <a:xfrm rot="5400000">
-            <a:off x="7531165" y="3573589"/>
-            <a:ext cx="93106" cy="2495"/>
+            <a:off x="7351904" y="4067231"/>
+            <a:ext cx="129208" cy="4874"/>
           </a:xfrm>
           <a:prstGeom prst="bentConnector3">
             <a:avLst>
@@ -5118,9 +5463,46 @@
           <p:nvPr/>
         </p:nvCxnSpPr>
         <p:spPr>
-          <a:xfrm rot="5400000" flipH="1" flipV="1">
-            <a:off x="7527092" y="3899489"/>
-            <a:ext cx="96646" cy="2110"/>
+          <a:xfrm rot="16200000" flipV="1">
+            <a:off x="7381561" y="4397615"/>
+            <a:ext cx="78529" cy="13508"/>
+          </a:xfrm>
+          <a:prstGeom prst="bentConnector3">
+            <a:avLst>
+              <a:gd name="adj1" fmla="val 50000"/>
+            </a:avLst>
+          </a:prstGeom>
+          <a:ln w="12700">
+            <a:solidFill>
+              <a:schemeClr val="tx1"/>
+            </a:solidFill>
+          </a:ln>
+        </p:spPr>
+        <p:style>
+          <a:lnRef idx="1">
+            <a:schemeClr val="accent1"/>
+          </a:lnRef>
+          <a:fillRef idx="0">
+            <a:schemeClr val="accent1"/>
+          </a:fillRef>
+          <a:effectRef idx="0">
+            <a:schemeClr val="accent1"/>
+          </a:effectRef>
+          <a:fontRef idx="minor">
+            <a:schemeClr val="tx1"/>
+          </a:fontRef>
+        </p:style>
+      </p:cxnSp>
+      <p:cxnSp>
+        <p:nvCxnSpPr>
+          <p:cNvPr id="546" name="Conector angular 545"/>
+          <p:cNvCxnSpPr/>
+          <p:nvPr/>
+        </p:nvCxnSpPr>
+        <p:spPr>
+          <a:xfrm rot="5400000">
+            <a:off x="7444288" y="3002484"/>
+            <a:ext cx="1791" cy="3912"/>
           </a:xfrm>
           <a:prstGeom prst="bentConnector3">
             <a:avLst>
@@ -5156,8 +5538,8 @@
         </p:nvSpPr>
         <p:spPr>
           <a:xfrm>
-            <a:off x="8218545" y="2894612"/>
-            <a:ext cx="807117" cy="633672"/>
+            <a:off x="8069727" y="3212976"/>
+            <a:ext cx="1074273" cy="576064"/>
           </a:xfrm>
           <a:prstGeom prst="rect">
             <a:avLst/>
@@ -5191,17 +5573,17 @@
           <a:p>
             <a:pPr algn="ctr"/>
             <a:r>
-              <a:rPr lang="es-ES" sz="900" dirty="0">
+              <a:rPr lang="es-ES" sz="900" dirty="0" smtClean="0">
                 <a:solidFill>
                   <a:schemeClr val="tx1"/>
                 </a:solidFill>
                 <a:latin typeface="Arial"/>
                 <a:cs typeface="Arial"/>
               </a:rPr>
-              <a:t>cuartiles, quintiles, </a:t>
-            </a:r>
-            <a:r>
-              <a:rPr lang="es-ES" sz="900" dirty="0" err="1">
+              <a:t>Cuartiles, quintiles, </a:t>
+            </a:r>
+            <a:r>
+              <a:rPr lang="es-ES" sz="900" dirty="0" err="1" smtClean="0">
                 <a:solidFill>
                   <a:schemeClr val="tx1"/>
                 </a:solidFill>
@@ -5211,7 +5593,7 @@
               <a:t>deciles</a:t>
             </a:r>
             <a:r>
-              <a:rPr lang="es-ES" sz="900" dirty="0">
+              <a:rPr lang="es-ES" sz="900" dirty="0" smtClean="0">
                 <a:solidFill>
                   <a:schemeClr val="tx1"/>
                 </a:solidFill>
@@ -5221,7 +5603,7 @@
               <a:t> y </a:t>
             </a:r>
             <a:r>
-              <a:rPr lang="es-ES" sz="900" dirty="0" err="1">
+              <a:rPr lang="es-ES" sz="900" dirty="0" err="1" smtClean="0">
                 <a:solidFill>
                   <a:schemeClr val="tx1"/>
                 </a:solidFill>
@@ -5248,8 +5630,8 @@
         </p:nvSpPr>
         <p:spPr>
           <a:xfrm>
-            <a:off x="8117030" y="3948867"/>
-            <a:ext cx="1017206" cy="916623"/>
+            <a:off x="8025073" y="4293096"/>
+            <a:ext cx="1118927" cy="641551"/>
           </a:xfrm>
           <a:prstGeom prst="rect">
             <a:avLst/>
@@ -5283,28 +5665,38 @@
           <a:p>
             <a:pPr algn="ctr"/>
             <a:r>
-              <a:rPr lang="es-ES" sz="900" dirty="0">
+              <a:rPr lang="es-ES" sz="900" dirty="0" smtClean="0">
                 <a:solidFill>
                   <a:schemeClr val="tx1"/>
                 </a:solidFill>
                 <a:latin typeface="Arial"/>
                 <a:cs typeface="Arial"/>
               </a:rPr>
-              <a:t>observar globalmente el comportamiento de la variable</a:t>
-            </a:r>
+              <a:t>Observar globalmente el comportamiento de la variable</a:t>
+            </a:r>
+            <a:endParaRPr lang="es-ES" sz="900" dirty="0">
+              <a:solidFill>
+                <a:schemeClr val="tx1"/>
+              </a:solidFill>
+              <a:latin typeface="Arial"/>
+              <a:cs typeface="Arial"/>
+            </a:endParaRPr>
           </a:p>
         </p:txBody>
       </p:sp>
       <p:cxnSp>
         <p:nvCxnSpPr>
           <p:cNvPr id="601" name="Conector angular 600"/>
-          <p:cNvCxnSpPr/>
+          <p:cNvCxnSpPr>
+            <a:stCxn id="610" idx="2"/>
+            <a:endCxn id="599" idx="0"/>
+          </p:cNvCxnSpPr>
           <p:nvPr/>
         </p:nvCxnSpPr>
         <p:spPr>
           <a:xfrm rot="16200000" flipH="1">
-            <a:off x="8540856" y="2836224"/>
-            <a:ext cx="115644" cy="1131"/>
+            <a:off x="8531534" y="3137646"/>
+            <a:ext cx="129208" cy="21451"/>
           </a:xfrm>
           <a:prstGeom prst="bentConnector3">
             <a:avLst>
@@ -5340,8 +5732,8 @@
         </p:nvSpPr>
         <p:spPr>
           <a:xfrm>
-            <a:off x="8409409" y="3621389"/>
-            <a:ext cx="430718" cy="230832"/>
+            <a:off x="8048954" y="3933056"/>
+            <a:ext cx="1117174" cy="230832"/>
           </a:xfrm>
           <a:prstGeom prst="rect">
             <a:avLst/>
@@ -5356,25 +5748,32 @@
           <a:p>
             <a:pPr algn="ctr"/>
             <a:r>
-              <a:rPr lang="es-ES" sz="900" dirty="0">
+              <a:rPr lang="es-ES" sz="900" dirty="0" smtClean="0">
                 <a:latin typeface="Arial"/>
                 <a:cs typeface="Arial"/>
               </a:rPr>
               <a:t>para</a:t>
             </a:r>
+            <a:endParaRPr lang="es-ES" sz="900" dirty="0">
+              <a:latin typeface="Arial"/>
+              <a:cs typeface="Arial"/>
+            </a:endParaRPr>
           </a:p>
         </p:txBody>
       </p:sp>
       <p:cxnSp>
         <p:nvCxnSpPr>
           <p:cNvPr id="603" name="Conector angular 602"/>
-          <p:cNvCxnSpPr/>
+          <p:cNvCxnSpPr>
+            <a:stCxn id="599" idx="2"/>
+            <a:endCxn id="602" idx="0"/>
+          </p:cNvCxnSpPr>
           <p:nvPr/>
         </p:nvCxnSpPr>
         <p:spPr>
           <a:xfrm rot="16200000" flipH="1">
-            <a:off x="8554024" y="3573504"/>
-            <a:ext cx="93105" cy="2664"/>
+            <a:off x="8535194" y="3860709"/>
+            <a:ext cx="144016" cy="677"/>
           </a:xfrm>
           <a:prstGeom prst="bentConnector3">
             <a:avLst>
@@ -5405,13 +5804,16 @@
       <p:cxnSp>
         <p:nvCxnSpPr>
           <p:cNvPr id="604" name="Conector angular 603"/>
-          <p:cNvCxnSpPr/>
+          <p:cNvCxnSpPr>
+            <a:stCxn id="600" idx="0"/>
+            <a:endCxn id="602" idx="2"/>
+          </p:cNvCxnSpPr>
           <p:nvPr/>
         </p:nvCxnSpPr>
         <p:spPr>
-          <a:xfrm rot="16200000" flipV="1">
-            <a:off x="8554018" y="3900111"/>
-            <a:ext cx="96646" cy="865"/>
+          <a:xfrm rot="5400000" flipH="1" flipV="1">
+            <a:off x="8531435" y="4216990"/>
+            <a:ext cx="129208" cy="23004"/>
           </a:xfrm>
           <a:prstGeom prst="bentConnector3">
             <a:avLst>
@@ -5441,14 +5843,54 @@
       </p:cxnSp>
       <p:cxnSp>
         <p:nvCxnSpPr>
+          <p:cNvPr id="605" name="Conector angular 604"/>
+          <p:cNvCxnSpPr/>
+          <p:nvPr/>
+        </p:nvCxnSpPr>
+        <p:spPr>
+          <a:xfrm rot="5400000">
+            <a:off x="8637758" y="3146500"/>
+            <a:ext cx="1791" cy="3912"/>
+          </a:xfrm>
+          <a:prstGeom prst="bentConnector3">
+            <a:avLst>
+              <a:gd name="adj1" fmla="val 50000"/>
+            </a:avLst>
+          </a:prstGeom>
+          <a:ln w="12700">
+            <a:solidFill>
+              <a:schemeClr val="tx1"/>
+            </a:solidFill>
+          </a:ln>
+        </p:spPr>
+        <p:style>
+          <a:lnRef idx="1">
+            <a:schemeClr val="accent1"/>
+          </a:lnRef>
+          <a:fillRef idx="0">
+            <a:schemeClr val="accent1"/>
+          </a:fillRef>
+          <a:effectRef idx="0">
+            <a:schemeClr val="accent1"/>
+          </a:effectRef>
+          <a:fontRef idx="minor">
+            <a:schemeClr val="tx1"/>
+          </a:fontRef>
+        </p:style>
+      </p:cxnSp>
+      <p:cxnSp>
+        <p:nvCxnSpPr>
           <p:cNvPr id="606" name="Conector angular 605"/>
-          <p:cNvCxnSpPr/>
+          <p:cNvCxnSpPr>
+            <a:stCxn id="459" idx="2"/>
+            <a:endCxn id="610" idx="0"/>
+          </p:cNvCxnSpPr>
           <p:nvPr/>
         </p:nvCxnSpPr>
         <p:spPr>
-          <a:xfrm rot="16200000" flipH="1">
-            <a:off x="8544511" y="2494533"/>
-            <a:ext cx="105921" cy="1284"/>
+          <a:xfrm rot="5400000">
+            <a:off x="8558927" y="2807414"/>
+            <a:ext cx="72008" cy="19036"/>
           </a:xfrm>
           <a:prstGeom prst="bentConnector3">
             <a:avLst>
@@ -5484,8 +5926,8 @@
         </p:nvSpPr>
         <p:spPr>
           <a:xfrm>
-            <a:off x="8384078" y="2548136"/>
-            <a:ext cx="473790" cy="230832"/>
+            <a:off x="8026826" y="2852936"/>
+            <a:ext cx="1117174" cy="230832"/>
           </a:xfrm>
           <a:prstGeom prst="rect">
             <a:avLst/>
@@ -5500,12 +5942,16 @@
           <a:p>
             <a:pPr algn="ctr"/>
             <a:r>
-              <a:rPr lang="es-ES" sz="900" dirty="0">
+              <a:rPr lang="es-ES" sz="900" dirty="0" smtClean="0">
                 <a:latin typeface="Arial"/>
                 <a:cs typeface="Arial"/>
               </a:rPr>
               <a:t>como</a:t>
             </a:r>
+            <a:endParaRPr lang="es-ES" sz="900" dirty="0">
+              <a:latin typeface="Arial"/>
+              <a:cs typeface="Arial"/>
+            </a:endParaRPr>
           </a:p>
         </p:txBody>
       </p:sp>
@@ -5517,8 +5963,8 @@
         </p:nvSpPr>
         <p:spPr>
           <a:xfrm>
-            <a:off x="959958" y="5013176"/>
-            <a:ext cx="960972" cy="360040"/>
+            <a:off x="500745" y="5013176"/>
+            <a:ext cx="1406959" cy="360040"/>
           </a:xfrm>
           <a:prstGeom prst="rect">
             <a:avLst/>
@@ -5552,6 +5998,16 @@
           <a:p>
             <a:pPr algn="ctr"/>
             <a:r>
+              <a:rPr lang="es-ES" sz="900" dirty="0" smtClean="0">
+                <a:solidFill>
+                  <a:schemeClr val="tx1"/>
+                </a:solidFill>
+                <a:latin typeface="Arial"/>
+                <a:cs typeface="Arial"/>
+              </a:rPr>
+              <a:t>Diagramas de caja y bigot</a:t>
+            </a:r>
+            <a:r>
               <a:rPr lang="es-ES" sz="900" dirty="0">
                 <a:solidFill>
                   <a:schemeClr val="tx1"/>
@@ -5559,7 +6015,7 @@
                 <a:latin typeface="Arial"/>
                 <a:cs typeface="Arial"/>
               </a:rPr>
-              <a:t>diagramas de caja y bigote</a:t>
+              <a:t>e</a:t>
             </a:r>
           </a:p>
         </p:txBody>
@@ -5575,8 +6031,8 @@
         </p:nvCxnSpPr>
         <p:spPr>
           <a:xfrm rot="16200000" flipV="1">
-            <a:off x="1390111" y="4962842"/>
-            <a:ext cx="100091" cy="577"/>
+            <a:off x="1175336" y="4984286"/>
+            <a:ext cx="57200" cy="579"/>
           </a:xfrm>
           <a:prstGeom prst="bentConnector3">
             <a:avLst>
@@ -5612,8 +6068,8 @@
         </p:nvSpPr>
         <p:spPr>
           <a:xfrm>
-            <a:off x="214636" y="5904540"/>
-            <a:ext cx="1182448" cy="569543"/>
+            <a:off x="1043608" y="5739777"/>
+            <a:ext cx="2304256" cy="569543"/>
           </a:xfrm>
           <a:prstGeom prst="rect">
             <a:avLst/>
@@ -5647,15 +6103,22 @@
           <a:p>
             <a:pPr algn="ctr"/>
             <a:r>
-              <a:rPr lang="es-ES" sz="900" dirty="0">
+              <a:rPr lang="es-ES" sz="900" dirty="0" smtClean="0">
                 <a:solidFill>
                   <a:schemeClr val="tx1"/>
                 </a:solidFill>
                 <a:latin typeface="Arial"/>
                 <a:cs typeface="Arial"/>
               </a:rPr>
-              <a:t>análisis unidimensional del comportamiento de una variable </a:t>
-            </a:r>
+              <a:t>Análisis unidimensional del comportamiento de una variable </a:t>
+            </a:r>
+            <a:endParaRPr lang="es-ES" sz="900" dirty="0">
+              <a:solidFill>
+                <a:schemeClr val="tx1"/>
+              </a:solidFill>
+              <a:latin typeface="Arial"/>
+              <a:cs typeface="Arial"/>
+            </a:endParaRPr>
           </a:p>
         </p:txBody>
       </p:sp>
@@ -5667,8 +6130,8 @@
         </p:nvSpPr>
         <p:spPr>
           <a:xfrm>
-            <a:off x="981382" y="5471213"/>
-            <a:ext cx="925689" cy="230832"/>
+            <a:off x="2443804" y="5078517"/>
+            <a:ext cx="1120084" cy="230832"/>
           </a:xfrm>
           <a:prstGeom prst="rect">
             <a:avLst/>
@@ -5683,14 +6146,14 @@
           <a:p>
             <a:pPr algn="ctr"/>
             <a:r>
-              <a:rPr lang="es-ES" sz="900" dirty="0">
+              <a:rPr lang="es-ES" sz="900" dirty="0" smtClean="0">
                 <a:latin typeface="Arial"/>
                 <a:cs typeface="Arial"/>
               </a:rPr>
               <a:t>a</a:t>
             </a:r>
             <a:r>
-              <a:rPr lang="es-ES_tradnl" sz="900" dirty="0">
+              <a:rPr lang="es-ES_tradnl" sz="900" dirty="0" smtClean="0">
                 <a:latin typeface="Arial"/>
                 <a:cs typeface="Arial"/>
               </a:rPr>
@@ -5707,15 +6170,15 @@
         <p:nvCxnSpPr>
           <p:cNvPr id="622" name="Conector angular 621"/>
           <p:cNvCxnSpPr>
-            <a:stCxn id="621" idx="0"/>
-            <a:endCxn id="618" idx="2"/>
+            <a:stCxn id="621" idx="1"/>
+            <a:endCxn id="618" idx="3"/>
           </p:cNvCxnSpPr>
           <p:nvPr/>
         </p:nvCxnSpPr>
         <p:spPr>
-          <a:xfrm rot="16200000" flipV="1">
-            <a:off x="1393338" y="5420323"/>
-            <a:ext cx="97997" cy="3783"/>
+          <a:xfrm rot="10800000">
+            <a:off x="1907704" y="5193197"/>
+            <a:ext cx="536100" cy="737"/>
           </a:xfrm>
           <a:prstGeom prst="bentConnector3">
             <a:avLst>
@@ -5754,8 +6217,8 @@
         </p:nvCxnSpPr>
         <p:spPr>
           <a:xfrm rot="5400000" flipH="1" flipV="1">
-            <a:off x="1023796" y="5484110"/>
-            <a:ext cx="202495" cy="638367"/>
+            <a:off x="2384577" y="5120508"/>
+            <a:ext cx="430428" cy="808110"/>
           </a:xfrm>
           <a:prstGeom prst="bentConnector3">
             <a:avLst>
@@ -5791,8 +6254,8 @@
         </p:nvSpPr>
         <p:spPr>
           <a:xfrm>
-            <a:off x="1223946" y="4722315"/>
-            <a:ext cx="431841" cy="190770"/>
+            <a:off x="643604" y="4725144"/>
+            <a:ext cx="1120084" cy="230832"/>
           </a:xfrm>
           <a:prstGeom prst="rect">
             <a:avLst/>
@@ -5807,19 +6270,23 @@
           <a:p>
             <a:pPr algn="ctr"/>
             <a:r>
-              <a:rPr lang="pt-BR" sz="900" dirty="0">
+              <a:rPr lang="pt-BR" sz="900" dirty="0" smtClean="0">
                 <a:latin typeface="Arial"/>
                 <a:cs typeface="Arial"/>
               </a:rPr>
               <a:t>o</a:t>
             </a:r>
             <a:r>
-              <a:rPr lang="es-ES" sz="900" dirty="0">
+              <a:rPr lang="es-ES" sz="900" dirty="0" smtClean="0">
                 <a:latin typeface="Arial"/>
                 <a:cs typeface="Arial"/>
               </a:rPr>
               <a:t> en</a:t>
             </a:r>
+            <a:endParaRPr lang="es-ES" sz="900" dirty="0">
+              <a:latin typeface="Arial"/>
+              <a:cs typeface="Arial"/>
+            </a:endParaRPr>
           </a:p>
         </p:txBody>
       </p:sp>
@@ -5834,8 +6301,8 @@
         </p:nvCxnSpPr>
         <p:spPr>
           <a:xfrm rot="16200000" flipH="1">
-            <a:off x="1404887" y="4687334"/>
-            <a:ext cx="69179" cy="782"/>
+            <a:off x="1159631" y="4681129"/>
+            <a:ext cx="72008" cy="16022"/>
           </a:xfrm>
           <a:prstGeom prst="bentConnector3">
             <a:avLst>
@@ -5871,8 +6338,8 @@
         </p:nvSpPr>
         <p:spPr>
           <a:xfrm>
-            <a:off x="1500813" y="5898018"/>
-            <a:ext cx="1514819" cy="576065"/>
+            <a:off x="3419872" y="5733256"/>
+            <a:ext cx="2016224" cy="576064"/>
           </a:xfrm>
           <a:prstGeom prst="rect">
             <a:avLst/>
@@ -5906,6 +6373,16 @@
           <a:p>
             <a:pPr algn="ctr"/>
             <a:r>
+              <a:rPr lang="es-ES" sz="900" dirty="0" smtClean="0">
+                <a:solidFill>
+                  <a:schemeClr val="tx1"/>
+                </a:solidFill>
+                <a:latin typeface="Arial"/>
+                <a:cs typeface="Arial"/>
+              </a:rPr>
+              <a:t>Análisis bi</a:t>
+            </a:r>
+            <a:r>
               <a:rPr lang="es-ES" sz="900" dirty="0">
                 <a:solidFill>
                   <a:schemeClr val="tx1"/>
@@ -5913,8 +6390,45 @@
                 <a:latin typeface="Arial"/>
                 <a:cs typeface="Arial"/>
               </a:rPr>
-              <a:t>análisis bidimensional del comportamiento de dos variables interrelacionadas entre sí</a:t>
-            </a:r>
+              <a:t>dimensional del comportamiento de </a:t>
+            </a:r>
+            <a:r>
+              <a:rPr lang="es-ES" sz="900" dirty="0" smtClean="0">
+                <a:solidFill>
+                  <a:schemeClr val="tx1"/>
+                </a:solidFill>
+                <a:latin typeface="Arial"/>
+                <a:cs typeface="Arial"/>
+              </a:rPr>
+              <a:t>dos variables interrelacionadas entre sí</a:t>
+            </a:r>
+            <a:endParaRPr lang="es-ES" sz="900" dirty="0">
+              <a:solidFill>
+                <a:schemeClr val="tx1"/>
+              </a:solidFill>
+              <a:latin typeface="Arial"/>
+              <a:cs typeface="Arial"/>
+            </a:endParaRPr>
+          </a:p>
+          <a:p>
+            <a:pPr algn="ctr"/>
+            <a:r>
+              <a:rPr lang="es-ES" sz="900" dirty="0" smtClean="0">
+                <a:solidFill>
+                  <a:schemeClr val="tx1"/>
+                </a:solidFill>
+                <a:latin typeface="Arial"/>
+                <a:cs typeface="Arial"/>
+              </a:rPr>
+              <a:t> </a:t>
+            </a:r>
+            <a:endParaRPr lang="es-ES" sz="900" dirty="0">
+              <a:solidFill>
+                <a:schemeClr val="tx1"/>
+              </a:solidFill>
+              <a:latin typeface="Arial"/>
+              <a:cs typeface="Arial"/>
+            </a:endParaRPr>
           </a:p>
         </p:txBody>
       </p:sp>
@@ -5929,8 +6443,8 @@
         </p:nvCxnSpPr>
         <p:spPr>
           <a:xfrm rot="16200000" flipV="1">
-            <a:off x="1753239" y="5393034"/>
-            <a:ext cx="195973" cy="813996"/>
+            <a:off x="3503962" y="4809234"/>
+            <a:ext cx="423907" cy="1424138"/>
           </a:xfrm>
           <a:prstGeom prst="bentConnector3">
             <a:avLst>
@@ -5958,105 +6472,6 @@
           </a:fontRef>
         </p:style>
       </p:cxnSp>
-      <p:sp>
-        <p:nvSpPr>
-          <p:cNvPr id="102" name="CuadroTexto 101" descr="Conector entre nodos" title="conector"/>
-          <p:cNvSpPr txBox="1"/>
-          <p:nvPr/>
-        </p:nvSpPr>
-        <p:spPr>
-          <a:xfrm>
-            <a:off x="4075049" y="2483546"/>
-            <a:ext cx="693677" cy="337962"/>
-          </a:xfrm>
-          <a:prstGeom prst="rect">
-            <a:avLst/>
-          </a:prstGeom>
-          <a:noFill/>
-        </p:spPr>
-        <p:txBody>
-          <a:bodyPr wrap="square" rtlCol="0">
-            <a:spAutoFit/>
-          </a:bodyPr>
-          <a:lstStyle/>
-          <a:p>
-            <a:pPr algn="ctr"/>
-            <a:r>
-              <a:rPr lang="es-ES" sz="900" dirty="0">
-                <a:latin typeface="Arial"/>
-                <a:cs typeface="Arial"/>
-              </a:rPr>
-              <a:t>mediante el cual</a:t>
-            </a:r>
-          </a:p>
-        </p:txBody>
-      </p:sp>
-      <p:sp>
-        <p:nvSpPr>
-          <p:cNvPr id="104" name="CuadroTexto 103" descr="Conector entre nodos" title="conector"/>
-          <p:cNvSpPr txBox="1"/>
-          <p:nvPr/>
-        </p:nvSpPr>
-        <p:spPr>
-          <a:xfrm>
-            <a:off x="3184959" y="2508820"/>
-            <a:ext cx="693677" cy="307238"/>
-          </a:xfrm>
-          <a:prstGeom prst="rect">
-            <a:avLst/>
-          </a:prstGeom>
-          <a:noFill/>
-        </p:spPr>
-        <p:txBody>
-          <a:bodyPr wrap="square" rtlCol="0">
-            <a:spAutoFit/>
-          </a:bodyPr>
-          <a:lstStyle/>
-          <a:p>
-            <a:pPr algn="ctr"/>
-            <a:r>
-              <a:rPr lang="es-ES" sz="900" dirty="0">
-                <a:latin typeface="Arial"/>
-                <a:cs typeface="Arial"/>
-              </a:rPr>
-              <a:t>mediante el cual</a:t>
-            </a:r>
-          </a:p>
-        </p:txBody>
-      </p:sp>
-      <p:sp>
-        <p:nvSpPr>
-          <p:cNvPr id="106" name="CuadroTexto 105" descr="Conector entre nodos" title="conector"/>
-          <p:cNvSpPr txBox="1"/>
-          <p:nvPr/>
-        </p:nvSpPr>
-        <p:spPr>
-          <a:xfrm>
-            <a:off x="2320548" y="2484970"/>
-            <a:ext cx="693677" cy="337962"/>
-          </a:xfrm>
-          <a:prstGeom prst="rect">
-            <a:avLst/>
-          </a:prstGeom>
-          <a:noFill/>
-        </p:spPr>
-        <p:txBody>
-          <a:bodyPr wrap="square" rtlCol="0">
-            <a:spAutoFit/>
-          </a:bodyPr>
-          <a:lstStyle/>
-          <a:p>
-            <a:pPr algn="ctr"/>
-            <a:r>
-              <a:rPr lang="es-ES" sz="900" dirty="0">
-                <a:latin typeface="Arial"/>
-                <a:cs typeface="Arial"/>
-              </a:rPr>
-              <a:t>mediante el cual</a:t>
-            </a:r>
-          </a:p>
-        </p:txBody>
-      </p:sp>
     </p:spTree>
     <p:extLst>
       <p:ext uri="{BB962C8B-B14F-4D97-AF65-F5344CB8AC3E}">
@@ -6067,6 +6482,13 @@
   <p:clrMapOvr>
     <a:masterClrMapping/>
   </p:clrMapOvr>
+  <p:timing>
+    <p:tnLst>
+      <p:par>
+        <p:cTn xmlns:p14="http://schemas.microsoft.com/office/powerpoint/2010/main" id="1" dur="indefinite" restart="never" nodeType="tmRoot"/>
+      </p:par>
+    </p:tnLst>
+  </p:timing>
 </p:sld>
 </file>
 
@@ -6325,7 +6747,7 @@
   <a:extraClrSchemeLst/>
   <a:extLst>
     <a:ext uri="{05A4C25C-085E-4340-85A3-A5531E510DB2}">
-      <thm15:themeFamily xmlns:thm15="http://schemas.microsoft.com/office/thememl/2012/main" name="Office Theme" id="{62F939B6-93AF-4DB8-9C6B-D6C7DFDC589F}" vid="{4A3C46E8-61CC-4603-A589-7422A47A8E4A}"/>
+      <thm15:themeFamily xmlns:thm15="http://schemas.microsoft.com/office/thememl/2012/main" xmlns="" name="Office Theme" id="{62F939B6-93AF-4DB8-9C6B-D6C7DFDC589F}" vid="{4A3C46E8-61CC-4603-A589-7422A47A8E4A}"/>
     </a:ext>
   </a:extLst>
 </a:theme>
